--- a/storyboard-draft.pptx
+++ b/storyboard-draft.pptx
@@ -112,7 +112,41 @@
       </a:defRPr>
     </a:lvl9pPr>
   </p:defaultTextStyle>
+  <p:extLst>
+    <p:ext uri="{EFAFB233-063F-42B5-8137-9DF3F51BA10A}">
+      <p15:sldGuideLst xmlns:p15="http://schemas.microsoft.com/office/powerpoint/2012/main"/>
+    </p:ext>
+  </p:extLst>
 </p:presentation>
+</file>
+
+<file path=ppt/changesInfos/changesInfo1.xml><?xml version="1.0" encoding="utf-8"?>
+<pc:chgInfo xmlns:a="http://schemas.openxmlformats.org/drawingml/2006/main" xmlns:r="http://schemas.openxmlformats.org/officeDocument/2006/relationships" xmlns:ac="http://schemas.microsoft.com/office/drawing/2013/main/command" xmlns:pc="http://schemas.microsoft.com/office/powerpoint/2013/main/command">
+  <pc:docChgLst>
+    <pc:chgData name="Alexander Barron" userId="d4d1134c-0bd6-416e-972d-f1593cf42fcb" providerId="ADAL" clId="{25E0A9DB-72EE-6848-9F13-9518EEF28E36}"/>
+    <pc:docChg chg="modSld">
+      <pc:chgData name="Alexander Barron" userId="d4d1134c-0bd6-416e-972d-f1593cf42fcb" providerId="ADAL" clId="{25E0A9DB-72EE-6848-9F13-9518EEF28E36}" dt="2020-02-02T10:34:15.173" v="28" actId="20577"/>
+      <pc:docMkLst>
+        <pc:docMk/>
+      </pc:docMkLst>
+      <pc:sldChg chg="modSp">
+        <pc:chgData name="Alexander Barron" userId="d4d1134c-0bd6-416e-972d-f1593cf42fcb" providerId="ADAL" clId="{25E0A9DB-72EE-6848-9F13-9518EEF28E36}" dt="2020-02-02T10:34:15.173" v="28" actId="20577"/>
+        <pc:sldMkLst>
+          <pc:docMk/>
+          <pc:sldMk cId="1265038317" sldId="263"/>
+        </pc:sldMkLst>
+        <pc:spChg chg="mod">
+          <ac:chgData name="Alexander Barron" userId="d4d1134c-0bd6-416e-972d-f1593cf42fcb" providerId="ADAL" clId="{25E0A9DB-72EE-6848-9F13-9518EEF28E36}" dt="2020-02-02T10:34:15.173" v="28" actId="20577"/>
+          <ac:spMkLst>
+            <pc:docMk/>
+            <pc:sldMk cId="1265038317" sldId="263"/>
+            <ac:spMk id="6" creationId="{8275A8BE-A887-AD45-BF75-357F28B6DB1E}"/>
+          </ac:spMkLst>
+        </pc:spChg>
+      </pc:sldChg>
+    </pc:docChg>
+  </pc:docChgLst>
+</pc:chgInfo>
 </file>
 
 <file path=ppt/slideLayouts/slideLayout1.xml><?xml version="1.0" encoding="utf-8"?>
@@ -264,7 +298,7 @@
           <a:p>
             <a:fld id="{406896FD-7F84-DD41-B7F4-EF404D9B1DD8}" type="datetimeFigureOut">
               <a:rPr lang="en-US" smtClean="0"/>
-              <a:t>1/30/20</a:t>
+              <a:t>2/2/20</a:t>
             </a:fld>
             <a:endParaRPr lang="en-US"/>
           </a:p>
@@ -464,7 +498,7 @@
           <a:p>
             <a:fld id="{406896FD-7F84-DD41-B7F4-EF404D9B1DD8}" type="datetimeFigureOut">
               <a:rPr lang="en-US" smtClean="0"/>
-              <a:t>1/30/20</a:t>
+              <a:t>2/2/20</a:t>
             </a:fld>
             <a:endParaRPr lang="en-US"/>
           </a:p>
@@ -674,7 +708,7 @@
           <a:p>
             <a:fld id="{406896FD-7F84-DD41-B7F4-EF404D9B1DD8}" type="datetimeFigureOut">
               <a:rPr lang="en-US" smtClean="0"/>
-              <a:t>1/30/20</a:t>
+              <a:t>2/2/20</a:t>
             </a:fld>
             <a:endParaRPr lang="en-US"/>
           </a:p>
@@ -874,7 +908,7 @@
           <a:p>
             <a:fld id="{406896FD-7F84-DD41-B7F4-EF404D9B1DD8}" type="datetimeFigureOut">
               <a:rPr lang="en-US" smtClean="0"/>
-              <a:t>1/30/20</a:t>
+              <a:t>2/2/20</a:t>
             </a:fld>
             <a:endParaRPr lang="en-US"/>
           </a:p>
@@ -1150,7 +1184,7 @@
           <a:p>
             <a:fld id="{406896FD-7F84-DD41-B7F4-EF404D9B1DD8}" type="datetimeFigureOut">
               <a:rPr lang="en-US" smtClean="0"/>
-              <a:t>1/30/20</a:t>
+              <a:t>2/2/20</a:t>
             </a:fld>
             <a:endParaRPr lang="en-US"/>
           </a:p>
@@ -1418,7 +1452,7 @@
           <a:p>
             <a:fld id="{406896FD-7F84-DD41-B7F4-EF404D9B1DD8}" type="datetimeFigureOut">
               <a:rPr lang="en-US" smtClean="0"/>
-              <a:t>1/30/20</a:t>
+              <a:t>2/2/20</a:t>
             </a:fld>
             <a:endParaRPr lang="en-US"/>
           </a:p>
@@ -1833,7 +1867,7 @@
           <a:p>
             <a:fld id="{406896FD-7F84-DD41-B7F4-EF404D9B1DD8}" type="datetimeFigureOut">
               <a:rPr lang="en-US" smtClean="0"/>
-              <a:t>1/30/20</a:t>
+              <a:t>2/2/20</a:t>
             </a:fld>
             <a:endParaRPr lang="en-US"/>
           </a:p>
@@ -1975,7 +2009,7 @@
           <a:p>
             <a:fld id="{406896FD-7F84-DD41-B7F4-EF404D9B1DD8}" type="datetimeFigureOut">
               <a:rPr lang="en-US" smtClean="0"/>
-              <a:t>1/30/20</a:t>
+              <a:t>2/2/20</a:t>
             </a:fld>
             <a:endParaRPr lang="en-US"/>
           </a:p>
@@ -2088,7 +2122,7 @@
           <a:p>
             <a:fld id="{406896FD-7F84-DD41-B7F4-EF404D9B1DD8}" type="datetimeFigureOut">
               <a:rPr lang="en-US" smtClean="0"/>
-              <a:t>1/30/20</a:t>
+              <a:t>2/2/20</a:t>
             </a:fld>
             <a:endParaRPr lang="en-US"/>
           </a:p>
@@ -2401,7 +2435,7 @@
           <a:p>
             <a:fld id="{406896FD-7F84-DD41-B7F4-EF404D9B1DD8}" type="datetimeFigureOut">
               <a:rPr lang="en-US" smtClean="0"/>
-              <a:t>1/30/20</a:t>
+              <a:t>2/2/20</a:t>
             </a:fld>
             <a:endParaRPr lang="en-US"/>
           </a:p>
@@ -2690,7 +2724,7 @@
           <a:p>
             <a:fld id="{406896FD-7F84-DD41-B7F4-EF404D9B1DD8}" type="datetimeFigureOut">
               <a:rPr lang="en-US" smtClean="0"/>
-              <a:t>1/30/20</a:t>
+              <a:t>2/2/20</a:t>
             </a:fld>
             <a:endParaRPr lang="en-US"/>
           </a:p>
@@ -2933,7 +2967,7 @@
           <a:p>
             <a:fld id="{406896FD-7F84-DD41-B7F4-EF404D9B1DD8}" type="datetimeFigureOut">
               <a:rPr lang="en-US" smtClean="0"/>
-              <a:t>1/30/20</a:t>
+              <a:t>2/2/20</a:t>
             </a:fld>
             <a:endParaRPr lang="en-US"/>
           </a:p>
@@ -5189,7 +5223,15 @@
           <a:p>
             <a:r>
               <a:rPr lang="en-AU" dirty="0"/>
-              <a:t>Cover off that it will be launching in the next 3 months for Australia, maybe in the rest of the world</a:t>
+              <a:t>Cover off that it will be launching soon for Australia</a:t>
+            </a:r>
+            <a:r>
+              <a:rPr lang="en-AU"/>
+              <a:t>, later </a:t>
+            </a:r>
+            <a:r>
+              <a:rPr lang="en-AU" dirty="0"/>
+              <a:t>in the rest of the world</a:t>
             </a:r>
           </a:p>
           <a:p>

--- a/storyboard-draft.pptx
+++ b/storyboard-draft.pptx
@@ -8,12 +8,23 @@
     <p:sldId id="256" r:id="rId2"/>
     <p:sldId id="257" r:id="rId3"/>
     <p:sldId id="258" r:id="rId4"/>
-    <p:sldId id="259" r:id="rId5"/>
-    <p:sldId id="261" r:id="rId6"/>
-    <p:sldId id="262" r:id="rId7"/>
-    <p:sldId id="264" r:id="rId8"/>
-    <p:sldId id="263" r:id="rId9"/>
-    <p:sldId id="265" r:id="rId10"/>
+    <p:sldId id="266" r:id="rId5"/>
+    <p:sldId id="259" r:id="rId6"/>
+    <p:sldId id="267" r:id="rId7"/>
+    <p:sldId id="268" r:id="rId8"/>
+    <p:sldId id="261" r:id="rId9"/>
+    <p:sldId id="269" r:id="rId10"/>
+    <p:sldId id="270" r:id="rId11"/>
+    <p:sldId id="262" r:id="rId12"/>
+    <p:sldId id="271" r:id="rId13"/>
+    <p:sldId id="272" r:id="rId14"/>
+    <p:sldId id="264" r:id="rId15"/>
+    <p:sldId id="273" r:id="rId16"/>
+    <p:sldId id="274" r:id="rId17"/>
+    <p:sldId id="263" r:id="rId18"/>
+    <p:sldId id="275" r:id="rId19"/>
+    <p:sldId id="276" r:id="rId20"/>
+    <p:sldId id="265" r:id="rId21"/>
   </p:sldIdLst>
   <p:sldSz cx="12192000" cy="6858000"/>
   <p:notesSz cx="6858000" cy="9144000"/>
@@ -298,7 +309,7 @@
           <a:p>
             <a:fld id="{406896FD-7F84-DD41-B7F4-EF404D9B1DD8}" type="datetimeFigureOut">
               <a:rPr lang="en-US" smtClean="0"/>
-              <a:t>2/2/20</a:t>
+              <a:t>2/12/20</a:t>
             </a:fld>
             <a:endParaRPr lang="en-US"/>
           </a:p>
@@ -498,7 +509,7 @@
           <a:p>
             <a:fld id="{406896FD-7F84-DD41-B7F4-EF404D9B1DD8}" type="datetimeFigureOut">
               <a:rPr lang="en-US" smtClean="0"/>
-              <a:t>2/2/20</a:t>
+              <a:t>2/12/20</a:t>
             </a:fld>
             <a:endParaRPr lang="en-US"/>
           </a:p>
@@ -708,7 +719,7 @@
           <a:p>
             <a:fld id="{406896FD-7F84-DD41-B7F4-EF404D9B1DD8}" type="datetimeFigureOut">
               <a:rPr lang="en-US" smtClean="0"/>
-              <a:t>2/2/20</a:t>
+              <a:t>2/12/20</a:t>
             </a:fld>
             <a:endParaRPr lang="en-US"/>
           </a:p>
@@ -908,7 +919,7 @@
           <a:p>
             <a:fld id="{406896FD-7F84-DD41-B7F4-EF404D9B1DD8}" type="datetimeFigureOut">
               <a:rPr lang="en-US" smtClean="0"/>
-              <a:t>2/2/20</a:t>
+              <a:t>2/12/20</a:t>
             </a:fld>
             <a:endParaRPr lang="en-US"/>
           </a:p>
@@ -1184,7 +1195,7 @@
           <a:p>
             <a:fld id="{406896FD-7F84-DD41-B7F4-EF404D9B1DD8}" type="datetimeFigureOut">
               <a:rPr lang="en-US" smtClean="0"/>
-              <a:t>2/2/20</a:t>
+              <a:t>2/12/20</a:t>
             </a:fld>
             <a:endParaRPr lang="en-US"/>
           </a:p>
@@ -1452,7 +1463,7 @@
           <a:p>
             <a:fld id="{406896FD-7F84-DD41-B7F4-EF404D9B1DD8}" type="datetimeFigureOut">
               <a:rPr lang="en-US" smtClean="0"/>
-              <a:t>2/2/20</a:t>
+              <a:t>2/12/20</a:t>
             </a:fld>
             <a:endParaRPr lang="en-US"/>
           </a:p>
@@ -1867,7 +1878,7 @@
           <a:p>
             <a:fld id="{406896FD-7F84-DD41-B7F4-EF404D9B1DD8}" type="datetimeFigureOut">
               <a:rPr lang="en-US" smtClean="0"/>
-              <a:t>2/2/20</a:t>
+              <a:t>2/12/20</a:t>
             </a:fld>
             <a:endParaRPr lang="en-US"/>
           </a:p>
@@ -2009,7 +2020,7 @@
           <a:p>
             <a:fld id="{406896FD-7F84-DD41-B7F4-EF404D9B1DD8}" type="datetimeFigureOut">
               <a:rPr lang="en-US" smtClean="0"/>
-              <a:t>2/2/20</a:t>
+              <a:t>2/12/20</a:t>
             </a:fld>
             <a:endParaRPr lang="en-US"/>
           </a:p>
@@ -2122,7 +2133,7 @@
           <a:p>
             <a:fld id="{406896FD-7F84-DD41-B7F4-EF404D9B1DD8}" type="datetimeFigureOut">
               <a:rPr lang="en-US" smtClean="0"/>
-              <a:t>2/2/20</a:t>
+              <a:t>2/12/20</a:t>
             </a:fld>
             <a:endParaRPr lang="en-US"/>
           </a:p>
@@ -2435,7 +2446,7 @@
           <a:p>
             <a:fld id="{406896FD-7F84-DD41-B7F4-EF404D9B1DD8}" type="datetimeFigureOut">
               <a:rPr lang="en-US" smtClean="0"/>
-              <a:t>2/2/20</a:t>
+              <a:t>2/12/20</a:t>
             </a:fld>
             <a:endParaRPr lang="en-US"/>
           </a:p>
@@ -2724,7 +2735,7 @@
           <a:p>
             <a:fld id="{406896FD-7F84-DD41-B7F4-EF404D9B1DD8}" type="datetimeFigureOut">
               <a:rPr lang="en-US" smtClean="0"/>
-              <a:t>2/2/20</a:t>
+              <a:t>2/12/20</a:t>
             </a:fld>
             <a:endParaRPr lang="en-US"/>
           </a:p>
@@ -2967,7 +2978,7 @@
           <a:p>
             <a:fld id="{406896FD-7F84-DD41-B7F4-EF404D9B1DD8}" type="datetimeFigureOut">
               <a:rPr lang="en-US" smtClean="0"/>
-              <a:t>2/2/20</a:t>
+              <a:t>2/12/20</a:t>
             </a:fld>
             <a:endParaRPr lang="en-US"/>
           </a:p>
@@ -3457,7 +3468,7 @@
 </p:sld>
 </file>
 
-<file path=ppt/slides/slide2.xml><?xml version="1.0" encoding="utf-8"?>
+<file path=ppt/slides/slide10.xml><?xml version="1.0" encoding="utf-8"?>
 <p:sld xmlns:a="http://schemas.openxmlformats.org/drawingml/2006/main" xmlns:r="http://schemas.openxmlformats.org/officeDocument/2006/relationships" xmlns:p="http://schemas.openxmlformats.org/presentationml/2006/main">
   <p:cSld>
     <p:spTree>
@@ -3479,7 +3490,7 @@
           <p:cNvPr id="2" name="Title 1">
             <a:extLst>
               <a:ext uri="{FF2B5EF4-FFF2-40B4-BE49-F238E27FC236}">
-                <a16:creationId xmlns:a16="http://schemas.microsoft.com/office/drawing/2014/main" id="{AF6B02FC-3501-2E4D-ACF5-E7CC637787FF}"/>
+                <a16:creationId xmlns:a16="http://schemas.microsoft.com/office/drawing/2014/main" id="{B9395550-3173-2F44-A17F-ECB8F46226BF}"/>
               </a:ext>
             </a:extLst>
           </p:cNvPr>
@@ -3497,7 +3508,7 @@
           <a:p>
             <a:r>
               <a:rPr lang="en-US" dirty="0"/>
-              <a:t>Key points</a:t>
+              <a:t>What steps are we taking as Australians? – Script - Alex</a:t>
             </a:r>
           </a:p>
         </p:txBody>
@@ -3507,7 +3518,7 @@
           <p:cNvPr id="3" name="Content Placeholder 2">
             <a:extLst>
               <a:ext uri="{FF2B5EF4-FFF2-40B4-BE49-F238E27FC236}">
-                <a16:creationId xmlns:a16="http://schemas.microsoft.com/office/drawing/2014/main" id="{84048969-D2EF-9841-8E0B-112A49E0E98F}"/>
+                <a16:creationId xmlns:a16="http://schemas.microsoft.com/office/drawing/2014/main" id="{3EBFF5F1-1C5E-504D-BF65-3ECE78597D6D}"/>
               </a:ext>
             </a:extLst>
           </p:cNvPr>
@@ -3520,50 +3531,22 @@
         </p:nvSpPr>
         <p:spPr/>
         <p:txBody>
-          <a:bodyPr/>
-          <a:lstStyle/>
-          <a:p>
-            <a:r>
-              <a:rPr lang="en-US" dirty="0"/>
-              <a:t>Include </a:t>
-            </a:r>
-            <a:r>
-              <a:rPr lang="en-US" dirty="0" err="1"/>
-              <a:t>colour</a:t>
-            </a:r>
-            <a:r>
-              <a:rPr lang="en-US" dirty="0"/>
-              <a:t> and graphics</a:t>
-            </a:r>
-          </a:p>
-          <a:p>
-            <a:endParaRPr lang="en-US" dirty="0"/>
-          </a:p>
-          <a:p>
-            <a:r>
-              <a:rPr lang="en-US" dirty="0"/>
-              <a:t>Intro</a:t>
-            </a:r>
-          </a:p>
-          <a:p>
-            <a:r>
-              <a:rPr lang="en-US" dirty="0"/>
-              <a:t>Structure, logical progression</a:t>
-            </a:r>
-          </a:p>
-          <a:p>
-            <a:r>
-              <a:rPr lang="en-US" dirty="0"/>
-              <a:t>Be engaging</a:t>
-            </a:r>
-          </a:p>
-          <a:p>
-            <a:endParaRPr lang="en-US" dirty="0"/>
-          </a:p>
-          <a:p>
-            <a:r>
-              <a:rPr lang="en-US" dirty="0"/>
-              <a:t>Style – as per info</a:t>
+          <a:bodyPr>
+            <a:normAutofit/>
+          </a:bodyPr>
+          <a:lstStyle/>
+          <a:p>
+            <a:r>
+              <a:rPr lang="en-AU" dirty="0"/>
+              <a:t>Thanks for that, very informative.  So there is plenty of things there, but it seems like it’s a bit of a free for all.  What are we doing about it?   XXXX from the </a:t>
+            </a:r>
+            <a:r>
+              <a:rPr lang="en-AU" dirty="0" err="1"/>
+              <a:t>Prosight</a:t>
+            </a:r>
+            <a:r>
+              <a:rPr lang="en-AU" dirty="0"/>
+              <a:t> team, can you give us a bit of a rundown about how we’re going to address this problem?</a:t>
             </a:r>
           </a:p>
           <a:p>
@@ -3574,7 +3557,7 @@
     </p:spTree>
     <p:extLst>
       <p:ext uri="{BB962C8B-B14F-4D97-AF65-F5344CB8AC3E}">
-        <p14:creationId xmlns:p14="http://schemas.microsoft.com/office/powerpoint/2010/main" val="2113874010"/>
+        <p14:creationId xmlns:p14="http://schemas.microsoft.com/office/powerpoint/2010/main" val="581632041"/>
       </p:ext>
     </p:extLst>
   </p:cSld>
@@ -3584,7 +3567,7 @@
 </p:sld>
 </file>
 
-<file path=ppt/slides/slide3.xml><?xml version="1.0" encoding="utf-8"?>
+<file path=ppt/slides/slide11.xml><?xml version="1.0" encoding="utf-8"?>
 <p:sld xmlns:a="http://schemas.openxmlformats.org/drawingml/2006/main" xmlns:r="http://schemas.openxmlformats.org/officeDocument/2006/relationships" xmlns:p="http://schemas.openxmlformats.org/presentationml/2006/main">
   <p:cSld>
     <p:spTree>
@@ -3606,7 +3589,7 @@
           <p:cNvPr id="2" name="Title 1">
             <a:extLst>
               <a:ext uri="{FF2B5EF4-FFF2-40B4-BE49-F238E27FC236}">
-                <a16:creationId xmlns:a16="http://schemas.microsoft.com/office/drawing/2014/main" id="{EF84C814-87E4-B748-A17C-C4FD2F95F1ED}"/>
+                <a16:creationId xmlns:a16="http://schemas.microsoft.com/office/drawing/2014/main" id="{0AFF2694-842C-7D49-8743-E67E62B7CE29}"/>
               </a:ext>
             </a:extLst>
           </p:cNvPr>
@@ -3624,126 +3607,7 @@
           <a:p>
             <a:r>
               <a:rPr lang="en-US" dirty="0"/>
-              <a:t>Introduction – 15 seconds</a:t>
-            </a:r>
-          </a:p>
-        </p:txBody>
-      </p:sp>
-      <p:sp>
-        <p:nvSpPr>
-          <p:cNvPr id="3" name="Content Placeholder 2">
-            <a:extLst>
-              <a:ext uri="{FF2B5EF4-FFF2-40B4-BE49-F238E27FC236}">
-                <a16:creationId xmlns:a16="http://schemas.microsoft.com/office/drawing/2014/main" id="{0C29E474-F4E4-DE4E-A187-2BC2D31563CE}"/>
-              </a:ext>
-            </a:extLst>
-          </p:cNvPr>
-          <p:cNvSpPr>
-            <a:spLocks noGrp="1"/>
-          </p:cNvSpPr>
-          <p:nvPr>
-            <p:ph idx="1"/>
-          </p:nvPr>
-        </p:nvSpPr>
-        <p:spPr>
-          <a:xfrm>
-            <a:off x="838200" y="1825625"/>
-            <a:ext cx="10515600" cy="4351338"/>
-          </a:xfrm>
-        </p:spPr>
-        <p:txBody>
-          <a:bodyPr>
-            <a:normAutofit lnSpcReduction="10000"/>
-          </a:bodyPr>
-          <a:lstStyle/>
-          <a:p>
-            <a:r>
-              <a:rPr lang="en-US" dirty="0"/>
-              <a:t>Intro and what we are going to talk about</a:t>
-            </a:r>
-          </a:p>
-          <a:p>
-            <a:endParaRPr lang="en-US" dirty="0"/>
-          </a:p>
-          <a:p>
-            <a:r>
-              <a:rPr lang="en-AU" dirty="0"/>
-              <a:t>A 2018 report titled Programme for International Student Assessment (PISA) details the long-term decline in Australian students in Science, Reading and Mathematics subjects in comparison to Chinese students. Specifically, the report details that Australian students are on average 3.5 years behind Chinese students in mathematics. </a:t>
-            </a:r>
-          </a:p>
-          <a:p>
-            <a:endParaRPr lang="en-US" dirty="0"/>
-          </a:p>
-          <a:p>
-            <a:r>
-              <a:rPr lang="en-US" dirty="0"/>
-              <a:t>we’re joined by X from </a:t>
-            </a:r>
-            <a:r>
-              <a:rPr lang="en-US" dirty="0" err="1"/>
-              <a:t>Prosight</a:t>
-            </a:r>
-            <a:r>
-              <a:rPr lang="en-US" dirty="0"/>
-              <a:t> to talk to us about some of the challenges facing students today</a:t>
-            </a:r>
-          </a:p>
-        </p:txBody>
-      </p:sp>
-    </p:spTree>
-    <p:extLst>
-      <p:ext uri="{BB962C8B-B14F-4D97-AF65-F5344CB8AC3E}">
-        <p14:creationId xmlns:p14="http://schemas.microsoft.com/office/powerpoint/2010/main" val="704425647"/>
-      </p:ext>
-    </p:extLst>
-  </p:cSld>
-  <p:clrMapOvr>
-    <a:masterClrMapping/>
-  </p:clrMapOvr>
-</p:sld>
-</file>
-
-<file path=ppt/slides/slide4.xml><?xml version="1.0" encoding="utf-8"?>
-<p:sld xmlns:a="http://schemas.openxmlformats.org/drawingml/2006/main" xmlns:r="http://schemas.openxmlformats.org/officeDocument/2006/relationships" xmlns:p="http://schemas.openxmlformats.org/presentationml/2006/main">
-  <p:cSld>
-    <p:spTree>
-      <p:nvGrpSpPr>
-        <p:cNvPr id="1" name=""/>
-        <p:cNvGrpSpPr/>
-        <p:nvPr/>
-      </p:nvGrpSpPr>
-      <p:grpSpPr>
-        <a:xfrm>
-          <a:off x="0" y="0"/>
-          <a:ext cx="0" cy="0"/>
-          <a:chOff x="0" y="0"/>
-          <a:chExt cx="0" cy="0"/>
-        </a:xfrm>
-      </p:grpSpPr>
-      <p:sp>
-        <p:nvSpPr>
-          <p:cNvPr id="2" name="Title 1">
-            <a:extLst>
-              <a:ext uri="{FF2B5EF4-FFF2-40B4-BE49-F238E27FC236}">
-                <a16:creationId xmlns:a16="http://schemas.microsoft.com/office/drawing/2014/main" id="{0AFF2694-842C-7D49-8743-E67E62B7CE29}"/>
-              </a:ext>
-            </a:extLst>
-          </p:cNvPr>
-          <p:cNvSpPr>
-            <a:spLocks noGrp="1"/>
-          </p:cNvSpPr>
-          <p:nvPr>
-            <p:ph type="title"/>
-          </p:nvPr>
-        </p:nvSpPr>
-        <p:spPr/>
-        <p:txBody>
-          <a:bodyPr/>
-          <a:lstStyle/>
-          <a:p>
-            <a:r>
-              <a:rPr lang="en-US" dirty="0"/>
-              <a:t>What is the problem – 60 seconds</a:t>
+              <a:t>So what is being done? - 90 seconds</a:t>
             </a:r>
           </a:p>
         </p:txBody>
@@ -3979,37 +3843,34 @@
           </a:p>
           <a:p>
             <a:r>
-              <a:rPr lang="en-US" dirty="0"/>
-              <a:t>Script along the lines of “What is the problem being faced by online learners, here is X member from </a:t>
-            </a:r>
-            <a:r>
-              <a:rPr lang="en-US" dirty="0" err="1"/>
-              <a:t>prosight</a:t>
-            </a:r>
-            <a:r>
-              <a:rPr lang="en-US" dirty="0"/>
-              <a:t>”</a:t>
-            </a:r>
-          </a:p>
-          <a:p>
+              <a:rPr lang="en-AU" dirty="0"/>
+              <a:t>Pitch </a:t>
+            </a:r>
+            <a:r>
+              <a:rPr lang="en-AU" dirty="0" err="1"/>
+              <a:t>Prosight’s</a:t>
+            </a:r>
+            <a:r>
+              <a:rPr lang="en-AU" dirty="0"/>
+              <a:t> study tool as the answer, why it fills the gap available and how amazing it is</a:t>
+            </a:r>
+          </a:p>
+          <a:p>
+            <a:endParaRPr lang="en-AU" dirty="0"/>
+          </a:p>
+          <a:p>
+            <a:r>
+              <a:rPr lang="en-AU" dirty="0"/>
+              <a:t>How does it work, explain how students can use it.</a:t>
+            </a:r>
             <a:endParaRPr lang="en-US" dirty="0"/>
-          </a:p>
-          <a:p>
-            <a:r>
-              <a:rPr lang="en-US" dirty="0" err="1"/>
-              <a:t>Prosight</a:t>
-            </a:r>
-            <a:r>
-              <a:rPr lang="en-US" dirty="0"/>
-              <a:t> member X to illustrate the challenges of online learning</a:t>
-            </a:r>
           </a:p>
         </p:txBody>
       </p:sp>
     </p:spTree>
     <p:extLst>
       <p:ext uri="{BB962C8B-B14F-4D97-AF65-F5344CB8AC3E}">
-        <p14:creationId xmlns:p14="http://schemas.microsoft.com/office/powerpoint/2010/main" val="2716251402"/>
+        <p14:creationId xmlns:p14="http://schemas.microsoft.com/office/powerpoint/2010/main" val="3604171044"/>
       </p:ext>
     </p:extLst>
   </p:cSld>
@@ -4019,7 +3880,7 @@
 </p:sld>
 </file>
 
-<file path=ppt/slides/slide5.xml><?xml version="1.0" encoding="utf-8"?>
+<file path=ppt/slides/slide12.xml><?xml version="1.0" encoding="utf-8"?>
 <p:sld xmlns:a="http://schemas.openxmlformats.org/drawingml/2006/main" xmlns:r="http://schemas.openxmlformats.org/officeDocument/2006/relationships" xmlns:p="http://schemas.openxmlformats.org/presentationml/2006/main">
   <p:cSld>
     <p:spTree>
@@ -4041,6 +3902,206 @@
           <p:cNvPr id="2" name="Title 1">
             <a:extLst>
               <a:ext uri="{FF2B5EF4-FFF2-40B4-BE49-F238E27FC236}">
+                <a16:creationId xmlns:a16="http://schemas.microsoft.com/office/drawing/2014/main" id="{B9395550-3173-2F44-A17F-ECB8F46226BF}"/>
+              </a:ext>
+            </a:extLst>
+          </p:cNvPr>
+          <p:cNvSpPr>
+            <a:spLocks noGrp="1"/>
+          </p:cNvSpPr>
+          <p:nvPr>
+            <p:ph type="title"/>
+          </p:nvPr>
+        </p:nvSpPr>
+        <p:spPr/>
+        <p:txBody>
+          <a:bodyPr/>
+          <a:lstStyle/>
+          <a:p>
+            <a:r>
+              <a:rPr lang="en-US" dirty="0"/>
+              <a:t>So what is being done? – Script - XXXX</a:t>
+            </a:r>
+          </a:p>
+        </p:txBody>
+      </p:sp>
+      <p:sp>
+        <p:nvSpPr>
+          <p:cNvPr id="3" name="Content Placeholder 2">
+            <a:extLst>
+              <a:ext uri="{FF2B5EF4-FFF2-40B4-BE49-F238E27FC236}">
+                <a16:creationId xmlns:a16="http://schemas.microsoft.com/office/drawing/2014/main" id="{3EBFF5F1-1C5E-504D-BF65-3ECE78597D6D}"/>
+              </a:ext>
+            </a:extLst>
+          </p:cNvPr>
+          <p:cNvSpPr>
+            <a:spLocks noGrp="1"/>
+          </p:cNvSpPr>
+          <p:nvPr>
+            <p:ph idx="1"/>
+          </p:nvPr>
+        </p:nvSpPr>
+        <p:spPr/>
+        <p:txBody>
+          <a:bodyPr>
+            <a:normAutofit/>
+          </a:bodyPr>
+          <a:lstStyle/>
+          <a:p>
+            <a:r>
+              <a:rPr lang="en-AU" dirty="0"/>
+              <a:t>Right now, there isn’t much, this is why we have created our platform etc.  </a:t>
+            </a:r>
+          </a:p>
+          <a:p>
+            <a:endParaRPr lang="en-AU" dirty="0"/>
+          </a:p>
+          <a:p>
+            <a:r>
+              <a:rPr lang="en-AU" dirty="0"/>
+              <a:t>Describe how it works, what it does, why you’d use, how its very simple, free etc</a:t>
+            </a:r>
+          </a:p>
+          <a:p>
+            <a:endParaRPr lang="en-US" dirty="0"/>
+          </a:p>
+        </p:txBody>
+      </p:sp>
+    </p:spTree>
+    <p:extLst>
+      <p:ext uri="{BB962C8B-B14F-4D97-AF65-F5344CB8AC3E}">
+        <p14:creationId xmlns:p14="http://schemas.microsoft.com/office/powerpoint/2010/main" val="1159949598"/>
+      </p:ext>
+    </p:extLst>
+  </p:cSld>
+  <p:clrMapOvr>
+    <a:masterClrMapping/>
+  </p:clrMapOvr>
+</p:sld>
+</file>
+
+<file path=ppt/slides/slide13.xml><?xml version="1.0" encoding="utf-8"?>
+<p:sld xmlns:a="http://schemas.openxmlformats.org/drawingml/2006/main" xmlns:r="http://schemas.openxmlformats.org/officeDocument/2006/relationships" xmlns:p="http://schemas.openxmlformats.org/presentationml/2006/main">
+  <p:cSld>
+    <p:spTree>
+      <p:nvGrpSpPr>
+        <p:cNvPr id="1" name=""/>
+        <p:cNvGrpSpPr/>
+        <p:nvPr/>
+      </p:nvGrpSpPr>
+      <p:grpSpPr>
+        <a:xfrm>
+          <a:off x="0" y="0"/>
+          <a:ext cx="0" cy="0"/>
+          <a:chOff x="0" y="0"/>
+          <a:chExt cx="0" cy="0"/>
+        </a:xfrm>
+      </p:grpSpPr>
+      <p:sp>
+        <p:nvSpPr>
+          <p:cNvPr id="2" name="Title 1">
+            <a:extLst>
+              <a:ext uri="{FF2B5EF4-FFF2-40B4-BE49-F238E27FC236}">
+                <a16:creationId xmlns:a16="http://schemas.microsoft.com/office/drawing/2014/main" id="{B9395550-3173-2F44-A17F-ECB8F46226BF}"/>
+              </a:ext>
+            </a:extLst>
+          </p:cNvPr>
+          <p:cNvSpPr>
+            <a:spLocks noGrp="1"/>
+          </p:cNvSpPr>
+          <p:nvPr>
+            <p:ph type="title"/>
+          </p:nvPr>
+        </p:nvSpPr>
+        <p:spPr/>
+        <p:txBody>
+          <a:bodyPr/>
+          <a:lstStyle/>
+          <a:p>
+            <a:r>
+              <a:rPr lang="en-US" dirty="0"/>
+              <a:t>So what is being done? – Script - Alex</a:t>
+            </a:r>
+          </a:p>
+        </p:txBody>
+      </p:sp>
+      <p:sp>
+        <p:nvSpPr>
+          <p:cNvPr id="3" name="Content Placeholder 2">
+            <a:extLst>
+              <a:ext uri="{FF2B5EF4-FFF2-40B4-BE49-F238E27FC236}">
+                <a16:creationId xmlns:a16="http://schemas.microsoft.com/office/drawing/2014/main" id="{3EBFF5F1-1C5E-504D-BF65-3ECE78597D6D}"/>
+              </a:ext>
+            </a:extLst>
+          </p:cNvPr>
+          <p:cNvSpPr>
+            <a:spLocks noGrp="1"/>
+          </p:cNvSpPr>
+          <p:nvPr>
+            <p:ph idx="1"/>
+          </p:nvPr>
+        </p:nvSpPr>
+        <p:spPr/>
+        <p:txBody>
+          <a:bodyPr>
+            <a:normAutofit/>
+          </a:bodyPr>
+          <a:lstStyle/>
+          <a:p>
+            <a:r>
+              <a:rPr lang="en-AU" dirty="0"/>
+              <a:t>That sounds great!  Its sounds like you’ve really got a good grasp on what the issues are and you’ve got an answer that can really help students here achieve their potential!</a:t>
+            </a:r>
+          </a:p>
+          <a:p>
+            <a:endParaRPr lang="en-AU" dirty="0"/>
+          </a:p>
+          <a:p>
+            <a:r>
+              <a:rPr lang="en-AU" dirty="0"/>
+              <a:t>You said this is a free service, that sounds great.  What motivated you as a team to go ahead and start to create this?  XXXX tell me a little about that?</a:t>
+            </a:r>
+          </a:p>
+          <a:p>
+            <a:endParaRPr lang="en-US" dirty="0"/>
+          </a:p>
+        </p:txBody>
+      </p:sp>
+    </p:spTree>
+    <p:extLst>
+      <p:ext uri="{BB962C8B-B14F-4D97-AF65-F5344CB8AC3E}">
+        <p14:creationId xmlns:p14="http://schemas.microsoft.com/office/powerpoint/2010/main" val="1026001083"/>
+      </p:ext>
+    </p:extLst>
+  </p:cSld>
+  <p:clrMapOvr>
+    <a:masterClrMapping/>
+  </p:clrMapOvr>
+</p:sld>
+</file>
+
+<file path=ppt/slides/slide14.xml><?xml version="1.0" encoding="utf-8"?>
+<p:sld xmlns:a="http://schemas.openxmlformats.org/drawingml/2006/main" xmlns:r="http://schemas.openxmlformats.org/officeDocument/2006/relationships" xmlns:p="http://schemas.openxmlformats.org/presentationml/2006/main">
+  <p:cSld>
+    <p:spTree>
+      <p:nvGrpSpPr>
+        <p:cNvPr id="1" name=""/>
+        <p:cNvGrpSpPr/>
+        <p:nvPr/>
+      </p:nvGrpSpPr>
+      <p:grpSpPr>
+        <a:xfrm>
+          <a:off x="0" y="0"/>
+          <a:ext cx="0" cy="0"/>
+          <a:chOff x="0" y="0"/>
+          <a:chExt cx="0" cy="0"/>
+        </a:xfrm>
+      </p:grpSpPr>
+      <p:sp>
+        <p:nvSpPr>
+          <p:cNvPr id="2" name="Title 1">
+            <a:extLst>
+              <a:ext uri="{FF2B5EF4-FFF2-40B4-BE49-F238E27FC236}">
                 <a16:creationId xmlns:a16="http://schemas.microsoft.com/office/drawing/2014/main" id="{0AFF2694-842C-7D49-8743-E67E62B7CE29}"/>
               </a:ext>
             </a:extLst>
@@ -4059,7 +4120,7 @@
           <a:p>
             <a:r>
               <a:rPr lang="en-US" dirty="0"/>
-              <a:t>What steps are we taking as Australians? – 60 seconds</a:t>
+              <a:t>Why is the team doing this ?- 30 seconds</a:t>
             </a:r>
           </a:p>
         </p:txBody>
@@ -4295,16 +4356,31 @@
           </a:p>
           <a:p>
             <a:r>
-              <a:rPr lang="en-US" dirty="0"/>
-              <a:t>Illustrate the points that there are solutions out there, however none of them are really understanding the needs of the student and are bespoke</a:t>
-            </a:r>
+              <a:rPr lang="en-AU" dirty="0"/>
+              <a:t>Explain our motivations</a:t>
+            </a:r>
+          </a:p>
+          <a:p>
+            <a:endParaRPr lang="en-AU" dirty="0"/>
+          </a:p>
+          <a:p>
+            <a:r>
+              <a:rPr lang="en-AU" dirty="0"/>
+              <a:t>How it can change lives</a:t>
+            </a:r>
+          </a:p>
+          <a:p>
+            <a:endParaRPr lang="en-AU" dirty="0"/>
+          </a:p>
+          <a:p>
+            <a:endParaRPr lang="en-US" dirty="0"/>
           </a:p>
         </p:txBody>
       </p:sp>
     </p:spTree>
     <p:extLst>
       <p:ext uri="{BB962C8B-B14F-4D97-AF65-F5344CB8AC3E}">
-        <p14:creationId xmlns:p14="http://schemas.microsoft.com/office/powerpoint/2010/main" val="2168259597"/>
+        <p14:creationId xmlns:p14="http://schemas.microsoft.com/office/powerpoint/2010/main" val="1057856342"/>
       </p:ext>
     </p:extLst>
   </p:cSld>
@@ -4314,7 +4390,7 @@
 </p:sld>
 </file>
 
-<file path=ppt/slides/slide6.xml><?xml version="1.0" encoding="utf-8"?>
+<file path=ppt/slides/slide15.xml><?xml version="1.0" encoding="utf-8"?>
 <p:sld xmlns:a="http://schemas.openxmlformats.org/drawingml/2006/main" xmlns:r="http://schemas.openxmlformats.org/officeDocument/2006/relationships" xmlns:p="http://schemas.openxmlformats.org/presentationml/2006/main">
   <p:cSld>
     <p:spTree>
@@ -4336,6 +4412,194 @@
           <p:cNvPr id="2" name="Title 1">
             <a:extLst>
               <a:ext uri="{FF2B5EF4-FFF2-40B4-BE49-F238E27FC236}">
+                <a16:creationId xmlns:a16="http://schemas.microsoft.com/office/drawing/2014/main" id="{B9395550-3173-2F44-A17F-ECB8F46226BF}"/>
+              </a:ext>
+            </a:extLst>
+          </p:cNvPr>
+          <p:cNvSpPr>
+            <a:spLocks noGrp="1"/>
+          </p:cNvSpPr>
+          <p:nvPr>
+            <p:ph type="title"/>
+          </p:nvPr>
+        </p:nvSpPr>
+        <p:spPr/>
+        <p:txBody>
+          <a:bodyPr/>
+          <a:lstStyle/>
+          <a:p>
+            <a:r>
+              <a:rPr lang="en-US" dirty="0"/>
+              <a:t>Why is the team doing this? – Script - XXXX</a:t>
+            </a:r>
+          </a:p>
+        </p:txBody>
+      </p:sp>
+      <p:sp>
+        <p:nvSpPr>
+          <p:cNvPr id="3" name="Content Placeholder 2">
+            <a:extLst>
+              <a:ext uri="{FF2B5EF4-FFF2-40B4-BE49-F238E27FC236}">
+                <a16:creationId xmlns:a16="http://schemas.microsoft.com/office/drawing/2014/main" id="{3EBFF5F1-1C5E-504D-BF65-3ECE78597D6D}"/>
+              </a:ext>
+            </a:extLst>
+          </p:cNvPr>
+          <p:cNvSpPr>
+            <a:spLocks noGrp="1"/>
+          </p:cNvSpPr>
+          <p:nvPr>
+            <p:ph idx="1"/>
+          </p:nvPr>
+        </p:nvSpPr>
+        <p:spPr/>
+        <p:txBody>
+          <a:bodyPr>
+            <a:normAutofit/>
+          </a:bodyPr>
+          <a:lstStyle/>
+          <a:p>
+            <a:r>
+              <a:rPr lang="en-AU" dirty="0"/>
+              <a:t>Talk about the motivations for doing this, why we chose this as a project.</a:t>
+            </a:r>
+          </a:p>
+          <a:p>
+            <a:endParaRPr lang="en-AU" dirty="0"/>
+          </a:p>
+          <a:p>
+            <a:endParaRPr lang="en-AU" dirty="0"/>
+          </a:p>
+          <a:p>
+            <a:endParaRPr lang="en-US" dirty="0"/>
+          </a:p>
+        </p:txBody>
+      </p:sp>
+    </p:spTree>
+    <p:extLst>
+      <p:ext uri="{BB962C8B-B14F-4D97-AF65-F5344CB8AC3E}">
+        <p14:creationId xmlns:p14="http://schemas.microsoft.com/office/powerpoint/2010/main" val="3504769044"/>
+      </p:ext>
+    </p:extLst>
+  </p:cSld>
+  <p:clrMapOvr>
+    <a:masterClrMapping/>
+  </p:clrMapOvr>
+</p:sld>
+</file>
+
+<file path=ppt/slides/slide16.xml><?xml version="1.0" encoding="utf-8"?>
+<p:sld xmlns:a="http://schemas.openxmlformats.org/drawingml/2006/main" xmlns:r="http://schemas.openxmlformats.org/officeDocument/2006/relationships" xmlns:p="http://schemas.openxmlformats.org/presentationml/2006/main">
+  <p:cSld>
+    <p:spTree>
+      <p:nvGrpSpPr>
+        <p:cNvPr id="1" name=""/>
+        <p:cNvGrpSpPr/>
+        <p:nvPr/>
+      </p:nvGrpSpPr>
+      <p:grpSpPr>
+        <a:xfrm>
+          <a:off x="0" y="0"/>
+          <a:ext cx="0" cy="0"/>
+          <a:chOff x="0" y="0"/>
+          <a:chExt cx="0" cy="0"/>
+        </a:xfrm>
+      </p:grpSpPr>
+      <p:sp>
+        <p:nvSpPr>
+          <p:cNvPr id="2" name="Title 1">
+            <a:extLst>
+              <a:ext uri="{FF2B5EF4-FFF2-40B4-BE49-F238E27FC236}">
+                <a16:creationId xmlns:a16="http://schemas.microsoft.com/office/drawing/2014/main" id="{B9395550-3173-2F44-A17F-ECB8F46226BF}"/>
+              </a:ext>
+            </a:extLst>
+          </p:cNvPr>
+          <p:cNvSpPr>
+            <a:spLocks noGrp="1"/>
+          </p:cNvSpPr>
+          <p:nvPr>
+            <p:ph type="title"/>
+          </p:nvPr>
+        </p:nvSpPr>
+        <p:spPr/>
+        <p:txBody>
+          <a:bodyPr/>
+          <a:lstStyle/>
+          <a:p>
+            <a:r>
+              <a:rPr lang="en-US" dirty="0"/>
+              <a:t>So what is being done? – Script - Alex</a:t>
+            </a:r>
+          </a:p>
+        </p:txBody>
+      </p:sp>
+      <p:sp>
+        <p:nvSpPr>
+          <p:cNvPr id="3" name="Content Placeholder 2">
+            <a:extLst>
+              <a:ext uri="{FF2B5EF4-FFF2-40B4-BE49-F238E27FC236}">
+                <a16:creationId xmlns:a16="http://schemas.microsoft.com/office/drawing/2014/main" id="{3EBFF5F1-1C5E-504D-BF65-3ECE78597D6D}"/>
+              </a:ext>
+            </a:extLst>
+          </p:cNvPr>
+          <p:cNvSpPr>
+            <a:spLocks noGrp="1"/>
+          </p:cNvSpPr>
+          <p:nvPr>
+            <p:ph idx="1"/>
+          </p:nvPr>
+        </p:nvSpPr>
+        <p:spPr/>
+        <p:txBody>
+          <a:bodyPr>
+            <a:normAutofit/>
+          </a:bodyPr>
+          <a:lstStyle/>
+          <a:p>
+            <a:r>
+              <a:rPr lang="en-AU" dirty="0"/>
+              <a:t>Brilliant, you’re doing great work, how can we find out more?</a:t>
+            </a:r>
+          </a:p>
+          <a:p>
+            <a:endParaRPr lang="en-US" dirty="0"/>
+          </a:p>
+        </p:txBody>
+      </p:sp>
+    </p:spTree>
+    <p:extLst>
+      <p:ext uri="{BB962C8B-B14F-4D97-AF65-F5344CB8AC3E}">
+        <p14:creationId xmlns:p14="http://schemas.microsoft.com/office/powerpoint/2010/main" val="1665674616"/>
+      </p:ext>
+    </p:extLst>
+  </p:cSld>
+  <p:clrMapOvr>
+    <a:masterClrMapping/>
+  </p:clrMapOvr>
+</p:sld>
+</file>
+
+<file path=ppt/slides/slide17.xml><?xml version="1.0" encoding="utf-8"?>
+<p:sld xmlns:a="http://schemas.openxmlformats.org/drawingml/2006/main" xmlns:r="http://schemas.openxmlformats.org/officeDocument/2006/relationships" xmlns:p="http://schemas.openxmlformats.org/presentationml/2006/main">
+  <p:cSld>
+    <p:spTree>
+      <p:nvGrpSpPr>
+        <p:cNvPr id="1" name=""/>
+        <p:cNvGrpSpPr/>
+        <p:nvPr/>
+      </p:nvGrpSpPr>
+      <p:grpSpPr>
+        <a:xfrm>
+          <a:off x="0" y="0"/>
+          <a:ext cx="0" cy="0"/>
+          <a:chOff x="0" y="0"/>
+          <a:chExt cx="0" cy="0"/>
+        </a:xfrm>
+      </p:grpSpPr>
+      <p:sp>
+        <p:nvSpPr>
+          <p:cNvPr id="2" name="Title 1">
+            <a:extLst>
+              <a:ext uri="{FF2B5EF4-FFF2-40B4-BE49-F238E27FC236}">
                 <a16:creationId xmlns:a16="http://schemas.microsoft.com/office/drawing/2014/main" id="{0AFF2694-842C-7D49-8743-E67E62B7CE29}"/>
               </a:ext>
             </a:extLst>
@@ -4354,7 +4618,7 @@
           <a:p>
             <a:r>
               <a:rPr lang="en-US" dirty="0"/>
-              <a:t>So what is being done? - 90 seconds</a:t>
+              <a:t>How can I find out more? 30 seconds</a:t>
             </a:r>
           </a:p>
         </p:txBody>
@@ -4591,25 +4855,30 @@
           <a:p>
             <a:r>
               <a:rPr lang="en-AU" dirty="0"/>
-              <a:t>Pitch </a:t>
-            </a:r>
-            <a:r>
-              <a:rPr lang="en-AU" dirty="0" err="1"/>
-              <a:t>Prosight’s</a:t>
-            </a:r>
+              <a:t>Cover off cost (free)</a:t>
+            </a:r>
+          </a:p>
+          <a:p>
+            <a:endParaRPr lang="en-AU" dirty="0"/>
+          </a:p>
+          <a:p>
             <a:r>
               <a:rPr lang="en-AU" dirty="0"/>
-              <a:t> study tool as the answer, why it fills the gap available and how amazing it is</a:t>
+              <a:t>Cover off that it will be launching soon for Australia</a:t>
+            </a:r>
+            <a:r>
+              <a:rPr lang="en-AU"/>
+              <a:t>, later </a:t>
+            </a:r>
+            <a:r>
+              <a:rPr lang="en-AU" dirty="0"/>
+              <a:t>in the rest of the world</a:t>
             </a:r>
           </a:p>
           <a:p>
             <a:endParaRPr lang="en-AU" dirty="0"/>
           </a:p>
           <a:p>
-            <a:r>
-              <a:rPr lang="en-AU" dirty="0"/>
-              <a:t>How does it work, explain how students can use it.</a:t>
-            </a:r>
             <a:endParaRPr lang="en-US" dirty="0"/>
           </a:p>
         </p:txBody>
@@ -4617,7 +4886,7 @@
     </p:spTree>
     <p:extLst>
       <p:ext uri="{BB962C8B-B14F-4D97-AF65-F5344CB8AC3E}">
-        <p14:creationId xmlns:p14="http://schemas.microsoft.com/office/powerpoint/2010/main" val="3604171044"/>
+        <p14:creationId xmlns:p14="http://schemas.microsoft.com/office/powerpoint/2010/main" val="1265038317"/>
       </p:ext>
     </p:extLst>
   </p:cSld>
@@ -4627,7 +4896,7 @@
 </p:sld>
 </file>
 
-<file path=ppt/slides/slide7.xml><?xml version="1.0" encoding="utf-8"?>
+<file path=ppt/slides/slide18.xml><?xml version="1.0" encoding="utf-8"?>
 <p:sld xmlns:a="http://schemas.openxmlformats.org/drawingml/2006/main" xmlns:r="http://schemas.openxmlformats.org/officeDocument/2006/relationships" xmlns:p="http://schemas.openxmlformats.org/presentationml/2006/main">
   <p:cSld>
     <p:spTree>
@@ -4649,6 +4918,679 @@
           <p:cNvPr id="2" name="Title 1">
             <a:extLst>
               <a:ext uri="{FF2B5EF4-FFF2-40B4-BE49-F238E27FC236}">
+                <a16:creationId xmlns:a16="http://schemas.microsoft.com/office/drawing/2014/main" id="{B9395550-3173-2F44-A17F-ECB8F46226BF}"/>
+              </a:ext>
+            </a:extLst>
+          </p:cNvPr>
+          <p:cNvSpPr>
+            <a:spLocks noGrp="1"/>
+          </p:cNvSpPr>
+          <p:nvPr>
+            <p:ph type="title"/>
+          </p:nvPr>
+        </p:nvSpPr>
+        <p:spPr/>
+        <p:txBody>
+          <a:bodyPr/>
+          <a:lstStyle/>
+          <a:p>
+            <a:r>
+              <a:rPr lang="en-US" dirty="0"/>
+              <a:t>How can I find out more? – Script - XXXX</a:t>
+            </a:r>
+          </a:p>
+        </p:txBody>
+      </p:sp>
+      <p:sp>
+        <p:nvSpPr>
+          <p:cNvPr id="3" name="Content Placeholder 2">
+            <a:extLst>
+              <a:ext uri="{FF2B5EF4-FFF2-40B4-BE49-F238E27FC236}">
+                <a16:creationId xmlns:a16="http://schemas.microsoft.com/office/drawing/2014/main" id="{3EBFF5F1-1C5E-504D-BF65-3ECE78597D6D}"/>
+              </a:ext>
+            </a:extLst>
+          </p:cNvPr>
+          <p:cNvSpPr>
+            <a:spLocks noGrp="1"/>
+          </p:cNvSpPr>
+          <p:nvPr>
+            <p:ph idx="1"/>
+          </p:nvPr>
+        </p:nvSpPr>
+        <p:spPr/>
+        <p:txBody>
+          <a:bodyPr>
+            <a:normAutofit/>
+          </a:bodyPr>
+          <a:lstStyle/>
+          <a:p>
+            <a:r>
+              <a:rPr lang="en-AU" dirty="0"/>
+              <a:t>We’ll be launching soon, keep an eye out for our website launch</a:t>
+            </a:r>
+          </a:p>
+          <a:p>
+            <a:endParaRPr lang="en-US" dirty="0"/>
+          </a:p>
+        </p:txBody>
+      </p:sp>
+    </p:spTree>
+    <p:extLst>
+      <p:ext uri="{BB962C8B-B14F-4D97-AF65-F5344CB8AC3E}">
+        <p14:creationId xmlns:p14="http://schemas.microsoft.com/office/powerpoint/2010/main" val="3278186133"/>
+      </p:ext>
+    </p:extLst>
+  </p:cSld>
+  <p:clrMapOvr>
+    <a:masterClrMapping/>
+  </p:clrMapOvr>
+</p:sld>
+</file>
+
+<file path=ppt/slides/slide19.xml><?xml version="1.0" encoding="utf-8"?>
+<p:sld xmlns:a="http://schemas.openxmlformats.org/drawingml/2006/main" xmlns:r="http://schemas.openxmlformats.org/officeDocument/2006/relationships" xmlns:p="http://schemas.openxmlformats.org/presentationml/2006/main">
+  <p:cSld>
+    <p:spTree>
+      <p:nvGrpSpPr>
+        <p:cNvPr id="1" name=""/>
+        <p:cNvGrpSpPr/>
+        <p:nvPr/>
+      </p:nvGrpSpPr>
+      <p:grpSpPr>
+        <a:xfrm>
+          <a:off x="0" y="0"/>
+          <a:ext cx="0" cy="0"/>
+          <a:chOff x="0" y="0"/>
+          <a:chExt cx="0" cy="0"/>
+        </a:xfrm>
+      </p:grpSpPr>
+      <p:sp>
+        <p:nvSpPr>
+          <p:cNvPr id="2" name="Title 1">
+            <a:extLst>
+              <a:ext uri="{FF2B5EF4-FFF2-40B4-BE49-F238E27FC236}">
+                <a16:creationId xmlns:a16="http://schemas.microsoft.com/office/drawing/2014/main" id="{B9395550-3173-2F44-A17F-ECB8F46226BF}"/>
+              </a:ext>
+            </a:extLst>
+          </p:cNvPr>
+          <p:cNvSpPr>
+            <a:spLocks noGrp="1"/>
+          </p:cNvSpPr>
+          <p:nvPr>
+            <p:ph type="title"/>
+          </p:nvPr>
+        </p:nvSpPr>
+        <p:spPr/>
+        <p:txBody>
+          <a:bodyPr/>
+          <a:lstStyle/>
+          <a:p>
+            <a:r>
+              <a:rPr lang="en-US" dirty="0"/>
+              <a:t>How can I find out more? – Script - Alex</a:t>
+            </a:r>
+          </a:p>
+        </p:txBody>
+      </p:sp>
+      <p:sp>
+        <p:nvSpPr>
+          <p:cNvPr id="3" name="Content Placeholder 2">
+            <a:extLst>
+              <a:ext uri="{FF2B5EF4-FFF2-40B4-BE49-F238E27FC236}">
+                <a16:creationId xmlns:a16="http://schemas.microsoft.com/office/drawing/2014/main" id="{3EBFF5F1-1C5E-504D-BF65-3ECE78597D6D}"/>
+              </a:ext>
+            </a:extLst>
+          </p:cNvPr>
+          <p:cNvSpPr>
+            <a:spLocks noGrp="1"/>
+          </p:cNvSpPr>
+          <p:nvPr>
+            <p:ph idx="1"/>
+          </p:nvPr>
+        </p:nvSpPr>
+        <p:spPr/>
+        <p:txBody>
+          <a:bodyPr>
+            <a:normAutofit/>
+          </a:bodyPr>
+          <a:lstStyle/>
+          <a:p>
+            <a:r>
+              <a:rPr lang="en-AU" dirty="0"/>
+              <a:t>Definitely keep us up to date, we’ll look forward to having you back on to talk about the success!</a:t>
+            </a:r>
+          </a:p>
+          <a:p>
+            <a:endParaRPr lang="en-AU" dirty="0"/>
+          </a:p>
+          <a:p>
+            <a:r>
+              <a:rPr lang="en-AU" dirty="0"/>
+              <a:t>Thanks everyone for joining us today, its been a real insight into some of the innovation coming into the market.</a:t>
+            </a:r>
+          </a:p>
+          <a:p>
+            <a:endParaRPr lang="en-AU" dirty="0"/>
+          </a:p>
+          <a:p>
+            <a:r>
+              <a:rPr lang="en-AU" dirty="0"/>
+              <a:t>You can join us next week for our education segment where we’ll be talking about why do magicians do so well in school?  Is it because they are good at trick questions?  Join us to find out.</a:t>
+            </a:r>
+          </a:p>
+          <a:p>
+            <a:endParaRPr lang="en-US" dirty="0"/>
+          </a:p>
+        </p:txBody>
+      </p:sp>
+    </p:spTree>
+    <p:extLst>
+      <p:ext uri="{BB962C8B-B14F-4D97-AF65-F5344CB8AC3E}">
+        <p14:creationId xmlns:p14="http://schemas.microsoft.com/office/powerpoint/2010/main" val="1216723666"/>
+      </p:ext>
+    </p:extLst>
+  </p:cSld>
+  <p:clrMapOvr>
+    <a:masterClrMapping/>
+  </p:clrMapOvr>
+</p:sld>
+</file>
+
+<file path=ppt/slides/slide2.xml><?xml version="1.0" encoding="utf-8"?>
+<p:sld xmlns:a="http://schemas.openxmlformats.org/drawingml/2006/main" xmlns:r="http://schemas.openxmlformats.org/officeDocument/2006/relationships" xmlns:p="http://schemas.openxmlformats.org/presentationml/2006/main">
+  <p:cSld>
+    <p:spTree>
+      <p:nvGrpSpPr>
+        <p:cNvPr id="1" name=""/>
+        <p:cNvGrpSpPr/>
+        <p:nvPr/>
+      </p:nvGrpSpPr>
+      <p:grpSpPr>
+        <a:xfrm>
+          <a:off x="0" y="0"/>
+          <a:ext cx="0" cy="0"/>
+          <a:chOff x="0" y="0"/>
+          <a:chExt cx="0" cy="0"/>
+        </a:xfrm>
+      </p:grpSpPr>
+      <p:sp>
+        <p:nvSpPr>
+          <p:cNvPr id="2" name="Title 1">
+            <a:extLst>
+              <a:ext uri="{FF2B5EF4-FFF2-40B4-BE49-F238E27FC236}">
+                <a16:creationId xmlns:a16="http://schemas.microsoft.com/office/drawing/2014/main" id="{AF6B02FC-3501-2E4D-ACF5-E7CC637787FF}"/>
+              </a:ext>
+            </a:extLst>
+          </p:cNvPr>
+          <p:cNvSpPr>
+            <a:spLocks noGrp="1"/>
+          </p:cNvSpPr>
+          <p:nvPr>
+            <p:ph type="title"/>
+          </p:nvPr>
+        </p:nvSpPr>
+        <p:spPr/>
+        <p:txBody>
+          <a:bodyPr/>
+          <a:lstStyle/>
+          <a:p>
+            <a:r>
+              <a:rPr lang="en-US" dirty="0"/>
+              <a:t>Key points</a:t>
+            </a:r>
+          </a:p>
+        </p:txBody>
+      </p:sp>
+      <p:sp>
+        <p:nvSpPr>
+          <p:cNvPr id="3" name="Content Placeholder 2">
+            <a:extLst>
+              <a:ext uri="{FF2B5EF4-FFF2-40B4-BE49-F238E27FC236}">
+                <a16:creationId xmlns:a16="http://schemas.microsoft.com/office/drawing/2014/main" id="{84048969-D2EF-9841-8E0B-112A49E0E98F}"/>
+              </a:ext>
+            </a:extLst>
+          </p:cNvPr>
+          <p:cNvSpPr>
+            <a:spLocks noGrp="1"/>
+          </p:cNvSpPr>
+          <p:nvPr>
+            <p:ph idx="1"/>
+          </p:nvPr>
+        </p:nvSpPr>
+        <p:spPr/>
+        <p:txBody>
+          <a:bodyPr/>
+          <a:lstStyle/>
+          <a:p>
+            <a:r>
+              <a:rPr lang="en-US" dirty="0"/>
+              <a:t>Include </a:t>
+            </a:r>
+            <a:r>
+              <a:rPr lang="en-US" dirty="0" err="1"/>
+              <a:t>colour</a:t>
+            </a:r>
+            <a:r>
+              <a:rPr lang="en-US" dirty="0"/>
+              <a:t> and graphics</a:t>
+            </a:r>
+          </a:p>
+          <a:p>
+            <a:endParaRPr lang="en-US" dirty="0"/>
+          </a:p>
+          <a:p>
+            <a:r>
+              <a:rPr lang="en-US" dirty="0"/>
+              <a:t>Intro</a:t>
+            </a:r>
+          </a:p>
+          <a:p>
+            <a:r>
+              <a:rPr lang="en-US" dirty="0"/>
+              <a:t>Structure, logical progression</a:t>
+            </a:r>
+          </a:p>
+          <a:p>
+            <a:r>
+              <a:rPr lang="en-US" dirty="0"/>
+              <a:t>Be engaging</a:t>
+            </a:r>
+          </a:p>
+          <a:p>
+            <a:endParaRPr lang="en-US" dirty="0"/>
+          </a:p>
+          <a:p>
+            <a:r>
+              <a:rPr lang="en-US" dirty="0"/>
+              <a:t>Style – as per info</a:t>
+            </a:r>
+          </a:p>
+          <a:p>
+            <a:endParaRPr lang="en-US" dirty="0"/>
+          </a:p>
+        </p:txBody>
+      </p:sp>
+    </p:spTree>
+    <p:extLst>
+      <p:ext uri="{BB962C8B-B14F-4D97-AF65-F5344CB8AC3E}">
+        <p14:creationId xmlns:p14="http://schemas.microsoft.com/office/powerpoint/2010/main" val="2113874010"/>
+      </p:ext>
+    </p:extLst>
+  </p:cSld>
+  <p:clrMapOvr>
+    <a:masterClrMapping/>
+  </p:clrMapOvr>
+</p:sld>
+</file>
+
+<file path=ppt/slides/slide20.xml><?xml version="1.0" encoding="utf-8"?>
+<p:sld xmlns:a="http://schemas.openxmlformats.org/drawingml/2006/main" xmlns:r="http://schemas.openxmlformats.org/officeDocument/2006/relationships" xmlns:p="http://schemas.openxmlformats.org/presentationml/2006/main">
+  <p:cSld>
+    <p:spTree>
+      <p:nvGrpSpPr>
+        <p:cNvPr id="1" name=""/>
+        <p:cNvGrpSpPr/>
+        <p:nvPr/>
+      </p:nvGrpSpPr>
+      <p:grpSpPr>
+        <a:xfrm>
+          <a:off x="0" y="0"/>
+          <a:ext cx="0" cy="0"/>
+          <a:chOff x="0" y="0"/>
+          <a:chExt cx="0" cy="0"/>
+        </a:xfrm>
+      </p:grpSpPr>
+      <p:sp>
+        <p:nvSpPr>
+          <p:cNvPr id="2" name="Title 1">
+            <a:extLst>
+              <a:ext uri="{FF2B5EF4-FFF2-40B4-BE49-F238E27FC236}">
+                <a16:creationId xmlns:a16="http://schemas.microsoft.com/office/drawing/2014/main" id="{EF84C814-87E4-B748-A17C-C4FD2F95F1ED}"/>
+              </a:ext>
+            </a:extLst>
+          </p:cNvPr>
+          <p:cNvSpPr>
+            <a:spLocks noGrp="1"/>
+          </p:cNvSpPr>
+          <p:nvPr>
+            <p:ph type="title"/>
+          </p:nvPr>
+        </p:nvSpPr>
+        <p:spPr/>
+        <p:txBody>
+          <a:bodyPr/>
+          <a:lstStyle/>
+          <a:p>
+            <a:r>
+              <a:rPr lang="en-US" dirty="0"/>
+              <a:t>Outro – 15 seconds</a:t>
+            </a:r>
+          </a:p>
+        </p:txBody>
+      </p:sp>
+      <p:sp>
+        <p:nvSpPr>
+          <p:cNvPr id="3" name="Content Placeholder 2">
+            <a:extLst>
+              <a:ext uri="{FF2B5EF4-FFF2-40B4-BE49-F238E27FC236}">
+                <a16:creationId xmlns:a16="http://schemas.microsoft.com/office/drawing/2014/main" id="{0C29E474-F4E4-DE4E-A187-2BC2D31563CE}"/>
+              </a:ext>
+            </a:extLst>
+          </p:cNvPr>
+          <p:cNvSpPr>
+            <a:spLocks noGrp="1"/>
+          </p:cNvSpPr>
+          <p:nvPr>
+            <p:ph idx="1"/>
+          </p:nvPr>
+        </p:nvSpPr>
+        <p:spPr>
+          <a:xfrm>
+            <a:off x="838199" y="1825625"/>
+            <a:ext cx="10275277" cy="4351338"/>
+          </a:xfrm>
+        </p:spPr>
+        <p:txBody>
+          <a:bodyPr/>
+          <a:lstStyle/>
+          <a:p>
+            <a:r>
+              <a:rPr lang="en-US" dirty="0"/>
+              <a:t>Thanks everyone</a:t>
+            </a:r>
+          </a:p>
+          <a:p>
+            <a:endParaRPr lang="en-US" dirty="0"/>
+          </a:p>
+          <a:p>
+            <a:r>
+              <a:rPr lang="en-US" dirty="0"/>
+              <a:t>Don’t forget you can find out more at </a:t>
+            </a:r>
+            <a:r>
+              <a:rPr lang="en-US" dirty="0" err="1"/>
+              <a:t>www.pro-sight.com.au</a:t>
+            </a:r>
+            <a:endParaRPr lang="en-US" dirty="0"/>
+          </a:p>
+        </p:txBody>
+      </p:sp>
+    </p:spTree>
+    <p:extLst>
+      <p:ext uri="{BB962C8B-B14F-4D97-AF65-F5344CB8AC3E}">
+        <p14:creationId xmlns:p14="http://schemas.microsoft.com/office/powerpoint/2010/main" val="4034525392"/>
+      </p:ext>
+    </p:extLst>
+  </p:cSld>
+  <p:clrMapOvr>
+    <a:masterClrMapping/>
+  </p:clrMapOvr>
+</p:sld>
+</file>
+
+<file path=ppt/slides/slide3.xml><?xml version="1.0" encoding="utf-8"?>
+<p:sld xmlns:a="http://schemas.openxmlformats.org/drawingml/2006/main" xmlns:r="http://schemas.openxmlformats.org/officeDocument/2006/relationships" xmlns:p="http://schemas.openxmlformats.org/presentationml/2006/main">
+  <p:cSld>
+    <p:spTree>
+      <p:nvGrpSpPr>
+        <p:cNvPr id="1" name=""/>
+        <p:cNvGrpSpPr/>
+        <p:nvPr/>
+      </p:nvGrpSpPr>
+      <p:grpSpPr>
+        <a:xfrm>
+          <a:off x="0" y="0"/>
+          <a:ext cx="0" cy="0"/>
+          <a:chOff x="0" y="0"/>
+          <a:chExt cx="0" cy="0"/>
+        </a:xfrm>
+      </p:grpSpPr>
+      <p:sp>
+        <p:nvSpPr>
+          <p:cNvPr id="2" name="Title 1">
+            <a:extLst>
+              <a:ext uri="{FF2B5EF4-FFF2-40B4-BE49-F238E27FC236}">
+                <a16:creationId xmlns:a16="http://schemas.microsoft.com/office/drawing/2014/main" id="{EF84C814-87E4-B748-A17C-C4FD2F95F1ED}"/>
+              </a:ext>
+            </a:extLst>
+          </p:cNvPr>
+          <p:cNvSpPr>
+            <a:spLocks noGrp="1"/>
+          </p:cNvSpPr>
+          <p:nvPr>
+            <p:ph type="title"/>
+          </p:nvPr>
+        </p:nvSpPr>
+        <p:spPr/>
+        <p:txBody>
+          <a:bodyPr/>
+          <a:lstStyle/>
+          <a:p>
+            <a:r>
+              <a:rPr lang="en-US" dirty="0"/>
+              <a:t>Introduction – 15 seconds</a:t>
+            </a:r>
+          </a:p>
+        </p:txBody>
+      </p:sp>
+      <p:sp>
+        <p:nvSpPr>
+          <p:cNvPr id="3" name="Content Placeholder 2">
+            <a:extLst>
+              <a:ext uri="{FF2B5EF4-FFF2-40B4-BE49-F238E27FC236}">
+                <a16:creationId xmlns:a16="http://schemas.microsoft.com/office/drawing/2014/main" id="{0C29E474-F4E4-DE4E-A187-2BC2D31563CE}"/>
+              </a:ext>
+            </a:extLst>
+          </p:cNvPr>
+          <p:cNvSpPr>
+            <a:spLocks noGrp="1"/>
+          </p:cNvSpPr>
+          <p:nvPr>
+            <p:ph idx="1"/>
+          </p:nvPr>
+        </p:nvSpPr>
+        <p:spPr>
+          <a:xfrm>
+            <a:off x="838200" y="1825625"/>
+            <a:ext cx="10515600" cy="4351338"/>
+          </a:xfrm>
+        </p:spPr>
+        <p:txBody>
+          <a:bodyPr>
+            <a:normAutofit lnSpcReduction="10000"/>
+          </a:bodyPr>
+          <a:lstStyle/>
+          <a:p>
+            <a:r>
+              <a:rPr lang="en-US" dirty="0"/>
+              <a:t>Intro and what we are going to talk about</a:t>
+            </a:r>
+          </a:p>
+          <a:p>
+            <a:endParaRPr lang="en-US" dirty="0"/>
+          </a:p>
+          <a:p>
+            <a:r>
+              <a:rPr lang="en-AU" dirty="0"/>
+              <a:t>A 2018 report titled Programme for International Student Assessment (PISA) details the long-term decline in Australian students in Science, Reading and Mathematics subjects in comparison to Chinese students. Specifically, the report details that Australian students are on average 3.5 years behind Chinese students in mathematics. </a:t>
+            </a:r>
+          </a:p>
+          <a:p>
+            <a:endParaRPr lang="en-US" dirty="0"/>
+          </a:p>
+          <a:p>
+            <a:r>
+              <a:rPr lang="en-US" dirty="0"/>
+              <a:t>we’re joined by X from </a:t>
+            </a:r>
+            <a:r>
+              <a:rPr lang="en-US" dirty="0" err="1"/>
+              <a:t>Prosight</a:t>
+            </a:r>
+            <a:r>
+              <a:rPr lang="en-US" dirty="0"/>
+              <a:t> to talk to us about some of the challenges facing students today</a:t>
+            </a:r>
+          </a:p>
+        </p:txBody>
+      </p:sp>
+    </p:spTree>
+    <p:extLst>
+      <p:ext uri="{BB962C8B-B14F-4D97-AF65-F5344CB8AC3E}">
+        <p14:creationId xmlns:p14="http://schemas.microsoft.com/office/powerpoint/2010/main" val="704425647"/>
+      </p:ext>
+    </p:extLst>
+  </p:cSld>
+  <p:clrMapOvr>
+    <a:masterClrMapping/>
+  </p:clrMapOvr>
+</p:sld>
+</file>
+
+<file path=ppt/slides/slide4.xml><?xml version="1.0" encoding="utf-8"?>
+<p:sld xmlns:a="http://schemas.openxmlformats.org/drawingml/2006/main" xmlns:r="http://schemas.openxmlformats.org/officeDocument/2006/relationships" xmlns:p="http://schemas.openxmlformats.org/presentationml/2006/main">
+  <p:cSld>
+    <p:spTree>
+      <p:nvGrpSpPr>
+        <p:cNvPr id="1" name=""/>
+        <p:cNvGrpSpPr/>
+        <p:nvPr/>
+      </p:nvGrpSpPr>
+      <p:grpSpPr>
+        <a:xfrm>
+          <a:off x="0" y="0"/>
+          <a:ext cx="0" cy="0"/>
+          <a:chOff x="0" y="0"/>
+          <a:chExt cx="0" cy="0"/>
+        </a:xfrm>
+      </p:grpSpPr>
+      <p:sp>
+        <p:nvSpPr>
+          <p:cNvPr id="2" name="Title 1">
+            <a:extLst>
+              <a:ext uri="{FF2B5EF4-FFF2-40B4-BE49-F238E27FC236}">
+                <a16:creationId xmlns:a16="http://schemas.microsoft.com/office/drawing/2014/main" id="{B9395550-3173-2F44-A17F-ECB8F46226BF}"/>
+              </a:ext>
+            </a:extLst>
+          </p:cNvPr>
+          <p:cNvSpPr>
+            <a:spLocks noGrp="1"/>
+          </p:cNvSpPr>
+          <p:nvPr>
+            <p:ph type="title"/>
+          </p:nvPr>
+        </p:nvSpPr>
+        <p:spPr/>
+        <p:txBody>
+          <a:bodyPr/>
+          <a:lstStyle/>
+          <a:p>
+            <a:r>
+              <a:rPr lang="en-US" dirty="0"/>
+              <a:t>Introduction – Script - Alex</a:t>
+            </a:r>
+          </a:p>
+        </p:txBody>
+      </p:sp>
+      <p:sp>
+        <p:nvSpPr>
+          <p:cNvPr id="3" name="Content Placeholder 2">
+            <a:extLst>
+              <a:ext uri="{FF2B5EF4-FFF2-40B4-BE49-F238E27FC236}">
+                <a16:creationId xmlns:a16="http://schemas.microsoft.com/office/drawing/2014/main" id="{3EBFF5F1-1C5E-504D-BF65-3ECE78597D6D}"/>
+              </a:ext>
+            </a:extLst>
+          </p:cNvPr>
+          <p:cNvSpPr>
+            <a:spLocks noGrp="1"/>
+          </p:cNvSpPr>
+          <p:nvPr>
+            <p:ph idx="1"/>
+          </p:nvPr>
+        </p:nvSpPr>
+        <p:spPr/>
+        <p:txBody>
+          <a:bodyPr>
+            <a:normAutofit fontScale="92500" lnSpcReduction="10000"/>
+          </a:bodyPr>
+          <a:lstStyle/>
+          <a:p>
+            <a:r>
+              <a:rPr lang="en-US" dirty="0"/>
+              <a:t>Hi, I’m Alex Barron and thanks for joining us for our education segment today.  Recently, we’ve been looking at the standards of education in Australia and I’m pleased to be joined by the team from </a:t>
+            </a:r>
+            <a:r>
+              <a:rPr lang="en-US" dirty="0" err="1"/>
+              <a:t>Prosight</a:t>
+            </a:r>
+            <a:r>
+              <a:rPr lang="en-US" dirty="0"/>
+              <a:t> today.</a:t>
+            </a:r>
+          </a:p>
+          <a:p>
+            <a:endParaRPr lang="en-US" dirty="0"/>
+          </a:p>
+          <a:p>
+            <a:r>
+              <a:rPr lang="en-US" dirty="0"/>
+              <a:t> </a:t>
+            </a:r>
+            <a:r>
+              <a:rPr lang="en-US" dirty="0" err="1"/>
+              <a:t>Prosight</a:t>
+            </a:r>
+            <a:r>
+              <a:rPr lang="en-US" dirty="0"/>
+              <a:t> is a new company that’s working with learners to change the way they learn.  We’re joined today by Brandon, Emily, Shane and Natalie to talk through some of the challenges that we’re seeing with Australian education.</a:t>
+            </a:r>
+          </a:p>
+          <a:p>
+            <a:endParaRPr lang="en-US" dirty="0"/>
+          </a:p>
+          <a:p>
+            <a:r>
+              <a:rPr lang="en-US" dirty="0"/>
+              <a:t>Brandon, thanks for joining us, can you tell us a bit about the problems that you’re seeing today with online learners?</a:t>
+            </a:r>
+          </a:p>
+        </p:txBody>
+      </p:sp>
+    </p:spTree>
+    <p:extLst>
+      <p:ext uri="{BB962C8B-B14F-4D97-AF65-F5344CB8AC3E}">
+        <p14:creationId xmlns:p14="http://schemas.microsoft.com/office/powerpoint/2010/main" val="3117266682"/>
+      </p:ext>
+    </p:extLst>
+  </p:cSld>
+  <p:clrMapOvr>
+    <a:masterClrMapping/>
+  </p:clrMapOvr>
+</p:sld>
+</file>
+
+<file path=ppt/slides/slide5.xml><?xml version="1.0" encoding="utf-8"?>
+<p:sld xmlns:a="http://schemas.openxmlformats.org/drawingml/2006/main" xmlns:r="http://schemas.openxmlformats.org/officeDocument/2006/relationships" xmlns:p="http://schemas.openxmlformats.org/presentationml/2006/main">
+  <p:cSld>
+    <p:spTree>
+      <p:nvGrpSpPr>
+        <p:cNvPr id="1" name=""/>
+        <p:cNvGrpSpPr/>
+        <p:nvPr/>
+      </p:nvGrpSpPr>
+      <p:grpSpPr>
+        <a:xfrm>
+          <a:off x="0" y="0"/>
+          <a:ext cx="0" cy="0"/>
+          <a:chOff x="0" y="0"/>
+          <a:chExt cx="0" cy="0"/>
+        </a:xfrm>
+      </p:grpSpPr>
+      <p:sp>
+        <p:nvSpPr>
+          <p:cNvPr id="2" name="Title 1">
+            <a:extLst>
+              <a:ext uri="{FF2B5EF4-FFF2-40B4-BE49-F238E27FC236}">
                 <a16:creationId xmlns:a16="http://schemas.microsoft.com/office/drawing/2014/main" id="{0AFF2694-842C-7D49-8743-E67E62B7CE29}"/>
               </a:ext>
             </a:extLst>
@@ -4667,7 +5609,7 @@
           <a:p>
             <a:r>
               <a:rPr lang="en-US" dirty="0"/>
-              <a:t>Why is the team doing this ?- 30 seconds</a:t>
+              <a:t>What is the problem – 60 seconds</a:t>
             </a:r>
           </a:p>
         </p:txBody>
@@ -4903,31 +5845,266 @@
           </a:p>
           <a:p>
             <a:r>
-              <a:rPr lang="en-AU" dirty="0"/>
-              <a:t>Explain our motivations</a:t>
-            </a:r>
-          </a:p>
-          <a:p>
-            <a:endParaRPr lang="en-AU" dirty="0"/>
-          </a:p>
-          <a:p>
-            <a:r>
-              <a:rPr lang="en-AU" dirty="0"/>
-              <a:t>How it can change lives</a:t>
-            </a:r>
-          </a:p>
-          <a:p>
-            <a:endParaRPr lang="en-AU" dirty="0"/>
+              <a:rPr lang="en-US" dirty="0"/>
+              <a:t>Script along the lines of “What is the problem being faced by online learners, here is X member from </a:t>
+            </a:r>
+            <a:r>
+              <a:rPr lang="en-US" dirty="0" err="1"/>
+              <a:t>prosight</a:t>
+            </a:r>
+            <a:r>
+              <a:rPr lang="en-US" dirty="0"/>
+              <a:t>”</a:t>
+            </a:r>
           </a:p>
           <a:p>
             <a:endParaRPr lang="en-US" dirty="0"/>
+          </a:p>
+          <a:p>
+            <a:r>
+              <a:rPr lang="en-US" dirty="0" err="1"/>
+              <a:t>Prosight</a:t>
+            </a:r>
+            <a:r>
+              <a:rPr lang="en-US" dirty="0"/>
+              <a:t> member X to illustrate the challenges of online learning</a:t>
+            </a:r>
           </a:p>
         </p:txBody>
       </p:sp>
     </p:spTree>
     <p:extLst>
       <p:ext uri="{BB962C8B-B14F-4D97-AF65-F5344CB8AC3E}">
-        <p14:creationId xmlns:p14="http://schemas.microsoft.com/office/powerpoint/2010/main" val="1057856342"/>
+        <p14:creationId xmlns:p14="http://schemas.microsoft.com/office/powerpoint/2010/main" val="2716251402"/>
+      </p:ext>
+    </p:extLst>
+  </p:cSld>
+  <p:clrMapOvr>
+    <a:masterClrMapping/>
+  </p:clrMapOvr>
+</p:sld>
+</file>
+
+<file path=ppt/slides/slide6.xml><?xml version="1.0" encoding="utf-8"?>
+<p:sld xmlns:a="http://schemas.openxmlformats.org/drawingml/2006/main" xmlns:r="http://schemas.openxmlformats.org/officeDocument/2006/relationships" xmlns:p="http://schemas.openxmlformats.org/presentationml/2006/main">
+  <p:cSld>
+    <p:spTree>
+      <p:nvGrpSpPr>
+        <p:cNvPr id="1" name=""/>
+        <p:cNvGrpSpPr/>
+        <p:nvPr/>
+      </p:nvGrpSpPr>
+      <p:grpSpPr>
+        <a:xfrm>
+          <a:off x="0" y="0"/>
+          <a:ext cx="0" cy="0"/>
+          <a:chOff x="0" y="0"/>
+          <a:chExt cx="0" cy="0"/>
+        </a:xfrm>
+      </p:grpSpPr>
+      <p:sp>
+        <p:nvSpPr>
+          <p:cNvPr id="2" name="Title 1">
+            <a:extLst>
+              <a:ext uri="{FF2B5EF4-FFF2-40B4-BE49-F238E27FC236}">
+                <a16:creationId xmlns:a16="http://schemas.microsoft.com/office/drawing/2014/main" id="{B9395550-3173-2F44-A17F-ECB8F46226BF}"/>
+              </a:ext>
+            </a:extLst>
+          </p:cNvPr>
+          <p:cNvSpPr>
+            <a:spLocks noGrp="1"/>
+          </p:cNvSpPr>
+          <p:nvPr>
+            <p:ph type="title"/>
+          </p:nvPr>
+        </p:nvSpPr>
+        <p:spPr/>
+        <p:txBody>
+          <a:bodyPr/>
+          <a:lstStyle/>
+          <a:p>
+            <a:r>
+              <a:rPr lang="en-US" dirty="0"/>
+              <a:t>What is the problem – Script - Brandon</a:t>
+            </a:r>
+          </a:p>
+        </p:txBody>
+      </p:sp>
+      <p:sp>
+        <p:nvSpPr>
+          <p:cNvPr id="3" name="Content Placeholder 2">
+            <a:extLst>
+              <a:ext uri="{FF2B5EF4-FFF2-40B4-BE49-F238E27FC236}">
+                <a16:creationId xmlns:a16="http://schemas.microsoft.com/office/drawing/2014/main" id="{3EBFF5F1-1C5E-504D-BF65-3ECE78597D6D}"/>
+              </a:ext>
+            </a:extLst>
+          </p:cNvPr>
+          <p:cNvSpPr>
+            <a:spLocks noGrp="1"/>
+          </p:cNvSpPr>
+          <p:nvPr>
+            <p:ph idx="1"/>
+          </p:nvPr>
+        </p:nvSpPr>
+        <p:spPr/>
+        <p:txBody>
+          <a:bodyPr>
+            <a:normAutofit/>
+          </a:bodyPr>
+          <a:lstStyle/>
+          <a:p>
+            <a:r>
+              <a:rPr lang="en-US" dirty="0"/>
+              <a:t>Talk about the problems being faced today, </a:t>
+            </a:r>
+            <a:r>
+              <a:rPr lang="en-US" dirty="0" err="1"/>
+              <a:t>eg</a:t>
+            </a:r>
+            <a:r>
+              <a:rPr lang="en-US" dirty="0"/>
+              <a:t> </a:t>
+            </a:r>
+            <a:r>
+              <a:rPr lang="en-AU" dirty="0"/>
+              <a:t>A 2018 report titled Programme for International Student Assessment (PISA) details the long-term decline in Australian students in Science, Reading and Mathematics subjects in comparison to Chinese students. Specifically, the report details that Australian students are on average 3.5 years behind Chinese students in mathematics.</a:t>
+            </a:r>
+          </a:p>
+          <a:p>
+            <a:endParaRPr lang="en-AU" dirty="0"/>
+          </a:p>
+          <a:p>
+            <a:r>
+              <a:rPr lang="en-AU" dirty="0"/>
+              <a:t>Online learning is harder, people don’t know how to learn best etc.  With classrooms, students learn in different ways etc. </a:t>
+            </a:r>
+          </a:p>
+          <a:p>
+            <a:endParaRPr lang="en-US" dirty="0"/>
+          </a:p>
+        </p:txBody>
+      </p:sp>
+    </p:spTree>
+    <p:extLst>
+      <p:ext uri="{BB962C8B-B14F-4D97-AF65-F5344CB8AC3E}">
+        <p14:creationId xmlns:p14="http://schemas.microsoft.com/office/powerpoint/2010/main" val="1825538211"/>
+      </p:ext>
+    </p:extLst>
+  </p:cSld>
+  <p:clrMapOvr>
+    <a:masterClrMapping/>
+  </p:clrMapOvr>
+</p:sld>
+</file>
+
+<file path=ppt/slides/slide7.xml><?xml version="1.0" encoding="utf-8"?>
+<p:sld xmlns:a="http://schemas.openxmlformats.org/drawingml/2006/main" xmlns:r="http://schemas.openxmlformats.org/officeDocument/2006/relationships" xmlns:p="http://schemas.openxmlformats.org/presentationml/2006/main">
+  <p:cSld>
+    <p:spTree>
+      <p:nvGrpSpPr>
+        <p:cNvPr id="1" name=""/>
+        <p:cNvGrpSpPr/>
+        <p:nvPr/>
+      </p:nvGrpSpPr>
+      <p:grpSpPr>
+        <a:xfrm>
+          <a:off x="0" y="0"/>
+          <a:ext cx="0" cy="0"/>
+          <a:chOff x="0" y="0"/>
+          <a:chExt cx="0" cy="0"/>
+        </a:xfrm>
+      </p:grpSpPr>
+      <p:sp>
+        <p:nvSpPr>
+          <p:cNvPr id="2" name="Title 1">
+            <a:extLst>
+              <a:ext uri="{FF2B5EF4-FFF2-40B4-BE49-F238E27FC236}">
+                <a16:creationId xmlns:a16="http://schemas.microsoft.com/office/drawing/2014/main" id="{B9395550-3173-2F44-A17F-ECB8F46226BF}"/>
+              </a:ext>
+            </a:extLst>
+          </p:cNvPr>
+          <p:cNvSpPr>
+            <a:spLocks noGrp="1"/>
+          </p:cNvSpPr>
+          <p:nvPr>
+            <p:ph type="title"/>
+          </p:nvPr>
+        </p:nvSpPr>
+        <p:spPr/>
+        <p:txBody>
+          <a:bodyPr/>
+          <a:lstStyle/>
+          <a:p>
+            <a:r>
+              <a:rPr lang="en-US" dirty="0"/>
+              <a:t>What is the problem – Script - Alex</a:t>
+            </a:r>
+          </a:p>
+        </p:txBody>
+      </p:sp>
+      <p:sp>
+        <p:nvSpPr>
+          <p:cNvPr id="3" name="Content Placeholder 2">
+            <a:extLst>
+              <a:ext uri="{FF2B5EF4-FFF2-40B4-BE49-F238E27FC236}">
+                <a16:creationId xmlns:a16="http://schemas.microsoft.com/office/drawing/2014/main" id="{3EBFF5F1-1C5E-504D-BF65-3ECE78597D6D}"/>
+              </a:ext>
+            </a:extLst>
+          </p:cNvPr>
+          <p:cNvSpPr>
+            <a:spLocks noGrp="1"/>
+          </p:cNvSpPr>
+          <p:nvPr>
+            <p:ph idx="1"/>
+          </p:nvPr>
+        </p:nvSpPr>
+        <p:spPr/>
+        <p:txBody>
+          <a:bodyPr>
+            <a:normAutofit/>
+          </a:bodyPr>
+          <a:lstStyle/>
+          <a:p>
+            <a:r>
+              <a:rPr lang="en-AU" dirty="0"/>
+              <a:t>Thanks Brandon, that’s a really good overview of some of the issues that students are seeing.  I can see that there is a real gap that we’re missing here in Australia.</a:t>
+            </a:r>
+          </a:p>
+          <a:p>
+            <a:endParaRPr lang="en-AU" dirty="0"/>
+          </a:p>
+          <a:p>
+            <a:r>
+              <a:rPr lang="en-AU" dirty="0"/>
+              <a:t>This can’t be a new problem though, online learning has been around for a number of years now.  What have people been doing up to now?</a:t>
+            </a:r>
+          </a:p>
+          <a:p>
+            <a:endParaRPr lang="en-AU" dirty="0"/>
+          </a:p>
+          <a:p>
+            <a:r>
+              <a:rPr lang="en-AU" dirty="0"/>
+              <a:t>We have one of the lead researchers XXXX from </a:t>
+            </a:r>
+            <a:r>
+              <a:rPr lang="en-AU" dirty="0" err="1"/>
+              <a:t>Prosight</a:t>
+            </a:r>
+            <a:r>
+              <a:rPr lang="en-AU" dirty="0"/>
+              <a:t> here with us today.  XXXX, what are we doing right now to address these issues?</a:t>
+            </a:r>
+          </a:p>
+          <a:p>
+            <a:endParaRPr lang="en-US" dirty="0"/>
+          </a:p>
+        </p:txBody>
+      </p:sp>
+    </p:spTree>
+    <p:extLst>
+      <p:ext uri="{BB962C8B-B14F-4D97-AF65-F5344CB8AC3E}">
+        <p14:creationId xmlns:p14="http://schemas.microsoft.com/office/powerpoint/2010/main" val="1595671160"/>
       </p:ext>
     </p:extLst>
   </p:cSld>
@@ -4977,7 +6154,7 @@
           <a:p>
             <a:r>
               <a:rPr lang="en-US" dirty="0"/>
-              <a:t>How can I find out more? 30 seconds</a:t>
+              <a:t>What steps are we taking as Australians? – 60 seconds</a:t>
             </a:r>
           </a:p>
         </p:txBody>
@@ -5213,39 +6390,16 @@
           </a:p>
           <a:p>
             <a:r>
-              <a:rPr lang="en-AU" dirty="0"/>
-              <a:t>Cover off cost (free)</a:t>
-            </a:r>
-          </a:p>
-          <a:p>
-            <a:endParaRPr lang="en-AU" dirty="0"/>
-          </a:p>
-          <a:p>
-            <a:r>
-              <a:rPr lang="en-AU" dirty="0"/>
-              <a:t>Cover off that it will be launching soon for Australia</a:t>
-            </a:r>
-            <a:r>
-              <a:rPr lang="en-AU"/>
-              <a:t>, later </a:t>
-            </a:r>
-            <a:r>
-              <a:rPr lang="en-AU" dirty="0"/>
-              <a:t>in the rest of the world</a:t>
-            </a:r>
-          </a:p>
-          <a:p>
-            <a:endParaRPr lang="en-AU" dirty="0"/>
-          </a:p>
-          <a:p>
-            <a:endParaRPr lang="en-US" dirty="0"/>
+              <a:rPr lang="en-US" dirty="0"/>
+              <a:t>Illustrate the points that there are solutions out there, however none of them are really understanding the needs of the student and are bespoke</a:t>
+            </a:r>
           </a:p>
         </p:txBody>
       </p:sp>
     </p:spTree>
     <p:extLst>
       <p:ext uri="{BB962C8B-B14F-4D97-AF65-F5344CB8AC3E}">
-        <p14:creationId xmlns:p14="http://schemas.microsoft.com/office/powerpoint/2010/main" val="1265038317"/>
+        <p14:creationId xmlns:p14="http://schemas.microsoft.com/office/powerpoint/2010/main" val="2168259597"/>
       </p:ext>
     </p:extLst>
   </p:cSld>
@@ -5277,7 +6431,7 @@
           <p:cNvPr id="2" name="Title 1">
             <a:extLst>
               <a:ext uri="{FF2B5EF4-FFF2-40B4-BE49-F238E27FC236}">
-                <a16:creationId xmlns:a16="http://schemas.microsoft.com/office/drawing/2014/main" id="{EF84C814-87E4-B748-A17C-C4FD2F95F1ED}"/>
+                <a16:creationId xmlns:a16="http://schemas.microsoft.com/office/drawing/2014/main" id="{B9395550-3173-2F44-A17F-ECB8F46226BF}"/>
               </a:ext>
             </a:extLst>
           </p:cNvPr>
@@ -5295,7 +6449,7 @@
           <a:p>
             <a:r>
               <a:rPr lang="en-US" dirty="0"/>
-              <a:t>Outro – 15 seconds</a:t>
+              <a:t>What steps are we taking as Australians? – Script - XXXX</a:t>
             </a:r>
           </a:p>
         </p:txBody>
@@ -5305,7 +6459,7 @@
           <p:cNvPr id="3" name="Content Placeholder 2">
             <a:extLst>
               <a:ext uri="{FF2B5EF4-FFF2-40B4-BE49-F238E27FC236}">
-                <a16:creationId xmlns:a16="http://schemas.microsoft.com/office/drawing/2014/main" id="{0C29E474-F4E4-DE4E-A187-2BC2D31563CE}"/>
+                <a16:creationId xmlns:a16="http://schemas.microsoft.com/office/drawing/2014/main" id="{3EBFF5F1-1C5E-504D-BF65-3ECE78597D6D}"/>
               </a:ext>
             </a:extLst>
           </p:cNvPr>
@@ -5316,33 +6470,19 @@
             <p:ph idx="1"/>
           </p:nvPr>
         </p:nvSpPr>
-        <p:spPr>
-          <a:xfrm>
-            <a:off x="838199" y="1825625"/>
-            <a:ext cx="10275277" cy="4351338"/>
-          </a:xfrm>
-        </p:spPr>
-        <p:txBody>
-          <a:bodyPr/>
-          <a:lstStyle/>
-          <a:p>
-            <a:r>
-              <a:rPr lang="en-US" dirty="0"/>
-              <a:t>Thanks everyone</a:t>
-            </a:r>
-          </a:p>
-          <a:p>
-            <a:endParaRPr lang="en-US" dirty="0"/>
-          </a:p>
-          <a:p>
-            <a:r>
-              <a:rPr lang="en-US" dirty="0"/>
-              <a:t>Don’t forget you can find out more at </a:t>
-            </a:r>
-            <a:r>
-              <a:rPr lang="en-US" dirty="0" err="1"/>
-              <a:t>www.pro-sight.com.au</a:t>
-            </a:r>
+        <p:spPr/>
+        <p:txBody>
+          <a:bodyPr>
+            <a:normAutofit/>
+          </a:bodyPr>
+          <a:lstStyle/>
+          <a:p>
+            <a:r>
+              <a:rPr lang="en-AU" dirty="0"/>
+              <a:t>Talk about existing platforms, learning quizzes, all classroom education is the same, not really helping people.   Plenty of things out there, but you have to go and look for it.</a:t>
+            </a:r>
+          </a:p>
+          <a:p>
             <a:endParaRPr lang="en-US" dirty="0"/>
           </a:p>
         </p:txBody>
@@ -5350,7 +6490,7 @@
     </p:spTree>
     <p:extLst>
       <p:ext uri="{BB962C8B-B14F-4D97-AF65-F5344CB8AC3E}">
-        <p14:creationId xmlns:p14="http://schemas.microsoft.com/office/powerpoint/2010/main" val="4034525392"/>
+        <p14:creationId xmlns:p14="http://schemas.microsoft.com/office/powerpoint/2010/main" val="3546889449"/>
       </p:ext>
     </p:extLst>
   </p:cSld>

--- a/storyboard-draft.pptx
+++ b/storyboard-draft.pptx
@@ -3920,7 +3920,7 @@
           <a:p>
             <a:r>
               <a:rPr lang="en-US" dirty="0"/>
-              <a:t>So what is being done? – Script - XXXX</a:t>
+              <a:t>So what is being done? – Script - Shane</a:t>
             </a:r>
           </a:p>
         </p:txBody>
@@ -4430,7 +4430,7 @@
           <a:p>
             <a:r>
               <a:rPr lang="en-US" dirty="0"/>
-              <a:t>Why is the team doing this? – Script - XXXX</a:t>
+              <a:t>Why is the team doing this? – Script - Emily</a:t>
             </a:r>
           </a:p>
         </p:txBody>
@@ -4936,7 +4936,7 @@
           <a:p>
             <a:r>
               <a:rPr lang="en-US" dirty="0"/>
-              <a:t>How can I find out more? – Script - XXXX</a:t>
+              <a:t>How can I find out more? – Script - Emily</a:t>
             </a:r>
           </a:p>
         </p:txBody>
@@ -4966,7 +4966,7 @@
           <a:p>
             <a:r>
               <a:rPr lang="en-AU" dirty="0"/>
-              <a:t>We’ll be launching soon, keep an eye out for our website launch</a:t>
+              <a:t>We’ll be launching soon, keep an eye out for our website launch etc</a:t>
             </a:r>
           </a:p>
           <a:p>
@@ -6449,7 +6449,7 @@
           <a:p>
             <a:r>
               <a:rPr lang="en-US" dirty="0"/>
-              <a:t>What steps are we taking as Australians? – Script - XXXX</a:t>
+              <a:t>What steps are we taking as Australians? – Script - Natalie</a:t>
             </a:r>
           </a:p>
         </p:txBody>

--- a/storyboard-draft.pptx
+++ b/storyboard-draft.pptx
@@ -4,27 +4,34 @@
   <p:sldMasterIdLst>
     <p:sldMasterId id="2147483648" r:id="rId1"/>
   </p:sldMasterIdLst>
+  <p:notesMasterIdLst>
+    <p:notesMasterId r:id="rId26"/>
+  </p:notesMasterIdLst>
   <p:sldIdLst>
     <p:sldId id="256" r:id="rId2"/>
-    <p:sldId id="257" r:id="rId3"/>
-    <p:sldId id="258" r:id="rId4"/>
-    <p:sldId id="266" r:id="rId5"/>
-    <p:sldId id="259" r:id="rId6"/>
-    <p:sldId id="267" r:id="rId7"/>
-    <p:sldId id="268" r:id="rId8"/>
-    <p:sldId id="261" r:id="rId9"/>
-    <p:sldId id="269" r:id="rId10"/>
-    <p:sldId id="270" r:id="rId11"/>
-    <p:sldId id="262" r:id="rId12"/>
-    <p:sldId id="271" r:id="rId13"/>
-    <p:sldId id="272" r:id="rId14"/>
-    <p:sldId id="264" r:id="rId15"/>
-    <p:sldId id="273" r:id="rId16"/>
-    <p:sldId id="274" r:id="rId17"/>
-    <p:sldId id="263" r:id="rId18"/>
-    <p:sldId id="275" r:id="rId19"/>
-    <p:sldId id="276" r:id="rId20"/>
-    <p:sldId id="265" r:id="rId21"/>
+    <p:sldId id="278" r:id="rId3"/>
+    <p:sldId id="279" r:id="rId4"/>
+    <p:sldId id="277" r:id="rId5"/>
+    <p:sldId id="280" r:id="rId6"/>
+    <p:sldId id="257" r:id="rId7"/>
+    <p:sldId id="258" r:id="rId8"/>
+    <p:sldId id="266" r:id="rId9"/>
+    <p:sldId id="259" r:id="rId10"/>
+    <p:sldId id="267" r:id="rId11"/>
+    <p:sldId id="268" r:id="rId12"/>
+    <p:sldId id="261" r:id="rId13"/>
+    <p:sldId id="269" r:id="rId14"/>
+    <p:sldId id="270" r:id="rId15"/>
+    <p:sldId id="262" r:id="rId16"/>
+    <p:sldId id="271" r:id="rId17"/>
+    <p:sldId id="272" r:id="rId18"/>
+    <p:sldId id="264" r:id="rId19"/>
+    <p:sldId id="273" r:id="rId20"/>
+    <p:sldId id="274" r:id="rId21"/>
+    <p:sldId id="263" r:id="rId22"/>
+    <p:sldId id="275" r:id="rId23"/>
+    <p:sldId id="276" r:id="rId24"/>
+    <p:sldId id="265" r:id="rId25"/>
   </p:sldIdLst>
   <p:sldSz cx="12192000" cy="6858000"/>
   <p:notesSz cx="6858000" cy="9144000"/>
@@ -160,6 +167,440 @@
 </pc:chgInfo>
 </file>
 
+<file path=ppt/notesMasters/notesMaster1.xml><?xml version="1.0" encoding="utf-8"?>
+<p:notesMaster xmlns:a="http://schemas.openxmlformats.org/drawingml/2006/main" xmlns:r="http://schemas.openxmlformats.org/officeDocument/2006/relationships" xmlns:p="http://schemas.openxmlformats.org/presentationml/2006/main">
+  <p:cSld>
+    <p:bg>
+      <p:bgRef idx="1001">
+        <a:schemeClr val="bg1"/>
+      </p:bgRef>
+    </p:bg>
+    <p:spTree>
+      <p:nvGrpSpPr>
+        <p:cNvPr id="1" name=""/>
+        <p:cNvGrpSpPr/>
+        <p:nvPr/>
+      </p:nvGrpSpPr>
+      <p:grpSpPr>
+        <a:xfrm>
+          <a:off x="0" y="0"/>
+          <a:ext cx="0" cy="0"/>
+          <a:chOff x="0" y="0"/>
+          <a:chExt cx="0" cy="0"/>
+        </a:xfrm>
+      </p:grpSpPr>
+      <p:sp>
+        <p:nvSpPr>
+          <p:cNvPr id="2" name="Header Placeholder 1"/>
+          <p:cNvSpPr>
+            <a:spLocks noGrp="1"/>
+          </p:cNvSpPr>
+          <p:nvPr>
+            <p:ph type="hdr" sz="quarter"/>
+          </p:nvPr>
+        </p:nvSpPr>
+        <p:spPr>
+          <a:xfrm>
+            <a:off x="0" y="0"/>
+            <a:ext cx="2971800" cy="458788"/>
+          </a:xfrm>
+          <a:prstGeom prst="rect">
+            <a:avLst/>
+          </a:prstGeom>
+        </p:spPr>
+        <p:txBody>
+          <a:bodyPr vert="horz" lIns="91440" tIns="45720" rIns="91440" bIns="45720" rtlCol="0"/>
+          <a:lstStyle>
+            <a:lvl1pPr algn="l">
+              <a:defRPr sz="1200"/>
+            </a:lvl1pPr>
+          </a:lstStyle>
+          <a:p>
+            <a:endParaRPr lang="en-US"/>
+          </a:p>
+        </p:txBody>
+      </p:sp>
+      <p:sp>
+        <p:nvSpPr>
+          <p:cNvPr id="3" name="Date Placeholder 2"/>
+          <p:cNvSpPr>
+            <a:spLocks noGrp="1"/>
+          </p:cNvSpPr>
+          <p:nvPr>
+            <p:ph type="dt" idx="1"/>
+          </p:nvPr>
+        </p:nvSpPr>
+        <p:spPr>
+          <a:xfrm>
+            <a:off x="3884613" y="0"/>
+            <a:ext cx="2971800" cy="458788"/>
+          </a:xfrm>
+          <a:prstGeom prst="rect">
+            <a:avLst/>
+          </a:prstGeom>
+        </p:spPr>
+        <p:txBody>
+          <a:bodyPr vert="horz" lIns="91440" tIns="45720" rIns="91440" bIns="45720" rtlCol="0"/>
+          <a:lstStyle>
+            <a:lvl1pPr algn="r">
+              <a:defRPr sz="1200"/>
+            </a:lvl1pPr>
+          </a:lstStyle>
+          <a:p>
+            <a:fld id="{75417FB1-867B-F94F-81E9-52D04205D79B}" type="datetimeFigureOut">
+              <a:rPr lang="en-US" smtClean="0"/>
+              <a:t>2/14/20</a:t>
+            </a:fld>
+            <a:endParaRPr lang="en-US"/>
+          </a:p>
+        </p:txBody>
+      </p:sp>
+      <p:sp>
+        <p:nvSpPr>
+          <p:cNvPr id="4" name="Slide Image Placeholder 3"/>
+          <p:cNvSpPr>
+            <a:spLocks noGrp="1" noRot="1" noChangeAspect="1"/>
+          </p:cNvSpPr>
+          <p:nvPr>
+            <p:ph type="sldImg" idx="2"/>
+          </p:nvPr>
+        </p:nvSpPr>
+        <p:spPr>
+          <a:xfrm>
+            <a:off x="685800" y="1143000"/>
+            <a:ext cx="5486400" cy="3086100"/>
+          </a:xfrm>
+          <a:prstGeom prst="rect">
+            <a:avLst/>
+          </a:prstGeom>
+          <a:noFill/>
+          <a:ln w="12700">
+            <a:solidFill>
+              <a:prstClr val="black"/>
+            </a:solidFill>
+          </a:ln>
+        </p:spPr>
+        <p:txBody>
+          <a:bodyPr vert="horz" lIns="91440" tIns="45720" rIns="91440" bIns="45720" rtlCol="0" anchor="ctr"/>
+          <a:lstStyle/>
+          <a:p>
+            <a:endParaRPr lang="en-US"/>
+          </a:p>
+        </p:txBody>
+      </p:sp>
+      <p:sp>
+        <p:nvSpPr>
+          <p:cNvPr id="5" name="Notes Placeholder 4"/>
+          <p:cNvSpPr>
+            <a:spLocks noGrp="1"/>
+          </p:cNvSpPr>
+          <p:nvPr>
+            <p:ph type="body" sz="quarter" idx="3"/>
+          </p:nvPr>
+        </p:nvSpPr>
+        <p:spPr>
+          <a:xfrm>
+            <a:off x="685800" y="4400550"/>
+            <a:ext cx="5486400" cy="3600450"/>
+          </a:xfrm>
+          <a:prstGeom prst="rect">
+            <a:avLst/>
+          </a:prstGeom>
+        </p:spPr>
+        <p:txBody>
+          <a:bodyPr vert="horz" lIns="91440" tIns="45720" rIns="91440" bIns="45720" rtlCol="0"/>
+          <a:lstStyle/>
+          <a:p>
+            <a:pPr lvl="0"/>
+            <a:r>
+              <a:rPr lang="en-GB"/>
+              <a:t>Click to edit Master text styles</a:t>
+            </a:r>
+          </a:p>
+          <a:p>
+            <a:pPr lvl="1"/>
+            <a:r>
+              <a:rPr lang="en-GB"/>
+              <a:t>Second level</a:t>
+            </a:r>
+          </a:p>
+          <a:p>
+            <a:pPr lvl="2"/>
+            <a:r>
+              <a:rPr lang="en-GB"/>
+              <a:t>Third level</a:t>
+            </a:r>
+          </a:p>
+          <a:p>
+            <a:pPr lvl="3"/>
+            <a:r>
+              <a:rPr lang="en-GB"/>
+              <a:t>Fourth level</a:t>
+            </a:r>
+          </a:p>
+          <a:p>
+            <a:pPr lvl="4"/>
+            <a:r>
+              <a:rPr lang="en-GB"/>
+              <a:t>Fifth level</a:t>
+            </a:r>
+            <a:endParaRPr lang="en-US"/>
+          </a:p>
+        </p:txBody>
+      </p:sp>
+      <p:sp>
+        <p:nvSpPr>
+          <p:cNvPr id="6" name="Footer Placeholder 5"/>
+          <p:cNvSpPr>
+            <a:spLocks noGrp="1"/>
+          </p:cNvSpPr>
+          <p:nvPr>
+            <p:ph type="ftr" sz="quarter" idx="4"/>
+          </p:nvPr>
+        </p:nvSpPr>
+        <p:spPr>
+          <a:xfrm>
+            <a:off x="0" y="8685213"/>
+            <a:ext cx="2971800" cy="458787"/>
+          </a:xfrm>
+          <a:prstGeom prst="rect">
+            <a:avLst/>
+          </a:prstGeom>
+        </p:spPr>
+        <p:txBody>
+          <a:bodyPr vert="horz" lIns="91440" tIns="45720" rIns="91440" bIns="45720" rtlCol="0" anchor="b"/>
+          <a:lstStyle>
+            <a:lvl1pPr algn="l">
+              <a:defRPr sz="1200"/>
+            </a:lvl1pPr>
+          </a:lstStyle>
+          <a:p>
+            <a:endParaRPr lang="en-US"/>
+          </a:p>
+        </p:txBody>
+      </p:sp>
+      <p:sp>
+        <p:nvSpPr>
+          <p:cNvPr id="7" name="Slide Number Placeholder 6"/>
+          <p:cNvSpPr>
+            <a:spLocks noGrp="1"/>
+          </p:cNvSpPr>
+          <p:nvPr>
+            <p:ph type="sldNum" sz="quarter" idx="5"/>
+          </p:nvPr>
+        </p:nvSpPr>
+        <p:spPr>
+          <a:xfrm>
+            <a:off x="3884613" y="8685213"/>
+            <a:ext cx="2971800" cy="458787"/>
+          </a:xfrm>
+          <a:prstGeom prst="rect">
+            <a:avLst/>
+          </a:prstGeom>
+        </p:spPr>
+        <p:txBody>
+          <a:bodyPr vert="horz" lIns="91440" tIns="45720" rIns="91440" bIns="45720" rtlCol="0" anchor="b"/>
+          <a:lstStyle>
+            <a:lvl1pPr algn="r">
+              <a:defRPr sz="1200"/>
+            </a:lvl1pPr>
+          </a:lstStyle>
+          <a:p>
+            <a:fld id="{71DF943E-318E-0E42-85DF-3BB776C8601F}" type="slidenum">
+              <a:rPr lang="en-US" smtClean="0"/>
+              <a:t>‹#›</a:t>
+            </a:fld>
+            <a:endParaRPr lang="en-US"/>
+          </a:p>
+        </p:txBody>
+      </p:sp>
+    </p:spTree>
+    <p:extLst>
+      <p:ext uri="{BB962C8B-B14F-4D97-AF65-F5344CB8AC3E}">
+        <p14:creationId xmlns:p14="http://schemas.microsoft.com/office/powerpoint/2010/main" val="3503581333"/>
+      </p:ext>
+    </p:extLst>
+  </p:cSld>
+  <p:clrMap bg1="lt1" tx1="dk1" bg2="lt2" tx2="dk2" accent1="accent1" accent2="accent2" accent3="accent3" accent4="accent4" accent5="accent5" accent6="accent6" hlink="hlink" folHlink="folHlink"/>
+  <p:notesStyle>
+    <a:lvl1pPr marL="0" algn="l" defTabSz="914400" rtl="0" eaLnBrk="1" latinLnBrk="0" hangingPunct="1">
+      <a:defRPr sz="1200" kern="1200">
+        <a:solidFill>
+          <a:schemeClr val="tx1"/>
+        </a:solidFill>
+        <a:latin typeface="+mn-lt"/>
+        <a:ea typeface="+mn-ea"/>
+        <a:cs typeface="+mn-cs"/>
+      </a:defRPr>
+    </a:lvl1pPr>
+    <a:lvl2pPr marL="457200" algn="l" defTabSz="914400" rtl="0" eaLnBrk="1" latinLnBrk="0" hangingPunct="1">
+      <a:defRPr sz="1200" kern="1200">
+        <a:solidFill>
+          <a:schemeClr val="tx1"/>
+        </a:solidFill>
+        <a:latin typeface="+mn-lt"/>
+        <a:ea typeface="+mn-ea"/>
+        <a:cs typeface="+mn-cs"/>
+      </a:defRPr>
+    </a:lvl2pPr>
+    <a:lvl3pPr marL="914400" algn="l" defTabSz="914400" rtl="0" eaLnBrk="1" latinLnBrk="0" hangingPunct="1">
+      <a:defRPr sz="1200" kern="1200">
+        <a:solidFill>
+          <a:schemeClr val="tx1"/>
+        </a:solidFill>
+        <a:latin typeface="+mn-lt"/>
+        <a:ea typeface="+mn-ea"/>
+        <a:cs typeface="+mn-cs"/>
+      </a:defRPr>
+    </a:lvl3pPr>
+    <a:lvl4pPr marL="1371600" algn="l" defTabSz="914400" rtl="0" eaLnBrk="1" latinLnBrk="0" hangingPunct="1">
+      <a:defRPr sz="1200" kern="1200">
+        <a:solidFill>
+          <a:schemeClr val="tx1"/>
+        </a:solidFill>
+        <a:latin typeface="+mn-lt"/>
+        <a:ea typeface="+mn-ea"/>
+        <a:cs typeface="+mn-cs"/>
+      </a:defRPr>
+    </a:lvl4pPr>
+    <a:lvl5pPr marL="1828800" algn="l" defTabSz="914400" rtl="0" eaLnBrk="1" latinLnBrk="0" hangingPunct="1">
+      <a:defRPr sz="1200" kern="1200">
+        <a:solidFill>
+          <a:schemeClr val="tx1"/>
+        </a:solidFill>
+        <a:latin typeface="+mn-lt"/>
+        <a:ea typeface="+mn-ea"/>
+        <a:cs typeface="+mn-cs"/>
+      </a:defRPr>
+    </a:lvl5pPr>
+    <a:lvl6pPr marL="2286000" algn="l" defTabSz="914400" rtl="0" eaLnBrk="1" latinLnBrk="0" hangingPunct="1">
+      <a:defRPr sz="1200" kern="1200">
+        <a:solidFill>
+          <a:schemeClr val="tx1"/>
+        </a:solidFill>
+        <a:latin typeface="+mn-lt"/>
+        <a:ea typeface="+mn-ea"/>
+        <a:cs typeface="+mn-cs"/>
+      </a:defRPr>
+    </a:lvl6pPr>
+    <a:lvl7pPr marL="2743200" algn="l" defTabSz="914400" rtl="0" eaLnBrk="1" latinLnBrk="0" hangingPunct="1">
+      <a:defRPr sz="1200" kern="1200">
+        <a:solidFill>
+          <a:schemeClr val="tx1"/>
+        </a:solidFill>
+        <a:latin typeface="+mn-lt"/>
+        <a:ea typeface="+mn-ea"/>
+        <a:cs typeface="+mn-cs"/>
+      </a:defRPr>
+    </a:lvl7pPr>
+    <a:lvl8pPr marL="3200400" algn="l" defTabSz="914400" rtl="0" eaLnBrk="1" latinLnBrk="0" hangingPunct="1">
+      <a:defRPr sz="1200" kern="1200">
+        <a:solidFill>
+          <a:schemeClr val="tx1"/>
+        </a:solidFill>
+        <a:latin typeface="+mn-lt"/>
+        <a:ea typeface="+mn-ea"/>
+        <a:cs typeface="+mn-cs"/>
+      </a:defRPr>
+    </a:lvl8pPr>
+    <a:lvl9pPr marL="3657600" algn="l" defTabSz="914400" rtl="0" eaLnBrk="1" latinLnBrk="0" hangingPunct="1">
+      <a:defRPr sz="1200" kern="1200">
+        <a:solidFill>
+          <a:schemeClr val="tx1"/>
+        </a:solidFill>
+        <a:latin typeface="+mn-lt"/>
+        <a:ea typeface="+mn-ea"/>
+        <a:cs typeface="+mn-cs"/>
+      </a:defRPr>
+    </a:lvl9pPr>
+  </p:notesStyle>
+</p:notesMaster>
+</file>
+
+<file path=ppt/notesSlides/notesSlide1.xml><?xml version="1.0" encoding="utf-8"?>
+<p:notes xmlns:a="http://schemas.openxmlformats.org/drawingml/2006/main" xmlns:r="http://schemas.openxmlformats.org/officeDocument/2006/relationships" xmlns:p="http://schemas.openxmlformats.org/presentationml/2006/main">
+  <p:cSld>
+    <p:spTree>
+      <p:nvGrpSpPr>
+        <p:cNvPr id="1" name=""/>
+        <p:cNvGrpSpPr/>
+        <p:nvPr/>
+      </p:nvGrpSpPr>
+      <p:grpSpPr>
+        <a:xfrm>
+          <a:off x="0" y="0"/>
+          <a:ext cx="0" cy="0"/>
+          <a:chOff x="0" y="0"/>
+          <a:chExt cx="0" cy="0"/>
+        </a:xfrm>
+      </p:grpSpPr>
+      <p:sp>
+        <p:nvSpPr>
+          <p:cNvPr id="2" name="Slide Image Placeholder 1"/>
+          <p:cNvSpPr>
+            <a:spLocks noGrp="1" noRot="1" noChangeAspect="1"/>
+          </p:cNvSpPr>
+          <p:nvPr>
+            <p:ph type="sldImg"/>
+          </p:nvPr>
+        </p:nvSpPr>
+        <p:spPr/>
+      </p:sp>
+      <p:sp>
+        <p:nvSpPr>
+          <p:cNvPr id="3" name="Notes Placeholder 2"/>
+          <p:cNvSpPr>
+            <a:spLocks noGrp="1"/>
+          </p:cNvSpPr>
+          <p:nvPr>
+            <p:ph type="body" idx="1"/>
+          </p:nvPr>
+        </p:nvSpPr>
+        <p:spPr/>
+        <p:txBody>
+          <a:bodyPr/>
+          <a:lstStyle/>
+          <a:p>
+            <a:endParaRPr lang="en-US" dirty="0"/>
+          </a:p>
+        </p:txBody>
+      </p:sp>
+      <p:sp>
+        <p:nvSpPr>
+          <p:cNvPr id="4" name="Slide Number Placeholder 3"/>
+          <p:cNvSpPr>
+            <a:spLocks noGrp="1"/>
+          </p:cNvSpPr>
+          <p:nvPr>
+            <p:ph type="sldNum" sz="quarter" idx="5"/>
+          </p:nvPr>
+        </p:nvSpPr>
+        <p:spPr/>
+        <p:txBody>
+          <a:bodyPr/>
+          <a:lstStyle/>
+          <a:p>
+            <a:fld id="{71DF943E-318E-0E42-85DF-3BB776C8601F}" type="slidenum">
+              <a:rPr lang="en-US" smtClean="0"/>
+              <a:t>3</a:t>
+            </a:fld>
+            <a:endParaRPr lang="en-US"/>
+          </a:p>
+        </p:txBody>
+      </p:sp>
+    </p:spTree>
+    <p:extLst>
+      <p:ext uri="{BB962C8B-B14F-4D97-AF65-F5344CB8AC3E}">
+        <p14:creationId xmlns:p14="http://schemas.microsoft.com/office/powerpoint/2010/main" val="1141856805"/>
+      </p:ext>
+    </p:extLst>
+  </p:cSld>
+  <p:clrMapOvr>
+    <a:masterClrMapping/>
+  </p:clrMapOvr>
+</p:notes>
+</file>
+
 <file path=ppt/slideLayouts/slideLayout1.xml><?xml version="1.0" encoding="utf-8"?>
 <p:sldLayout xmlns:a="http://schemas.openxmlformats.org/drawingml/2006/main" xmlns:r="http://schemas.openxmlformats.org/officeDocument/2006/relationships" xmlns:p="http://schemas.openxmlformats.org/presentationml/2006/main" type="title" preserve="1">
   <p:cSld name="Title Slide">
@@ -309,7 +750,7 @@
           <a:p>
             <a:fld id="{406896FD-7F84-DD41-B7F4-EF404D9B1DD8}" type="datetimeFigureOut">
               <a:rPr lang="en-US" smtClean="0"/>
-              <a:t>2/12/20</a:t>
+              <a:t>2/14/20</a:t>
             </a:fld>
             <a:endParaRPr lang="en-US"/>
           </a:p>
@@ -509,7 +950,7 @@
           <a:p>
             <a:fld id="{406896FD-7F84-DD41-B7F4-EF404D9B1DD8}" type="datetimeFigureOut">
               <a:rPr lang="en-US" smtClean="0"/>
-              <a:t>2/12/20</a:t>
+              <a:t>2/14/20</a:t>
             </a:fld>
             <a:endParaRPr lang="en-US"/>
           </a:p>
@@ -719,7 +1160,7 @@
           <a:p>
             <a:fld id="{406896FD-7F84-DD41-B7F4-EF404D9B1DD8}" type="datetimeFigureOut">
               <a:rPr lang="en-US" smtClean="0"/>
-              <a:t>2/12/20</a:t>
+              <a:t>2/14/20</a:t>
             </a:fld>
             <a:endParaRPr lang="en-US"/>
           </a:p>
@@ -919,7 +1360,7 @@
           <a:p>
             <a:fld id="{406896FD-7F84-DD41-B7F4-EF404D9B1DD8}" type="datetimeFigureOut">
               <a:rPr lang="en-US" smtClean="0"/>
-              <a:t>2/12/20</a:t>
+              <a:t>2/14/20</a:t>
             </a:fld>
             <a:endParaRPr lang="en-US"/>
           </a:p>
@@ -1195,7 +1636,7 @@
           <a:p>
             <a:fld id="{406896FD-7F84-DD41-B7F4-EF404D9B1DD8}" type="datetimeFigureOut">
               <a:rPr lang="en-US" smtClean="0"/>
-              <a:t>2/12/20</a:t>
+              <a:t>2/14/20</a:t>
             </a:fld>
             <a:endParaRPr lang="en-US"/>
           </a:p>
@@ -1463,7 +1904,7 @@
           <a:p>
             <a:fld id="{406896FD-7F84-DD41-B7F4-EF404D9B1DD8}" type="datetimeFigureOut">
               <a:rPr lang="en-US" smtClean="0"/>
-              <a:t>2/12/20</a:t>
+              <a:t>2/14/20</a:t>
             </a:fld>
             <a:endParaRPr lang="en-US"/>
           </a:p>
@@ -1878,7 +2319,7 @@
           <a:p>
             <a:fld id="{406896FD-7F84-DD41-B7F4-EF404D9B1DD8}" type="datetimeFigureOut">
               <a:rPr lang="en-US" smtClean="0"/>
-              <a:t>2/12/20</a:t>
+              <a:t>2/14/20</a:t>
             </a:fld>
             <a:endParaRPr lang="en-US"/>
           </a:p>
@@ -2020,7 +2461,7 @@
           <a:p>
             <a:fld id="{406896FD-7F84-DD41-B7F4-EF404D9B1DD8}" type="datetimeFigureOut">
               <a:rPr lang="en-US" smtClean="0"/>
-              <a:t>2/12/20</a:t>
+              <a:t>2/14/20</a:t>
             </a:fld>
             <a:endParaRPr lang="en-US"/>
           </a:p>
@@ -2133,7 +2574,7 @@
           <a:p>
             <a:fld id="{406896FD-7F84-DD41-B7F4-EF404D9B1DD8}" type="datetimeFigureOut">
               <a:rPr lang="en-US" smtClean="0"/>
-              <a:t>2/12/20</a:t>
+              <a:t>2/14/20</a:t>
             </a:fld>
             <a:endParaRPr lang="en-US"/>
           </a:p>
@@ -2446,7 +2887,7 @@
           <a:p>
             <a:fld id="{406896FD-7F84-DD41-B7F4-EF404D9B1DD8}" type="datetimeFigureOut">
               <a:rPr lang="en-US" smtClean="0"/>
-              <a:t>2/12/20</a:t>
+              <a:t>2/14/20</a:t>
             </a:fld>
             <a:endParaRPr lang="en-US"/>
           </a:p>
@@ -2735,7 +3176,7 @@
           <a:p>
             <a:fld id="{406896FD-7F84-DD41-B7F4-EF404D9B1DD8}" type="datetimeFigureOut">
               <a:rPr lang="en-US" smtClean="0"/>
-              <a:t>2/12/20</a:t>
+              <a:t>2/14/20</a:t>
             </a:fld>
             <a:endParaRPr lang="en-US"/>
           </a:p>
@@ -2978,7 +3419,7 @@
           <a:p>
             <a:fld id="{406896FD-7F84-DD41-B7F4-EF404D9B1DD8}" type="datetimeFigureOut">
               <a:rPr lang="en-US" smtClean="0"/>
-              <a:t>2/12/20</a:t>
+              <a:t>2/14/20</a:t>
             </a:fld>
             <a:endParaRPr lang="en-US"/>
           </a:p>
@@ -3508,7 +3949,7 @@
           <a:p>
             <a:r>
               <a:rPr lang="en-US" dirty="0"/>
-              <a:t>What steps are we taking as Australians? – Script - Alex</a:t>
+              <a:t>What is the problem – Script - Brandon</a:t>
             </a:r>
           </a:p>
         </p:txBody>
@@ -3537,16 +3978,29 @@
           <a:lstStyle/>
           <a:p>
             <a:r>
+              <a:rPr lang="en-US" dirty="0"/>
+              <a:t>Talk about the problems being faced today, </a:t>
+            </a:r>
+            <a:r>
+              <a:rPr lang="en-US" dirty="0" err="1"/>
+              <a:t>eg</a:t>
+            </a:r>
+            <a:r>
+              <a:rPr lang="en-US" dirty="0"/>
+              <a:t> </a:t>
+            </a:r>
+            <a:r>
               <a:rPr lang="en-AU" dirty="0"/>
-              <a:t>Thanks for that, very informative.  So there is plenty of things there, but it seems like it’s a bit of a free for all.  What are we doing about it?   XXXX from the </a:t>
-            </a:r>
-            <a:r>
-              <a:rPr lang="en-AU" dirty="0" err="1"/>
-              <a:t>Prosight</a:t>
-            </a:r>
+              <a:t>A 2018 report titled Programme for International Student Assessment (PISA) details the long-term decline in Australian students in Science, Reading and Mathematics subjects in comparison to Chinese students. Specifically, the report details that Australian students are on average 3.5 years behind Chinese students in mathematics.</a:t>
+            </a:r>
+          </a:p>
+          <a:p>
+            <a:endParaRPr lang="en-AU" dirty="0"/>
+          </a:p>
+          <a:p>
             <a:r>
               <a:rPr lang="en-AU" dirty="0"/>
-              <a:t> team, can you give us a bit of a rundown about how we’re going to address this problem?</a:t>
+              <a:t>Online learning is harder, people don’t know how to learn best etc.  With classrooms, students learn in different ways etc. </a:t>
             </a:r>
           </a:p>
           <a:p>
@@ -3557,7 +4011,7 @@
     </p:spTree>
     <p:extLst>
       <p:ext uri="{BB962C8B-B14F-4D97-AF65-F5344CB8AC3E}">
-        <p14:creationId xmlns:p14="http://schemas.microsoft.com/office/powerpoint/2010/main" val="581632041"/>
+        <p14:creationId xmlns:p14="http://schemas.microsoft.com/office/powerpoint/2010/main" val="1825538211"/>
       </p:ext>
     </p:extLst>
   </p:cSld>
@@ -3589,6 +4043,123 @@
           <p:cNvPr id="2" name="Title 1">
             <a:extLst>
               <a:ext uri="{FF2B5EF4-FFF2-40B4-BE49-F238E27FC236}">
+                <a16:creationId xmlns:a16="http://schemas.microsoft.com/office/drawing/2014/main" id="{B9395550-3173-2F44-A17F-ECB8F46226BF}"/>
+              </a:ext>
+            </a:extLst>
+          </p:cNvPr>
+          <p:cNvSpPr>
+            <a:spLocks noGrp="1"/>
+          </p:cNvSpPr>
+          <p:nvPr>
+            <p:ph type="title"/>
+          </p:nvPr>
+        </p:nvSpPr>
+        <p:spPr/>
+        <p:txBody>
+          <a:bodyPr/>
+          <a:lstStyle/>
+          <a:p>
+            <a:r>
+              <a:rPr lang="en-US" dirty="0"/>
+              <a:t>What is the problem – Script - Alex</a:t>
+            </a:r>
+          </a:p>
+        </p:txBody>
+      </p:sp>
+      <p:sp>
+        <p:nvSpPr>
+          <p:cNvPr id="3" name="Content Placeholder 2">
+            <a:extLst>
+              <a:ext uri="{FF2B5EF4-FFF2-40B4-BE49-F238E27FC236}">
+                <a16:creationId xmlns:a16="http://schemas.microsoft.com/office/drawing/2014/main" id="{3EBFF5F1-1C5E-504D-BF65-3ECE78597D6D}"/>
+              </a:ext>
+            </a:extLst>
+          </p:cNvPr>
+          <p:cNvSpPr>
+            <a:spLocks noGrp="1"/>
+          </p:cNvSpPr>
+          <p:nvPr>
+            <p:ph idx="1"/>
+          </p:nvPr>
+        </p:nvSpPr>
+        <p:spPr/>
+        <p:txBody>
+          <a:bodyPr>
+            <a:normAutofit/>
+          </a:bodyPr>
+          <a:lstStyle/>
+          <a:p>
+            <a:r>
+              <a:rPr lang="en-AU" dirty="0"/>
+              <a:t>Thanks Brandon, that’s a really good overview of some of the issues that students are seeing.  I can see that there is a real gap that we’re missing here in Australia.</a:t>
+            </a:r>
+          </a:p>
+          <a:p>
+            <a:endParaRPr lang="en-AU" dirty="0"/>
+          </a:p>
+          <a:p>
+            <a:r>
+              <a:rPr lang="en-AU" dirty="0"/>
+              <a:t>This can’t be a new problem though, online learning has been around for a number of years now.  What have people been doing up to now?</a:t>
+            </a:r>
+          </a:p>
+          <a:p>
+            <a:endParaRPr lang="en-AU" dirty="0"/>
+          </a:p>
+          <a:p>
+            <a:r>
+              <a:rPr lang="en-AU" dirty="0"/>
+              <a:t>We have one of the lead researchers XXXX from </a:t>
+            </a:r>
+            <a:r>
+              <a:rPr lang="en-AU" dirty="0" err="1"/>
+              <a:t>Prosight</a:t>
+            </a:r>
+            <a:r>
+              <a:rPr lang="en-AU" dirty="0"/>
+              <a:t> here with us today.  XXXX, what are we doing right now to address these issues?</a:t>
+            </a:r>
+          </a:p>
+          <a:p>
+            <a:endParaRPr lang="en-US" dirty="0"/>
+          </a:p>
+        </p:txBody>
+      </p:sp>
+    </p:spTree>
+    <p:extLst>
+      <p:ext uri="{BB962C8B-B14F-4D97-AF65-F5344CB8AC3E}">
+        <p14:creationId xmlns:p14="http://schemas.microsoft.com/office/powerpoint/2010/main" val="1595671160"/>
+      </p:ext>
+    </p:extLst>
+  </p:cSld>
+  <p:clrMapOvr>
+    <a:masterClrMapping/>
+  </p:clrMapOvr>
+</p:sld>
+</file>
+
+<file path=ppt/slides/slide12.xml><?xml version="1.0" encoding="utf-8"?>
+<p:sld xmlns:a="http://schemas.openxmlformats.org/drawingml/2006/main" xmlns:r="http://schemas.openxmlformats.org/officeDocument/2006/relationships" xmlns:p="http://schemas.openxmlformats.org/presentationml/2006/main">
+  <p:cSld>
+    <p:spTree>
+      <p:nvGrpSpPr>
+        <p:cNvPr id="1" name=""/>
+        <p:cNvGrpSpPr/>
+        <p:nvPr/>
+      </p:nvGrpSpPr>
+      <p:grpSpPr>
+        <a:xfrm>
+          <a:off x="0" y="0"/>
+          <a:ext cx="0" cy="0"/>
+          <a:chOff x="0" y="0"/>
+          <a:chExt cx="0" cy="0"/>
+        </a:xfrm>
+      </p:grpSpPr>
+      <p:sp>
+        <p:nvSpPr>
+          <p:cNvPr id="2" name="Title 1">
+            <a:extLst>
+              <a:ext uri="{FF2B5EF4-FFF2-40B4-BE49-F238E27FC236}">
                 <a16:creationId xmlns:a16="http://schemas.microsoft.com/office/drawing/2014/main" id="{0AFF2694-842C-7D49-8743-E67E62B7CE29}"/>
               </a:ext>
             </a:extLst>
@@ -3607,7 +4178,7 @@
           <a:p>
             <a:r>
               <a:rPr lang="en-US" dirty="0"/>
-              <a:t>So what is being done? - 90 seconds</a:t>
+              <a:t>What steps are we taking as Australians? – 60 seconds</a:t>
             </a:r>
           </a:p>
         </p:txBody>
@@ -3843,134 +4414,16 @@
           </a:p>
           <a:p>
             <a:r>
-              <a:rPr lang="en-AU" dirty="0"/>
-              <a:t>Pitch </a:t>
-            </a:r>
-            <a:r>
-              <a:rPr lang="en-AU" dirty="0" err="1"/>
-              <a:t>Prosight’s</a:t>
-            </a:r>
-            <a:r>
-              <a:rPr lang="en-AU" dirty="0"/>
-              <a:t> study tool as the answer, why it fills the gap available and how amazing it is</a:t>
-            </a:r>
-          </a:p>
-          <a:p>
-            <a:endParaRPr lang="en-AU" dirty="0"/>
-          </a:p>
-          <a:p>
-            <a:r>
-              <a:rPr lang="en-AU" dirty="0"/>
-              <a:t>How does it work, explain how students can use it.</a:t>
-            </a:r>
-            <a:endParaRPr lang="en-US" dirty="0"/>
+              <a:rPr lang="en-US" dirty="0"/>
+              <a:t>Illustrate the points that there are solutions out there, however none of them are really understanding the needs of the student and are bespoke</a:t>
+            </a:r>
           </a:p>
         </p:txBody>
       </p:sp>
     </p:spTree>
     <p:extLst>
       <p:ext uri="{BB962C8B-B14F-4D97-AF65-F5344CB8AC3E}">
-        <p14:creationId xmlns:p14="http://schemas.microsoft.com/office/powerpoint/2010/main" val="3604171044"/>
-      </p:ext>
-    </p:extLst>
-  </p:cSld>
-  <p:clrMapOvr>
-    <a:masterClrMapping/>
-  </p:clrMapOvr>
-</p:sld>
-</file>
-
-<file path=ppt/slides/slide12.xml><?xml version="1.0" encoding="utf-8"?>
-<p:sld xmlns:a="http://schemas.openxmlformats.org/drawingml/2006/main" xmlns:r="http://schemas.openxmlformats.org/officeDocument/2006/relationships" xmlns:p="http://schemas.openxmlformats.org/presentationml/2006/main">
-  <p:cSld>
-    <p:spTree>
-      <p:nvGrpSpPr>
-        <p:cNvPr id="1" name=""/>
-        <p:cNvGrpSpPr/>
-        <p:nvPr/>
-      </p:nvGrpSpPr>
-      <p:grpSpPr>
-        <a:xfrm>
-          <a:off x="0" y="0"/>
-          <a:ext cx="0" cy="0"/>
-          <a:chOff x="0" y="0"/>
-          <a:chExt cx="0" cy="0"/>
-        </a:xfrm>
-      </p:grpSpPr>
-      <p:sp>
-        <p:nvSpPr>
-          <p:cNvPr id="2" name="Title 1">
-            <a:extLst>
-              <a:ext uri="{FF2B5EF4-FFF2-40B4-BE49-F238E27FC236}">
-                <a16:creationId xmlns:a16="http://schemas.microsoft.com/office/drawing/2014/main" id="{B9395550-3173-2F44-A17F-ECB8F46226BF}"/>
-              </a:ext>
-            </a:extLst>
-          </p:cNvPr>
-          <p:cNvSpPr>
-            <a:spLocks noGrp="1"/>
-          </p:cNvSpPr>
-          <p:nvPr>
-            <p:ph type="title"/>
-          </p:nvPr>
-        </p:nvSpPr>
-        <p:spPr/>
-        <p:txBody>
-          <a:bodyPr/>
-          <a:lstStyle/>
-          <a:p>
-            <a:r>
-              <a:rPr lang="en-US" dirty="0"/>
-              <a:t>So what is being done? – Script - Shane</a:t>
-            </a:r>
-          </a:p>
-        </p:txBody>
-      </p:sp>
-      <p:sp>
-        <p:nvSpPr>
-          <p:cNvPr id="3" name="Content Placeholder 2">
-            <a:extLst>
-              <a:ext uri="{FF2B5EF4-FFF2-40B4-BE49-F238E27FC236}">
-                <a16:creationId xmlns:a16="http://schemas.microsoft.com/office/drawing/2014/main" id="{3EBFF5F1-1C5E-504D-BF65-3ECE78597D6D}"/>
-              </a:ext>
-            </a:extLst>
-          </p:cNvPr>
-          <p:cNvSpPr>
-            <a:spLocks noGrp="1"/>
-          </p:cNvSpPr>
-          <p:nvPr>
-            <p:ph idx="1"/>
-          </p:nvPr>
-        </p:nvSpPr>
-        <p:spPr/>
-        <p:txBody>
-          <a:bodyPr>
-            <a:normAutofit/>
-          </a:bodyPr>
-          <a:lstStyle/>
-          <a:p>
-            <a:r>
-              <a:rPr lang="en-AU" dirty="0"/>
-              <a:t>Right now, there isn’t much, this is why we have created our platform etc.  </a:t>
-            </a:r>
-          </a:p>
-          <a:p>
-            <a:endParaRPr lang="en-AU" dirty="0"/>
-          </a:p>
-          <a:p>
-            <a:r>
-              <a:rPr lang="en-AU" dirty="0"/>
-              <a:t>Describe how it works, what it does, why you’d use, how its very simple, free etc</a:t>
-            </a:r>
-          </a:p>
-          <a:p>
-            <a:endParaRPr lang="en-US" dirty="0"/>
-          </a:p>
-        </p:txBody>
-      </p:sp>
-    </p:spTree>
-    <p:extLst>
-      <p:ext uri="{BB962C8B-B14F-4D97-AF65-F5344CB8AC3E}">
-        <p14:creationId xmlns:p14="http://schemas.microsoft.com/office/powerpoint/2010/main" val="1159949598"/>
+        <p14:creationId xmlns:p14="http://schemas.microsoft.com/office/powerpoint/2010/main" val="2168259597"/>
       </p:ext>
     </p:extLst>
   </p:cSld>
@@ -4020,7 +4473,7 @@
           <a:p>
             <a:r>
               <a:rPr lang="en-US" dirty="0"/>
-              <a:t>So what is being done? – Script - Alex</a:t>
+              <a:t>What steps are we taking as Australians? – Script - Natalie</a:t>
             </a:r>
           </a:p>
         </p:txBody>
@@ -4050,16 +4503,7 @@
           <a:p>
             <a:r>
               <a:rPr lang="en-AU" dirty="0"/>
-              <a:t>That sounds great!  Its sounds like you’ve really got a good grasp on what the issues are and you’ve got an answer that can really help students here achieve their potential!</a:t>
-            </a:r>
-          </a:p>
-          <a:p>
-            <a:endParaRPr lang="en-AU" dirty="0"/>
-          </a:p>
-          <a:p>
-            <a:r>
-              <a:rPr lang="en-AU" dirty="0"/>
-              <a:t>You said this is a free service, that sounds great.  What motivated you as a team to go ahead and start to create this?  XXXX tell me a little about that?</a:t>
+              <a:t>Talk about existing platforms, learning quizzes, all classroom education is the same, not really helping people.   Plenty of things out there, but you have to go and look for it.</a:t>
             </a:r>
           </a:p>
           <a:p>
@@ -4070,7 +4514,7 @@
     </p:spTree>
     <p:extLst>
       <p:ext uri="{BB962C8B-B14F-4D97-AF65-F5344CB8AC3E}">
-        <p14:creationId xmlns:p14="http://schemas.microsoft.com/office/powerpoint/2010/main" val="1026001083"/>
+        <p14:creationId xmlns:p14="http://schemas.microsoft.com/office/powerpoint/2010/main" val="3546889449"/>
       </p:ext>
     </p:extLst>
   </p:cSld>
@@ -4102,6 +4546,105 @@
           <p:cNvPr id="2" name="Title 1">
             <a:extLst>
               <a:ext uri="{FF2B5EF4-FFF2-40B4-BE49-F238E27FC236}">
+                <a16:creationId xmlns:a16="http://schemas.microsoft.com/office/drawing/2014/main" id="{B9395550-3173-2F44-A17F-ECB8F46226BF}"/>
+              </a:ext>
+            </a:extLst>
+          </p:cNvPr>
+          <p:cNvSpPr>
+            <a:spLocks noGrp="1"/>
+          </p:cNvSpPr>
+          <p:nvPr>
+            <p:ph type="title"/>
+          </p:nvPr>
+        </p:nvSpPr>
+        <p:spPr/>
+        <p:txBody>
+          <a:bodyPr/>
+          <a:lstStyle/>
+          <a:p>
+            <a:r>
+              <a:rPr lang="en-US" dirty="0"/>
+              <a:t>What steps are we taking as Australians? – Script - Alex</a:t>
+            </a:r>
+          </a:p>
+        </p:txBody>
+      </p:sp>
+      <p:sp>
+        <p:nvSpPr>
+          <p:cNvPr id="3" name="Content Placeholder 2">
+            <a:extLst>
+              <a:ext uri="{FF2B5EF4-FFF2-40B4-BE49-F238E27FC236}">
+                <a16:creationId xmlns:a16="http://schemas.microsoft.com/office/drawing/2014/main" id="{3EBFF5F1-1C5E-504D-BF65-3ECE78597D6D}"/>
+              </a:ext>
+            </a:extLst>
+          </p:cNvPr>
+          <p:cNvSpPr>
+            <a:spLocks noGrp="1"/>
+          </p:cNvSpPr>
+          <p:nvPr>
+            <p:ph idx="1"/>
+          </p:nvPr>
+        </p:nvSpPr>
+        <p:spPr/>
+        <p:txBody>
+          <a:bodyPr>
+            <a:normAutofit/>
+          </a:bodyPr>
+          <a:lstStyle/>
+          <a:p>
+            <a:r>
+              <a:rPr lang="en-AU" dirty="0"/>
+              <a:t>Thanks for that, very informative.  So there is plenty of things there, but it seems like it’s a bit of a free for all.  What are we doing about it?   XXXX from the </a:t>
+            </a:r>
+            <a:r>
+              <a:rPr lang="en-AU" dirty="0" err="1"/>
+              <a:t>Prosight</a:t>
+            </a:r>
+            <a:r>
+              <a:rPr lang="en-AU" dirty="0"/>
+              <a:t> team, can you give us a bit of a rundown about how we’re going to address this problem?</a:t>
+            </a:r>
+          </a:p>
+          <a:p>
+            <a:endParaRPr lang="en-US" dirty="0"/>
+          </a:p>
+        </p:txBody>
+      </p:sp>
+    </p:spTree>
+    <p:extLst>
+      <p:ext uri="{BB962C8B-B14F-4D97-AF65-F5344CB8AC3E}">
+        <p14:creationId xmlns:p14="http://schemas.microsoft.com/office/powerpoint/2010/main" val="581632041"/>
+      </p:ext>
+    </p:extLst>
+  </p:cSld>
+  <p:clrMapOvr>
+    <a:masterClrMapping/>
+  </p:clrMapOvr>
+</p:sld>
+</file>
+
+<file path=ppt/slides/slide15.xml><?xml version="1.0" encoding="utf-8"?>
+<p:sld xmlns:a="http://schemas.openxmlformats.org/drawingml/2006/main" xmlns:r="http://schemas.openxmlformats.org/officeDocument/2006/relationships" xmlns:p="http://schemas.openxmlformats.org/presentationml/2006/main">
+  <p:cSld>
+    <p:spTree>
+      <p:nvGrpSpPr>
+        <p:cNvPr id="1" name=""/>
+        <p:cNvGrpSpPr/>
+        <p:nvPr/>
+      </p:nvGrpSpPr>
+      <p:grpSpPr>
+        <a:xfrm>
+          <a:off x="0" y="0"/>
+          <a:ext cx="0" cy="0"/>
+          <a:chOff x="0" y="0"/>
+          <a:chExt cx="0" cy="0"/>
+        </a:xfrm>
+      </p:grpSpPr>
+      <p:sp>
+        <p:nvSpPr>
+          <p:cNvPr id="2" name="Title 1">
+            <a:extLst>
+              <a:ext uri="{FF2B5EF4-FFF2-40B4-BE49-F238E27FC236}">
                 <a16:creationId xmlns:a16="http://schemas.microsoft.com/office/drawing/2014/main" id="{0AFF2694-842C-7D49-8743-E67E62B7CE29}"/>
               </a:ext>
             </a:extLst>
@@ -4120,7 +4663,7 @@
           <a:p>
             <a:r>
               <a:rPr lang="en-US" dirty="0"/>
-              <a:t>Why is the team doing this ?- 30 seconds</a:t>
+              <a:t>So what is being done? - 90 seconds</a:t>
             </a:r>
           </a:p>
         </p:txBody>
@@ -4357,7 +4900,15 @@
           <a:p>
             <a:r>
               <a:rPr lang="en-AU" dirty="0"/>
-              <a:t>Explain our motivations</a:t>
+              <a:t>Pitch </a:t>
+            </a:r>
+            <a:r>
+              <a:rPr lang="en-AU" dirty="0" err="1"/>
+              <a:t>Prosight’s</a:t>
+            </a:r>
+            <a:r>
+              <a:rPr lang="en-AU" dirty="0"/>
+              <a:t> study tool as the answer, why it fills the gap available and how amazing it is</a:t>
             </a:r>
           </a:p>
           <a:p>
@@ -4366,13 +4917,8 @@
           <a:p>
             <a:r>
               <a:rPr lang="en-AU" dirty="0"/>
-              <a:t>How it can change lives</a:t>
-            </a:r>
-          </a:p>
-          <a:p>
-            <a:endParaRPr lang="en-AU" dirty="0"/>
-          </a:p>
-          <a:p>
+              <a:t>How does it work, explain how students can use it.</a:t>
+            </a:r>
             <a:endParaRPr lang="en-US" dirty="0"/>
           </a:p>
         </p:txBody>
@@ -4380,104 +4926,7 @@
     </p:spTree>
     <p:extLst>
       <p:ext uri="{BB962C8B-B14F-4D97-AF65-F5344CB8AC3E}">
-        <p14:creationId xmlns:p14="http://schemas.microsoft.com/office/powerpoint/2010/main" val="1057856342"/>
-      </p:ext>
-    </p:extLst>
-  </p:cSld>
-  <p:clrMapOvr>
-    <a:masterClrMapping/>
-  </p:clrMapOvr>
-</p:sld>
-</file>
-
-<file path=ppt/slides/slide15.xml><?xml version="1.0" encoding="utf-8"?>
-<p:sld xmlns:a="http://schemas.openxmlformats.org/drawingml/2006/main" xmlns:r="http://schemas.openxmlformats.org/officeDocument/2006/relationships" xmlns:p="http://schemas.openxmlformats.org/presentationml/2006/main">
-  <p:cSld>
-    <p:spTree>
-      <p:nvGrpSpPr>
-        <p:cNvPr id="1" name=""/>
-        <p:cNvGrpSpPr/>
-        <p:nvPr/>
-      </p:nvGrpSpPr>
-      <p:grpSpPr>
-        <a:xfrm>
-          <a:off x="0" y="0"/>
-          <a:ext cx="0" cy="0"/>
-          <a:chOff x="0" y="0"/>
-          <a:chExt cx="0" cy="0"/>
-        </a:xfrm>
-      </p:grpSpPr>
-      <p:sp>
-        <p:nvSpPr>
-          <p:cNvPr id="2" name="Title 1">
-            <a:extLst>
-              <a:ext uri="{FF2B5EF4-FFF2-40B4-BE49-F238E27FC236}">
-                <a16:creationId xmlns:a16="http://schemas.microsoft.com/office/drawing/2014/main" id="{B9395550-3173-2F44-A17F-ECB8F46226BF}"/>
-              </a:ext>
-            </a:extLst>
-          </p:cNvPr>
-          <p:cNvSpPr>
-            <a:spLocks noGrp="1"/>
-          </p:cNvSpPr>
-          <p:nvPr>
-            <p:ph type="title"/>
-          </p:nvPr>
-        </p:nvSpPr>
-        <p:spPr/>
-        <p:txBody>
-          <a:bodyPr/>
-          <a:lstStyle/>
-          <a:p>
-            <a:r>
-              <a:rPr lang="en-US" dirty="0"/>
-              <a:t>Why is the team doing this? – Script - Emily</a:t>
-            </a:r>
-          </a:p>
-        </p:txBody>
-      </p:sp>
-      <p:sp>
-        <p:nvSpPr>
-          <p:cNvPr id="3" name="Content Placeholder 2">
-            <a:extLst>
-              <a:ext uri="{FF2B5EF4-FFF2-40B4-BE49-F238E27FC236}">
-                <a16:creationId xmlns:a16="http://schemas.microsoft.com/office/drawing/2014/main" id="{3EBFF5F1-1C5E-504D-BF65-3ECE78597D6D}"/>
-              </a:ext>
-            </a:extLst>
-          </p:cNvPr>
-          <p:cNvSpPr>
-            <a:spLocks noGrp="1"/>
-          </p:cNvSpPr>
-          <p:nvPr>
-            <p:ph idx="1"/>
-          </p:nvPr>
-        </p:nvSpPr>
-        <p:spPr/>
-        <p:txBody>
-          <a:bodyPr>
-            <a:normAutofit/>
-          </a:bodyPr>
-          <a:lstStyle/>
-          <a:p>
-            <a:r>
-              <a:rPr lang="en-AU" dirty="0"/>
-              <a:t>Talk about the motivations for doing this, why we chose this as a project.</a:t>
-            </a:r>
-          </a:p>
-          <a:p>
-            <a:endParaRPr lang="en-AU" dirty="0"/>
-          </a:p>
-          <a:p>
-            <a:endParaRPr lang="en-AU" dirty="0"/>
-          </a:p>
-          <a:p>
-            <a:endParaRPr lang="en-US" dirty="0"/>
-          </a:p>
-        </p:txBody>
-      </p:sp>
-    </p:spTree>
-    <p:extLst>
-      <p:ext uri="{BB962C8B-B14F-4D97-AF65-F5344CB8AC3E}">
-        <p14:creationId xmlns:p14="http://schemas.microsoft.com/office/powerpoint/2010/main" val="3504769044"/>
+        <p14:creationId xmlns:p14="http://schemas.microsoft.com/office/powerpoint/2010/main" val="3604171044"/>
       </p:ext>
     </p:extLst>
   </p:cSld>
@@ -4527,7 +4976,7 @@
           <a:p>
             <a:r>
               <a:rPr lang="en-US" dirty="0"/>
-              <a:t>So what is being done? – Script - Alex</a:t>
+              <a:t>So what is being done? – Script - Shane</a:t>
             </a:r>
           </a:p>
         </p:txBody>
@@ -4557,7 +5006,16 @@
           <a:p>
             <a:r>
               <a:rPr lang="en-AU" dirty="0"/>
-              <a:t>Brilliant, you’re doing great work, how can we find out more?</a:t>
+              <a:t>Right now, there isn’t much, this is why we have created our platform etc.  </a:t>
+            </a:r>
+          </a:p>
+          <a:p>
+            <a:endParaRPr lang="en-AU" dirty="0"/>
+          </a:p>
+          <a:p>
+            <a:r>
+              <a:rPr lang="en-AU" dirty="0"/>
+              <a:t>Describe how it works, what it does, why you’d use, how its very simple, free etc</a:t>
             </a:r>
           </a:p>
           <a:p>
@@ -4568,7 +5026,7 @@
     </p:spTree>
     <p:extLst>
       <p:ext uri="{BB962C8B-B14F-4D97-AF65-F5344CB8AC3E}">
-        <p14:creationId xmlns:p14="http://schemas.microsoft.com/office/powerpoint/2010/main" val="1665674616"/>
+        <p14:creationId xmlns:p14="http://schemas.microsoft.com/office/powerpoint/2010/main" val="1159949598"/>
       </p:ext>
     </p:extLst>
   </p:cSld>
@@ -4600,6 +5058,106 @@
           <p:cNvPr id="2" name="Title 1">
             <a:extLst>
               <a:ext uri="{FF2B5EF4-FFF2-40B4-BE49-F238E27FC236}">
+                <a16:creationId xmlns:a16="http://schemas.microsoft.com/office/drawing/2014/main" id="{B9395550-3173-2F44-A17F-ECB8F46226BF}"/>
+              </a:ext>
+            </a:extLst>
+          </p:cNvPr>
+          <p:cNvSpPr>
+            <a:spLocks noGrp="1"/>
+          </p:cNvSpPr>
+          <p:nvPr>
+            <p:ph type="title"/>
+          </p:nvPr>
+        </p:nvSpPr>
+        <p:spPr/>
+        <p:txBody>
+          <a:bodyPr/>
+          <a:lstStyle/>
+          <a:p>
+            <a:r>
+              <a:rPr lang="en-US" dirty="0"/>
+              <a:t>So what is being done? – Script - Alex</a:t>
+            </a:r>
+          </a:p>
+        </p:txBody>
+      </p:sp>
+      <p:sp>
+        <p:nvSpPr>
+          <p:cNvPr id="3" name="Content Placeholder 2">
+            <a:extLst>
+              <a:ext uri="{FF2B5EF4-FFF2-40B4-BE49-F238E27FC236}">
+                <a16:creationId xmlns:a16="http://schemas.microsoft.com/office/drawing/2014/main" id="{3EBFF5F1-1C5E-504D-BF65-3ECE78597D6D}"/>
+              </a:ext>
+            </a:extLst>
+          </p:cNvPr>
+          <p:cNvSpPr>
+            <a:spLocks noGrp="1"/>
+          </p:cNvSpPr>
+          <p:nvPr>
+            <p:ph idx="1"/>
+          </p:nvPr>
+        </p:nvSpPr>
+        <p:spPr/>
+        <p:txBody>
+          <a:bodyPr>
+            <a:normAutofit/>
+          </a:bodyPr>
+          <a:lstStyle/>
+          <a:p>
+            <a:r>
+              <a:rPr lang="en-AU" dirty="0"/>
+              <a:t>That sounds great!  Its sounds like you’ve really got a good grasp on what the issues are and you’ve got an answer that can really help students here achieve their potential!</a:t>
+            </a:r>
+          </a:p>
+          <a:p>
+            <a:endParaRPr lang="en-AU" dirty="0"/>
+          </a:p>
+          <a:p>
+            <a:r>
+              <a:rPr lang="en-AU" dirty="0"/>
+              <a:t>You said this is a free service, that sounds great.  What motivated you as a team to go ahead and start to create this?  XXXX tell me a little about that?</a:t>
+            </a:r>
+          </a:p>
+          <a:p>
+            <a:endParaRPr lang="en-US" dirty="0"/>
+          </a:p>
+        </p:txBody>
+      </p:sp>
+    </p:spTree>
+    <p:extLst>
+      <p:ext uri="{BB962C8B-B14F-4D97-AF65-F5344CB8AC3E}">
+        <p14:creationId xmlns:p14="http://schemas.microsoft.com/office/powerpoint/2010/main" val="1026001083"/>
+      </p:ext>
+    </p:extLst>
+  </p:cSld>
+  <p:clrMapOvr>
+    <a:masterClrMapping/>
+  </p:clrMapOvr>
+</p:sld>
+</file>
+
+<file path=ppt/slides/slide18.xml><?xml version="1.0" encoding="utf-8"?>
+<p:sld xmlns:a="http://schemas.openxmlformats.org/drawingml/2006/main" xmlns:r="http://schemas.openxmlformats.org/officeDocument/2006/relationships" xmlns:p="http://schemas.openxmlformats.org/presentationml/2006/main">
+  <p:cSld>
+    <p:spTree>
+      <p:nvGrpSpPr>
+        <p:cNvPr id="1" name=""/>
+        <p:cNvGrpSpPr/>
+        <p:nvPr/>
+      </p:nvGrpSpPr>
+      <p:grpSpPr>
+        <a:xfrm>
+          <a:off x="0" y="0"/>
+          <a:ext cx="0" cy="0"/>
+          <a:chOff x="0" y="0"/>
+          <a:chExt cx="0" cy="0"/>
+        </a:xfrm>
+      </p:grpSpPr>
+      <p:sp>
+        <p:nvSpPr>
+          <p:cNvPr id="2" name="Title 1">
+            <a:extLst>
+              <a:ext uri="{FF2B5EF4-FFF2-40B4-BE49-F238E27FC236}">
                 <a16:creationId xmlns:a16="http://schemas.microsoft.com/office/drawing/2014/main" id="{0AFF2694-842C-7D49-8743-E67E62B7CE29}"/>
               </a:ext>
             </a:extLst>
@@ -4618,7 +5176,7 @@
           <a:p>
             <a:r>
               <a:rPr lang="en-US" dirty="0"/>
-              <a:t>How can I find out more? 30 seconds</a:t>
+              <a:t>Why is the team doing this ?- 30 seconds</a:t>
             </a:r>
           </a:p>
         </p:txBody>
@@ -4855,7 +5413,7 @@
           <a:p>
             <a:r>
               <a:rPr lang="en-AU" dirty="0"/>
-              <a:t>Cover off cost (free)</a:t>
+              <a:t>Explain our motivations</a:t>
             </a:r>
           </a:p>
           <a:p>
@@ -4864,15 +5422,7 @@
           <a:p>
             <a:r>
               <a:rPr lang="en-AU" dirty="0"/>
-              <a:t>Cover off that it will be launching soon for Australia</a:t>
-            </a:r>
-            <a:r>
-              <a:rPr lang="en-AU"/>
-              <a:t>, later </a:t>
-            </a:r>
-            <a:r>
-              <a:rPr lang="en-AU" dirty="0"/>
-              <a:t>in the rest of the world</a:t>
+              <a:t>How it can change lives</a:t>
             </a:r>
           </a:p>
           <a:p>
@@ -4886,98 +5436,7 @@
     </p:spTree>
     <p:extLst>
       <p:ext uri="{BB962C8B-B14F-4D97-AF65-F5344CB8AC3E}">
-        <p14:creationId xmlns:p14="http://schemas.microsoft.com/office/powerpoint/2010/main" val="1265038317"/>
-      </p:ext>
-    </p:extLst>
-  </p:cSld>
-  <p:clrMapOvr>
-    <a:masterClrMapping/>
-  </p:clrMapOvr>
-</p:sld>
-</file>
-
-<file path=ppt/slides/slide18.xml><?xml version="1.0" encoding="utf-8"?>
-<p:sld xmlns:a="http://schemas.openxmlformats.org/drawingml/2006/main" xmlns:r="http://schemas.openxmlformats.org/officeDocument/2006/relationships" xmlns:p="http://schemas.openxmlformats.org/presentationml/2006/main">
-  <p:cSld>
-    <p:spTree>
-      <p:nvGrpSpPr>
-        <p:cNvPr id="1" name=""/>
-        <p:cNvGrpSpPr/>
-        <p:nvPr/>
-      </p:nvGrpSpPr>
-      <p:grpSpPr>
-        <a:xfrm>
-          <a:off x="0" y="0"/>
-          <a:ext cx="0" cy="0"/>
-          <a:chOff x="0" y="0"/>
-          <a:chExt cx="0" cy="0"/>
-        </a:xfrm>
-      </p:grpSpPr>
-      <p:sp>
-        <p:nvSpPr>
-          <p:cNvPr id="2" name="Title 1">
-            <a:extLst>
-              <a:ext uri="{FF2B5EF4-FFF2-40B4-BE49-F238E27FC236}">
-                <a16:creationId xmlns:a16="http://schemas.microsoft.com/office/drawing/2014/main" id="{B9395550-3173-2F44-A17F-ECB8F46226BF}"/>
-              </a:ext>
-            </a:extLst>
-          </p:cNvPr>
-          <p:cNvSpPr>
-            <a:spLocks noGrp="1"/>
-          </p:cNvSpPr>
-          <p:nvPr>
-            <p:ph type="title"/>
-          </p:nvPr>
-        </p:nvSpPr>
-        <p:spPr/>
-        <p:txBody>
-          <a:bodyPr/>
-          <a:lstStyle/>
-          <a:p>
-            <a:r>
-              <a:rPr lang="en-US" dirty="0"/>
-              <a:t>How can I find out more? – Script - Emily</a:t>
-            </a:r>
-          </a:p>
-        </p:txBody>
-      </p:sp>
-      <p:sp>
-        <p:nvSpPr>
-          <p:cNvPr id="3" name="Content Placeholder 2">
-            <a:extLst>
-              <a:ext uri="{FF2B5EF4-FFF2-40B4-BE49-F238E27FC236}">
-                <a16:creationId xmlns:a16="http://schemas.microsoft.com/office/drawing/2014/main" id="{3EBFF5F1-1C5E-504D-BF65-3ECE78597D6D}"/>
-              </a:ext>
-            </a:extLst>
-          </p:cNvPr>
-          <p:cNvSpPr>
-            <a:spLocks noGrp="1"/>
-          </p:cNvSpPr>
-          <p:nvPr>
-            <p:ph idx="1"/>
-          </p:nvPr>
-        </p:nvSpPr>
-        <p:spPr/>
-        <p:txBody>
-          <a:bodyPr>
-            <a:normAutofit/>
-          </a:bodyPr>
-          <a:lstStyle/>
-          <a:p>
-            <a:r>
-              <a:rPr lang="en-AU" dirty="0"/>
-              <a:t>We’ll be launching soon, keep an eye out for our website launch etc</a:t>
-            </a:r>
-          </a:p>
-          <a:p>
-            <a:endParaRPr lang="en-US" dirty="0"/>
-          </a:p>
-        </p:txBody>
-      </p:sp>
-    </p:spTree>
-    <p:extLst>
-      <p:ext uri="{BB962C8B-B14F-4D97-AF65-F5344CB8AC3E}">
-        <p14:creationId xmlns:p14="http://schemas.microsoft.com/office/powerpoint/2010/main" val="3278186133"/>
+        <p14:creationId xmlns:p14="http://schemas.microsoft.com/office/powerpoint/2010/main" val="1057856342"/>
       </p:ext>
     </p:extLst>
   </p:cSld>
@@ -5027,7 +5486,7 @@
           <a:p>
             <a:r>
               <a:rPr lang="en-US" dirty="0"/>
-              <a:t>How can I find out more? – Script - Alex</a:t>
+              <a:t>Why is the team doing this? – Script - Emily</a:t>
             </a:r>
           </a:p>
         </p:txBody>
@@ -5057,26 +5516,14 @@
           <a:p>
             <a:r>
               <a:rPr lang="en-AU" dirty="0"/>
-              <a:t>Definitely keep us up to date, we’ll look forward to having you back on to talk about the success!</a:t>
+              <a:t>Talk about the motivations for doing this, why we chose this as a project.</a:t>
             </a:r>
           </a:p>
           <a:p>
             <a:endParaRPr lang="en-AU" dirty="0"/>
           </a:p>
           <a:p>
-            <a:r>
-              <a:rPr lang="en-AU" dirty="0"/>
-              <a:t>Thanks everyone for joining us today, its been a real insight into some of the innovation coming into the market.</a:t>
-            </a:r>
-          </a:p>
-          <a:p>
             <a:endParaRPr lang="en-AU" dirty="0"/>
-          </a:p>
-          <a:p>
-            <a:r>
-              <a:rPr lang="en-AU" dirty="0"/>
-              <a:t>You can join us next week for our education segment where we’ll be talking about why do magicians do so well in school?  Is it because they are good at trick questions?  Join us to find out.</a:t>
-            </a:r>
           </a:p>
           <a:p>
             <a:endParaRPr lang="en-US" dirty="0"/>
@@ -5086,7 +5533,7 @@
     </p:spTree>
     <p:extLst>
       <p:ext uri="{BB962C8B-B14F-4D97-AF65-F5344CB8AC3E}">
-        <p14:creationId xmlns:p14="http://schemas.microsoft.com/office/powerpoint/2010/main" val="1216723666"/>
+        <p14:creationId xmlns:p14="http://schemas.microsoft.com/office/powerpoint/2010/main" val="3504769044"/>
       </p:ext>
     </p:extLst>
   </p:cSld>
@@ -5099,6 +5546,14 @@
 <file path=ppt/slides/slide2.xml><?xml version="1.0" encoding="utf-8"?>
 <p:sld xmlns:a="http://schemas.openxmlformats.org/drawingml/2006/main" xmlns:r="http://schemas.openxmlformats.org/officeDocument/2006/relationships" xmlns:p="http://schemas.openxmlformats.org/presentationml/2006/main">
   <p:cSld>
+    <p:bg>
+      <p:bgPr>
+        <a:solidFill>
+          <a:schemeClr val="bg1"/>
+        </a:solidFill>
+        <a:effectLst/>
+      </p:bgPr>
+    </p:bg>
     <p:spTree>
       <p:nvGrpSpPr>
         <p:cNvPr id="1" name=""/>
@@ -5115,10 +5570,140 @@
       </p:grpSpPr>
       <p:sp>
         <p:nvSpPr>
+          <p:cNvPr id="8" name="Rectangle 7">
+            <a:extLst>
+              <a:ext uri="{FF2B5EF4-FFF2-40B4-BE49-F238E27FC236}">
+                <a16:creationId xmlns:a16="http://schemas.microsoft.com/office/drawing/2014/main" id="{23962611-DFD5-4092-AAFD-559E3DFCE2C9}"/>
+              </a:ext>
+              <a:ext uri="{C183D7F6-B498-43B3-948B-1728B52AA6E4}">
+                <adec:decorative xmlns:adec="http://schemas.microsoft.com/office/drawing/2017/decorative" val="1"/>
+              </a:ext>
+            </a:extLst>
+          </p:cNvPr>
+          <p:cNvSpPr>
+            <a:spLocks noGrp="1" noRot="1" noChangeAspect="1" noMove="1" noResize="1" noEditPoints="1" noAdjustHandles="1" noChangeArrowheads="1" noChangeShapeType="1" noTextEdit="1"/>
+          </p:cNvSpPr>
+          <p:nvPr>
+            <p:extLst>
+              <p:ext uri="{386F3935-93C4-4BCD-93E2-E3B085C9AB24}">
+                <p16:designElem xmlns:p16="http://schemas.microsoft.com/office/powerpoint/2015/main" val="1"/>
+              </p:ext>
+            </p:extLst>
+          </p:nvPr>
+        </p:nvSpPr>
+        <p:spPr>
+          <a:xfrm>
+            <a:off x="475488" y="0"/>
+            <a:ext cx="10910292" cy="6858000"/>
+          </a:xfrm>
+          <a:prstGeom prst="rect">
+            <a:avLst/>
+          </a:prstGeom>
+          <a:gradFill>
+            <a:gsLst>
+              <a:gs pos="0">
+                <a:schemeClr val="accent1">
+                  <a:lumMod val="90000"/>
+                </a:schemeClr>
+              </a:gs>
+              <a:gs pos="25000">
+                <a:schemeClr val="accent1">
+                  <a:lumMod val="90000"/>
+                </a:schemeClr>
+              </a:gs>
+              <a:gs pos="94000">
+                <a:schemeClr val="bg2">
+                  <a:lumMod val="25000"/>
+                </a:schemeClr>
+              </a:gs>
+              <a:gs pos="100000">
+                <a:schemeClr val="bg2">
+                  <a:lumMod val="25000"/>
+                </a:schemeClr>
+              </a:gs>
+            </a:gsLst>
+            <a:lin ang="4200000" scaled="0"/>
+          </a:gradFill>
+          <a:ln>
+            <a:noFill/>
+          </a:ln>
+        </p:spPr>
+        <p:style>
+          <a:lnRef idx="2">
+            <a:schemeClr val="accent1">
+              <a:shade val="50000"/>
+            </a:schemeClr>
+          </a:lnRef>
+          <a:fillRef idx="1">
+            <a:schemeClr val="accent1"/>
+          </a:fillRef>
+          <a:effectRef idx="0">
+            <a:schemeClr val="accent1"/>
+          </a:effectRef>
+          <a:fontRef idx="minor">
+            <a:schemeClr val="lt1"/>
+          </a:fontRef>
+        </p:style>
+        <p:txBody>
+          <a:bodyPr rtlCol="0" anchor="ctr"/>
+          <a:lstStyle/>
+          <a:p>
+            <a:pPr algn="ctr"/>
+            <a:endParaRPr lang="en-US"/>
+          </a:p>
+        </p:txBody>
+      </p:sp>
+      <p:pic>
+        <p:nvPicPr>
+          <p:cNvPr id="10" name="Picture 9">
+            <a:extLst>
+              <a:ext uri="{FF2B5EF4-FFF2-40B4-BE49-F238E27FC236}">
+                <a16:creationId xmlns:a16="http://schemas.microsoft.com/office/drawing/2014/main" id="{2270F1FA-0425-408F-9861-80BF5AFB276D}"/>
+              </a:ext>
+              <a:ext uri="{C183D7F6-B498-43B3-948B-1728B52AA6E4}">
+                <adec:decorative xmlns:adec="http://schemas.microsoft.com/office/drawing/2017/decorative" val="1"/>
+              </a:ext>
+            </a:extLst>
+          </p:cNvPr>
+          <p:cNvPicPr>
+            <a:picLocks noGrp="1" noRot="1" noChangeAspect="1" noMove="1" noResize="1" noEditPoints="1" noAdjustHandles="1" noChangeArrowheads="1" noChangeShapeType="1" noCrop="1"/>
+          </p:cNvPicPr>
+          <p:nvPr>
+            <p:extLst>
+              <p:ext uri="{386F3935-93C4-4BCD-93E2-E3B085C9AB24}">
+                <p16:designElem xmlns:p16="http://schemas.microsoft.com/office/powerpoint/2015/main" val="1"/>
+              </p:ext>
+            </p:extLst>
+          </p:nvPr>
+        </p:nvPicPr>
+        <p:blipFill>
+          <a:blip r:embed="rId2">
+            <a:extLst>
+              <a:ext uri="{28A0092B-C50C-407E-A947-70E740481C1C}">
+                <a14:useLocalDpi xmlns:a14="http://schemas.microsoft.com/office/drawing/2010/main" val="0"/>
+              </a:ext>
+            </a:extLst>
+          </a:blip>
+          <a:stretch>
+            <a:fillRect/>
+          </a:stretch>
+        </p:blipFill>
+        <p:spPr>
+          <a:xfrm>
+            <a:off x="0" y="0"/>
+            <a:ext cx="12192000" cy="6858000"/>
+          </a:xfrm>
+          <a:prstGeom prst="rect">
+            <a:avLst/>
+          </a:prstGeom>
+        </p:spPr>
+      </p:pic>
+      <p:sp>
+        <p:nvSpPr>
           <p:cNvPr id="2" name="Title 1">
             <a:extLst>
               <a:ext uri="{FF2B5EF4-FFF2-40B4-BE49-F238E27FC236}">
-                <a16:creationId xmlns:a16="http://schemas.microsoft.com/office/drawing/2014/main" id="{AF6B02FC-3501-2E4D-ACF5-E7CC637787FF}"/>
+                <a16:creationId xmlns:a16="http://schemas.microsoft.com/office/drawing/2014/main" id="{937B3B83-3D9F-EC48-8971-27D0B72A4384}"/>
               </a:ext>
             </a:extLst>
           </p:cNvPr>
@@ -5129,91 +5714,37 @@
             <p:ph type="title"/>
           </p:nvPr>
         </p:nvSpPr>
-        <p:spPr/>
-        <p:txBody>
-          <a:bodyPr/>
-          <a:lstStyle/>
-          <a:p>
-            <a:r>
-              <a:rPr lang="en-US" dirty="0"/>
-              <a:t>Key points</a:t>
-            </a:r>
-          </a:p>
-        </p:txBody>
-      </p:sp>
-      <p:sp>
-        <p:nvSpPr>
-          <p:cNvPr id="3" name="Content Placeholder 2">
-            <a:extLst>
-              <a:ext uri="{FF2B5EF4-FFF2-40B4-BE49-F238E27FC236}">
-                <a16:creationId xmlns:a16="http://schemas.microsoft.com/office/drawing/2014/main" id="{84048969-D2EF-9841-8E0B-112A49E0E98F}"/>
-              </a:ext>
-            </a:extLst>
-          </p:cNvPr>
-          <p:cNvSpPr>
-            <a:spLocks noGrp="1"/>
-          </p:cNvSpPr>
-          <p:nvPr>
-            <p:ph idx="1"/>
-          </p:nvPr>
-        </p:nvSpPr>
-        <p:spPr/>
-        <p:txBody>
-          <a:bodyPr/>
-          <a:lstStyle/>
-          <a:p>
-            <a:r>
-              <a:rPr lang="en-US" dirty="0"/>
-              <a:t>Include </a:t>
-            </a:r>
-            <a:r>
-              <a:rPr lang="en-US" dirty="0" err="1"/>
-              <a:t>colour</a:t>
-            </a:r>
-            <a:r>
-              <a:rPr lang="en-US" dirty="0"/>
-              <a:t> and graphics</a:t>
-            </a:r>
-          </a:p>
-          <a:p>
-            <a:endParaRPr lang="en-US" dirty="0"/>
-          </a:p>
-          <a:p>
-            <a:r>
-              <a:rPr lang="en-US" dirty="0"/>
-              <a:t>Intro</a:t>
-            </a:r>
-          </a:p>
-          <a:p>
-            <a:r>
-              <a:rPr lang="en-US" dirty="0"/>
-              <a:t>Structure, logical progression</a:t>
-            </a:r>
-          </a:p>
-          <a:p>
-            <a:r>
-              <a:rPr lang="en-US" dirty="0"/>
-              <a:t>Be engaging</a:t>
-            </a:r>
-          </a:p>
-          <a:p>
-            <a:endParaRPr lang="en-US" dirty="0"/>
-          </a:p>
-          <a:p>
-            <a:r>
-              <a:rPr lang="en-US" dirty="0"/>
-              <a:t>Style – as per info</a:t>
-            </a:r>
-          </a:p>
-          <a:p>
-            <a:endParaRPr lang="en-US" dirty="0"/>
+        <p:spPr>
+          <a:xfrm>
+            <a:off x="3045368" y="2043663"/>
+            <a:ext cx="6105194" cy="2031055"/>
+          </a:xfrm>
+        </p:spPr>
+        <p:txBody>
+          <a:bodyPr vert="horz" lIns="91440" tIns="45720" rIns="91440" bIns="45720" rtlCol="0" anchor="b">
+            <a:normAutofit/>
+          </a:bodyPr>
+          <a:lstStyle/>
+          <a:p>
+            <a:pPr algn="ctr"/>
+            <a:r>
+              <a:rPr lang="en-US" sz="6000" kern="1200" dirty="0">
+                <a:solidFill>
+                  <a:srgbClr val="FFFFFF"/>
+                </a:solidFill>
+                <a:latin typeface="+mj-lt"/>
+                <a:ea typeface="+mj-ea"/>
+                <a:cs typeface="+mj-cs"/>
+              </a:rPr>
+              <a:t>Assignment 5</a:t>
+            </a:r>
           </a:p>
         </p:txBody>
       </p:sp>
     </p:spTree>
     <p:extLst>
       <p:ext uri="{BB962C8B-B14F-4D97-AF65-F5344CB8AC3E}">
-        <p14:creationId xmlns:p14="http://schemas.microsoft.com/office/powerpoint/2010/main" val="2113874010"/>
+        <p14:creationId xmlns:p14="http://schemas.microsoft.com/office/powerpoint/2010/main" val="1854149692"/>
       </p:ext>
     </p:extLst>
   </p:cSld>
@@ -5245,7 +5776,7 @@
           <p:cNvPr id="2" name="Title 1">
             <a:extLst>
               <a:ext uri="{FF2B5EF4-FFF2-40B4-BE49-F238E27FC236}">
-                <a16:creationId xmlns:a16="http://schemas.microsoft.com/office/drawing/2014/main" id="{EF84C814-87E4-B748-A17C-C4FD2F95F1ED}"/>
+                <a16:creationId xmlns:a16="http://schemas.microsoft.com/office/drawing/2014/main" id="{B9395550-3173-2F44-A17F-ECB8F46226BF}"/>
               </a:ext>
             </a:extLst>
           </p:cNvPr>
@@ -5263,7 +5794,7 @@
           <a:p>
             <a:r>
               <a:rPr lang="en-US" dirty="0"/>
-              <a:t>Outro – 15 seconds</a:t>
+              <a:t>So what is being done? – Script - Alex</a:t>
             </a:r>
           </a:p>
         </p:txBody>
@@ -5273,7 +5804,7 @@
           <p:cNvPr id="3" name="Content Placeholder 2">
             <a:extLst>
               <a:ext uri="{FF2B5EF4-FFF2-40B4-BE49-F238E27FC236}">
-                <a16:creationId xmlns:a16="http://schemas.microsoft.com/office/drawing/2014/main" id="{0C29E474-F4E4-DE4E-A187-2BC2D31563CE}"/>
+                <a16:creationId xmlns:a16="http://schemas.microsoft.com/office/drawing/2014/main" id="{3EBFF5F1-1C5E-504D-BF65-3ECE78597D6D}"/>
               </a:ext>
             </a:extLst>
           </p:cNvPr>
@@ -5284,33 +5815,19 @@
             <p:ph idx="1"/>
           </p:nvPr>
         </p:nvSpPr>
-        <p:spPr>
-          <a:xfrm>
-            <a:off x="838199" y="1825625"/>
-            <a:ext cx="10275277" cy="4351338"/>
-          </a:xfrm>
-        </p:spPr>
-        <p:txBody>
-          <a:bodyPr/>
-          <a:lstStyle/>
-          <a:p>
-            <a:r>
-              <a:rPr lang="en-US" dirty="0"/>
-              <a:t>Thanks everyone</a:t>
-            </a:r>
-          </a:p>
-          <a:p>
-            <a:endParaRPr lang="en-US" dirty="0"/>
-          </a:p>
-          <a:p>
-            <a:r>
-              <a:rPr lang="en-US" dirty="0"/>
-              <a:t>Don’t forget you can find out more at </a:t>
-            </a:r>
-            <a:r>
-              <a:rPr lang="en-US" dirty="0" err="1"/>
-              <a:t>www.pro-sight.com.au</a:t>
-            </a:r>
+        <p:spPr/>
+        <p:txBody>
+          <a:bodyPr>
+            <a:normAutofit/>
+          </a:bodyPr>
+          <a:lstStyle/>
+          <a:p>
+            <a:r>
+              <a:rPr lang="en-AU" dirty="0"/>
+              <a:t>Brilliant, you’re doing great work, how can we find out more?</a:t>
+            </a:r>
+          </a:p>
+          <a:p>
             <a:endParaRPr lang="en-US" dirty="0"/>
           </a:p>
         </p:txBody>
@@ -5318,7 +5835,7 @@
     </p:spTree>
     <p:extLst>
       <p:ext uri="{BB962C8B-B14F-4D97-AF65-F5344CB8AC3E}">
-        <p14:creationId xmlns:p14="http://schemas.microsoft.com/office/powerpoint/2010/main" val="4034525392"/>
+        <p14:creationId xmlns:p14="http://schemas.microsoft.com/office/powerpoint/2010/main" val="1665674616"/>
       </p:ext>
     </p:extLst>
   </p:cSld>
@@ -5328,7 +5845,7 @@
 </p:sld>
 </file>
 
-<file path=ppt/slides/slide3.xml><?xml version="1.0" encoding="utf-8"?>
+<file path=ppt/slides/slide21.xml><?xml version="1.0" encoding="utf-8"?>
 <p:sld xmlns:a="http://schemas.openxmlformats.org/drawingml/2006/main" xmlns:r="http://schemas.openxmlformats.org/officeDocument/2006/relationships" xmlns:p="http://schemas.openxmlformats.org/presentationml/2006/main">
   <p:cSld>
     <p:spTree>
@@ -5350,7 +5867,7 @@
           <p:cNvPr id="2" name="Title 1">
             <a:extLst>
               <a:ext uri="{FF2B5EF4-FFF2-40B4-BE49-F238E27FC236}">
-                <a16:creationId xmlns:a16="http://schemas.microsoft.com/office/drawing/2014/main" id="{EF84C814-87E4-B748-A17C-C4FD2F95F1ED}"/>
+                <a16:creationId xmlns:a16="http://schemas.microsoft.com/office/drawing/2014/main" id="{0AFF2694-842C-7D49-8743-E67E62B7CE29}"/>
               </a:ext>
             </a:extLst>
           </p:cNvPr>
@@ -5368,248 +5885,7 @@
           <a:p>
             <a:r>
               <a:rPr lang="en-US" dirty="0"/>
-              <a:t>Introduction – 15 seconds</a:t>
-            </a:r>
-          </a:p>
-        </p:txBody>
-      </p:sp>
-      <p:sp>
-        <p:nvSpPr>
-          <p:cNvPr id="3" name="Content Placeholder 2">
-            <a:extLst>
-              <a:ext uri="{FF2B5EF4-FFF2-40B4-BE49-F238E27FC236}">
-                <a16:creationId xmlns:a16="http://schemas.microsoft.com/office/drawing/2014/main" id="{0C29E474-F4E4-DE4E-A187-2BC2D31563CE}"/>
-              </a:ext>
-            </a:extLst>
-          </p:cNvPr>
-          <p:cNvSpPr>
-            <a:spLocks noGrp="1"/>
-          </p:cNvSpPr>
-          <p:nvPr>
-            <p:ph idx="1"/>
-          </p:nvPr>
-        </p:nvSpPr>
-        <p:spPr>
-          <a:xfrm>
-            <a:off x="838200" y="1825625"/>
-            <a:ext cx="10515600" cy="4351338"/>
-          </a:xfrm>
-        </p:spPr>
-        <p:txBody>
-          <a:bodyPr>
-            <a:normAutofit lnSpcReduction="10000"/>
-          </a:bodyPr>
-          <a:lstStyle/>
-          <a:p>
-            <a:r>
-              <a:rPr lang="en-US" dirty="0"/>
-              <a:t>Intro and what we are going to talk about</a:t>
-            </a:r>
-          </a:p>
-          <a:p>
-            <a:endParaRPr lang="en-US" dirty="0"/>
-          </a:p>
-          <a:p>
-            <a:r>
-              <a:rPr lang="en-AU" dirty="0"/>
-              <a:t>A 2018 report titled Programme for International Student Assessment (PISA) details the long-term decline in Australian students in Science, Reading and Mathematics subjects in comparison to Chinese students. Specifically, the report details that Australian students are on average 3.5 years behind Chinese students in mathematics. </a:t>
-            </a:r>
-          </a:p>
-          <a:p>
-            <a:endParaRPr lang="en-US" dirty="0"/>
-          </a:p>
-          <a:p>
-            <a:r>
-              <a:rPr lang="en-US" dirty="0"/>
-              <a:t>we’re joined by X from </a:t>
-            </a:r>
-            <a:r>
-              <a:rPr lang="en-US" dirty="0" err="1"/>
-              <a:t>Prosight</a:t>
-            </a:r>
-            <a:r>
-              <a:rPr lang="en-US" dirty="0"/>
-              <a:t> to talk to us about some of the challenges facing students today</a:t>
-            </a:r>
-          </a:p>
-        </p:txBody>
-      </p:sp>
-    </p:spTree>
-    <p:extLst>
-      <p:ext uri="{BB962C8B-B14F-4D97-AF65-F5344CB8AC3E}">
-        <p14:creationId xmlns:p14="http://schemas.microsoft.com/office/powerpoint/2010/main" val="704425647"/>
-      </p:ext>
-    </p:extLst>
-  </p:cSld>
-  <p:clrMapOvr>
-    <a:masterClrMapping/>
-  </p:clrMapOvr>
-</p:sld>
-</file>
-
-<file path=ppt/slides/slide4.xml><?xml version="1.0" encoding="utf-8"?>
-<p:sld xmlns:a="http://schemas.openxmlformats.org/drawingml/2006/main" xmlns:r="http://schemas.openxmlformats.org/officeDocument/2006/relationships" xmlns:p="http://schemas.openxmlformats.org/presentationml/2006/main">
-  <p:cSld>
-    <p:spTree>
-      <p:nvGrpSpPr>
-        <p:cNvPr id="1" name=""/>
-        <p:cNvGrpSpPr/>
-        <p:nvPr/>
-      </p:nvGrpSpPr>
-      <p:grpSpPr>
-        <a:xfrm>
-          <a:off x="0" y="0"/>
-          <a:ext cx="0" cy="0"/>
-          <a:chOff x="0" y="0"/>
-          <a:chExt cx="0" cy="0"/>
-        </a:xfrm>
-      </p:grpSpPr>
-      <p:sp>
-        <p:nvSpPr>
-          <p:cNvPr id="2" name="Title 1">
-            <a:extLst>
-              <a:ext uri="{FF2B5EF4-FFF2-40B4-BE49-F238E27FC236}">
-                <a16:creationId xmlns:a16="http://schemas.microsoft.com/office/drawing/2014/main" id="{B9395550-3173-2F44-A17F-ECB8F46226BF}"/>
-              </a:ext>
-            </a:extLst>
-          </p:cNvPr>
-          <p:cNvSpPr>
-            <a:spLocks noGrp="1"/>
-          </p:cNvSpPr>
-          <p:nvPr>
-            <p:ph type="title"/>
-          </p:nvPr>
-        </p:nvSpPr>
-        <p:spPr/>
-        <p:txBody>
-          <a:bodyPr/>
-          <a:lstStyle/>
-          <a:p>
-            <a:r>
-              <a:rPr lang="en-US" dirty="0"/>
-              <a:t>Introduction – Script - Alex</a:t>
-            </a:r>
-          </a:p>
-        </p:txBody>
-      </p:sp>
-      <p:sp>
-        <p:nvSpPr>
-          <p:cNvPr id="3" name="Content Placeholder 2">
-            <a:extLst>
-              <a:ext uri="{FF2B5EF4-FFF2-40B4-BE49-F238E27FC236}">
-                <a16:creationId xmlns:a16="http://schemas.microsoft.com/office/drawing/2014/main" id="{3EBFF5F1-1C5E-504D-BF65-3ECE78597D6D}"/>
-              </a:ext>
-            </a:extLst>
-          </p:cNvPr>
-          <p:cNvSpPr>
-            <a:spLocks noGrp="1"/>
-          </p:cNvSpPr>
-          <p:nvPr>
-            <p:ph idx="1"/>
-          </p:nvPr>
-        </p:nvSpPr>
-        <p:spPr/>
-        <p:txBody>
-          <a:bodyPr>
-            <a:normAutofit fontScale="92500" lnSpcReduction="10000"/>
-          </a:bodyPr>
-          <a:lstStyle/>
-          <a:p>
-            <a:r>
-              <a:rPr lang="en-US" dirty="0"/>
-              <a:t>Hi, I’m Alex Barron and thanks for joining us for our education segment today.  Recently, we’ve been looking at the standards of education in Australia and I’m pleased to be joined by the team from </a:t>
-            </a:r>
-            <a:r>
-              <a:rPr lang="en-US" dirty="0" err="1"/>
-              <a:t>Prosight</a:t>
-            </a:r>
-            <a:r>
-              <a:rPr lang="en-US" dirty="0"/>
-              <a:t> today.</a:t>
-            </a:r>
-          </a:p>
-          <a:p>
-            <a:endParaRPr lang="en-US" dirty="0"/>
-          </a:p>
-          <a:p>
-            <a:r>
-              <a:rPr lang="en-US" dirty="0"/>
-              <a:t> </a:t>
-            </a:r>
-            <a:r>
-              <a:rPr lang="en-US" dirty="0" err="1"/>
-              <a:t>Prosight</a:t>
-            </a:r>
-            <a:r>
-              <a:rPr lang="en-US" dirty="0"/>
-              <a:t> is a new company that’s working with learners to change the way they learn.  We’re joined today by Brandon, Emily, Shane and Natalie to talk through some of the challenges that we’re seeing with Australian education.</a:t>
-            </a:r>
-          </a:p>
-          <a:p>
-            <a:endParaRPr lang="en-US" dirty="0"/>
-          </a:p>
-          <a:p>
-            <a:r>
-              <a:rPr lang="en-US" dirty="0"/>
-              <a:t>Brandon, thanks for joining us, can you tell us a bit about the problems that you’re seeing today with online learners?</a:t>
-            </a:r>
-          </a:p>
-        </p:txBody>
-      </p:sp>
-    </p:spTree>
-    <p:extLst>
-      <p:ext uri="{BB962C8B-B14F-4D97-AF65-F5344CB8AC3E}">
-        <p14:creationId xmlns:p14="http://schemas.microsoft.com/office/powerpoint/2010/main" val="3117266682"/>
-      </p:ext>
-    </p:extLst>
-  </p:cSld>
-  <p:clrMapOvr>
-    <a:masterClrMapping/>
-  </p:clrMapOvr>
-</p:sld>
-</file>
-
-<file path=ppt/slides/slide5.xml><?xml version="1.0" encoding="utf-8"?>
-<p:sld xmlns:a="http://schemas.openxmlformats.org/drawingml/2006/main" xmlns:r="http://schemas.openxmlformats.org/officeDocument/2006/relationships" xmlns:p="http://schemas.openxmlformats.org/presentationml/2006/main">
-  <p:cSld>
-    <p:spTree>
-      <p:nvGrpSpPr>
-        <p:cNvPr id="1" name=""/>
-        <p:cNvGrpSpPr/>
-        <p:nvPr/>
-      </p:nvGrpSpPr>
-      <p:grpSpPr>
-        <a:xfrm>
-          <a:off x="0" y="0"/>
-          <a:ext cx="0" cy="0"/>
-          <a:chOff x="0" y="0"/>
-          <a:chExt cx="0" cy="0"/>
-        </a:xfrm>
-      </p:grpSpPr>
-      <p:sp>
-        <p:nvSpPr>
-          <p:cNvPr id="2" name="Title 1">
-            <a:extLst>
-              <a:ext uri="{FF2B5EF4-FFF2-40B4-BE49-F238E27FC236}">
-                <a16:creationId xmlns:a16="http://schemas.microsoft.com/office/drawing/2014/main" id="{0AFF2694-842C-7D49-8743-E67E62B7CE29}"/>
-              </a:ext>
-            </a:extLst>
-          </p:cNvPr>
-          <p:cNvSpPr>
-            <a:spLocks noGrp="1"/>
-          </p:cNvSpPr>
-          <p:nvPr>
-            <p:ph type="title"/>
-          </p:nvPr>
-        </p:nvSpPr>
-        <p:spPr/>
-        <p:txBody>
-          <a:bodyPr/>
-          <a:lstStyle/>
-          <a:p>
-            <a:r>
-              <a:rPr lang="en-US" dirty="0"/>
-              <a:t>What is the problem – 60 seconds</a:t>
+              <a:t>How can I find out more? 30 seconds</a:t>
             </a:r>
           </a:p>
         </p:txBody>
@@ -5845,37 +6121,1784 @@
           </a:p>
           <a:p>
             <a:r>
-              <a:rPr lang="en-US" dirty="0"/>
-              <a:t>Script along the lines of “What is the problem being faced by online learners, here is X member from </a:t>
-            </a:r>
-            <a:r>
-              <a:rPr lang="en-US" dirty="0" err="1"/>
-              <a:t>prosight</a:t>
-            </a:r>
-            <a:r>
-              <a:rPr lang="en-US" dirty="0"/>
-              <a:t>”</a:t>
-            </a:r>
+              <a:rPr lang="en-AU" dirty="0"/>
+              <a:t>Cover off cost (free)</a:t>
+            </a:r>
+          </a:p>
+          <a:p>
+            <a:endParaRPr lang="en-AU" dirty="0"/>
+          </a:p>
+          <a:p>
+            <a:r>
+              <a:rPr lang="en-AU" dirty="0"/>
+              <a:t>Cover off that it will be launching soon for Australia</a:t>
+            </a:r>
+            <a:r>
+              <a:rPr lang="en-AU"/>
+              <a:t>, later </a:t>
+            </a:r>
+            <a:r>
+              <a:rPr lang="en-AU" dirty="0"/>
+              <a:t>in the rest of the world</a:t>
+            </a:r>
+          </a:p>
+          <a:p>
+            <a:endParaRPr lang="en-AU" dirty="0"/>
           </a:p>
           <a:p>
             <a:endParaRPr lang="en-US" dirty="0"/>
-          </a:p>
-          <a:p>
-            <a:r>
-              <a:rPr lang="en-US" dirty="0" err="1"/>
-              <a:t>Prosight</a:t>
-            </a:r>
-            <a:r>
-              <a:rPr lang="en-US" dirty="0"/>
-              <a:t> member X to illustrate the challenges of online learning</a:t>
-            </a:r>
           </a:p>
         </p:txBody>
       </p:sp>
     </p:spTree>
     <p:extLst>
       <p:ext uri="{BB962C8B-B14F-4D97-AF65-F5344CB8AC3E}">
-        <p14:creationId xmlns:p14="http://schemas.microsoft.com/office/powerpoint/2010/main" val="2716251402"/>
+        <p14:creationId xmlns:p14="http://schemas.microsoft.com/office/powerpoint/2010/main" val="1265038317"/>
+      </p:ext>
+    </p:extLst>
+  </p:cSld>
+  <p:clrMapOvr>
+    <a:masterClrMapping/>
+  </p:clrMapOvr>
+</p:sld>
+</file>
+
+<file path=ppt/slides/slide22.xml><?xml version="1.0" encoding="utf-8"?>
+<p:sld xmlns:a="http://schemas.openxmlformats.org/drawingml/2006/main" xmlns:r="http://schemas.openxmlformats.org/officeDocument/2006/relationships" xmlns:p="http://schemas.openxmlformats.org/presentationml/2006/main">
+  <p:cSld>
+    <p:spTree>
+      <p:nvGrpSpPr>
+        <p:cNvPr id="1" name=""/>
+        <p:cNvGrpSpPr/>
+        <p:nvPr/>
+      </p:nvGrpSpPr>
+      <p:grpSpPr>
+        <a:xfrm>
+          <a:off x="0" y="0"/>
+          <a:ext cx="0" cy="0"/>
+          <a:chOff x="0" y="0"/>
+          <a:chExt cx="0" cy="0"/>
+        </a:xfrm>
+      </p:grpSpPr>
+      <p:sp>
+        <p:nvSpPr>
+          <p:cNvPr id="2" name="Title 1">
+            <a:extLst>
+              <a:ext uri="{FF2B5EF4-FFF2-40B4-BE49-F238E27FC236}">
+                <a16:creationId xmlns:a16="http://schemas.microsoft.com/office/drawing/2014/main" id="{B9395550-3173-2F44-A17F-ECB8F46226BF}"/>
+              </a:ext>
+            </a:extLst>
+          </p:cNvPr>
+          <p:cNvSpPr>
+            <a:spLocks noGrp="1"/>
+          </p:cNvSpPr>
+          <p:nvPr>
+            <p:ph type="title"/>
+          </p:nvPr>
+        </p:nvSpPr>
+        <p:spPr/>
+        <p:txBody>
+          <a:bodyPr/>
+          <a:lstStyle/>
+          <a:p>
+            <a:r>
+              <a:rPr lang="en-US" dirty="0"/>
+              <a:t>How can I find out more? – Script - Emily</a:t>
+            </a:r>
+          </a:p>
+        </p:txBody>
+      </p:sp>
+      <p:sp>
+        <p:nvSpPr>
+          <p:cNvPr id="3" name="Content Placeholder 2">
+            <a:extLst>
+              <a:ext uri="{FF2B5EF4-FFF2-40B4-BE49-F238E27FC236}">
+                <a16:creationId xmlns:a16="http://schemas.microsoft.com/office/drawing/2014/main" id="{3EBFF5F1-1C5E-504D-BF65-3ECE78597D6D}"/>
+              </a:ext>
+            </a:extLst>
+          </p:cNvPr>
+          <p:cNvSpPr>
+            <a:spLocks noGrp="1"/>
+          </p:cNvSpPr>
+          <p:nvPr>
+            <p:ph idx="1"/>
+          </p:nvPr>
+        </p:nvSpPr>
+        <p:spPr/>
+        <p:txBody>
+          <a:bodyPr>
+            <a:normAutofit/>
+          </a:bodyPr>
+          <a:lstStyle/>
+          <a:p>
+            <a:r>
+              <a:rPr lang="en-AU" dirty="0"/>
+              <a:t>We’ll be launching soon, keep an eye out for our website launch etc</a:t>
+            </a:r>
+          </a:p>
+          <a:p>
+            <a:endParaRPr lang="en-US" dirty="0"/>
+          </a:p>
+        </p:txBody>
+      </p:sp>
+    </p:spTree>
+    <p:extLst>
+      <p:ext uri="{BB962C8B-B14F-4D97-AF65-F5344CB8AC3E}">
+        <p14:creationId xmlns:p14="http://schemas.microsoft.com/office/powerpoint/2010/main" val="3278186133"/>
+      </p:ext>
+    </p:extLst>
+  </p:cSld>
+  <p:clrMapOvr>
+    <a:masterClrMapping/>
+  </p:clrMapOvr>
+</p:sld>
+</file>
+
+<file path=ppt/slides/slide23.xml><?xml version="1.0" encoding="utf-8"?>
+<p:sld xmlns:a="http://schemas.openxmlformats.org/drawingml/2006/main" xmlns:r="http://schemas.openxmlformats.org/officeDocument/2006/relationships" xmlns:p="http://schemas.openxmlformats.org/presentationml/2006/main">
+  <p:cSld>
+    <p:spTree>
+      <p:nvGrpSpPr>
+        <p:cNvPr id="1" name=""/>
+        <p:cNvGrpSpPr/>
+        <p:nvPr/>
+      </p:nvGrpSpPr>
+      <p:grpSpPr>
+        <a:xfrm>
+          <a:off x="0" y="0"/>
+          <a:ext cx="0" cy="0"/>
+          <a:chOff x="0" y="0"/>
+          <a:chExt cx="0" cy="0"/>
+        </a:xfrm>
+      </p:grpSpPr>
+      <p:sp>
+        <p:nvSpPr>
+          <p:cNvPr id="2" name="Title 1">
+            <a:extLst>
+              <a:ext uri="{FF2B5EF4-FFF2-40B4-BE49-F238E27FC236}">
+                <a16:creationId xmlns:a16="http://schemas.microsoft.com/office/drawing/2014/main" id="{B9395550-3173-2F44-A17F-ECB8F46226BF}"/>
+              </a:ext>
+            </a:extLst>
+          </p:cNvPr>
+          <p:cNvSpPr>
+            <a:spLocks noGrp="1"/>
+          </p:cNvSpPr>
+          <p:nvPr>
+            <p:ph type="title"/>
+          </p:nvPr>
+        </p:nvSpPr>
+        <p:spPr/>
+        <p:txBody>
+          <a:bodyPr/>
+          <a:lstStyle/>
+          <a:p>
+            <a:r>
+              <a:rPr lang="en-US" dirty="0"/>
+              <a:t>How can I find out more? – Script - Alex</a:t>
+            </a:r>
+          </a:p>
+        </p:txBody>
+      </p:sp>
+      <p:sp>
+        <p:nvSpPr>
+          <p:cNvPr id="3" name="Content Placeholder 2">
+            <a:extLst>
+              <a:ext uri="{FF2B5EF4-FFF2-40B4-BE49-F238E27FC236}">
+                <a16:creationId xmlns:a16="http://schemas.microsoft.com/office/drawing/2014/main" id="{3EBFF5F1-1C5E-504D-BF65-3ECE78597D6D}"/>
+              </a:ext>
+            </a:extLst>
+          </p:cNvPr>
+          <p:cNvSpPr>
+            <a:spLocks noGrp="1"/>
+          </p:cNvSpPr>
+          <p:nvPr>
+            <p:ph idx="1"/>
+          </p:nvPr>
+        </p:nvSpPr>
+        <p:spPr/>
+        <p:txBody>
+          <a:bodyPr>
+            <a:normAutofit/>
+          </a:bodyPr>
+          <a:lstStyle/>
+          <a:p>
+            <a:r>
+              <a:rPr lang="en-AU" dirty="0"/>
+              <a:t>Definitely keep us up to date, we’ll look forward to having you back on to talk about the success!</a:t>
+            </a:r>
+          </a:p>
+          <a:p>
+            <a:endParaRPr lang="en-AU" dirty="0"/>
+          </a:p>
+          <a:p>
+            <a:r>
+              <a:rPr lang="en-AU" dirty="0"/>
+              <a:t>Thanks everyone for joining us today, its been a real insight into some of the innovation coming into the market.</a:t>
+            </a:r>
+          </a:p>
+          <a:p>
+            <a:endParaRPr lang="en-AU" dirty="0"/>
+          </a:p>
+          <a:p>
+            <a:r>
+              <a:rPr lang="en-AU" dirty="0"/>
+              <a:t>You can join us next week for our education segment where we’ll be talking about why do magicians do so well in school?  Is it because they are good at trick questions?  Join us to find out.</a:t>
+            </a:r>
+          </a:p>
+          <a:p>
+            <a:endParaRPr lang="en-US" dirty="0"/>
+          </a:p>
+        </p:txBody>
+      </p:sp>
+    </p:spTree>
+    <p:extLst>
+      <p:ext uri="{BB962C8B-B14F-4D97-AF65-F5344CB8AC3E}">
+        <p14:creationId xmlns:p14="http://schemas.microsoft.com/office/powerpoint/2010/main" val="1216723666"/>
+      </p:ext>
+    </p:extLst>
+  </p:cSld>
+  <p:clrMapOvr>
+    <a:masterClrMapping/>
+  </p:clrMapOvr>
+</p:sld>
+</file>
+
+<file path=ppt/slides/slide24.xml><?xml version="1.0" encoding="utf-8"?>
+<p:sld xmlns:a="http://schemas.openxmlformats.org/drawingml/2006/main" xmlns:r="http://schemas.openxmlformats.org/officeDocument/2006/relationships" xmlns:p="http://schemas.openxmlformats.org/presentationml/2006/main">
+  <p:cSld>
+    <p:spTree>
+      <p:nvGrpSpPr>
+        <p:cNvPr id="1" name=""/>
+        <p:cNvGrpSpPr/>
+        <p:nvPr/>
+      </p:nvGrpSpPr>
+      <p:grpSpPr>
+        <a:xfrm>
+          <a:off x="0" y="0"/>
+          <a:ext cx="0" cy="0"/>
+          <a:chOff x="0" y="0"/>
+          <a:chExt cx="0" cy="0"/>
+        </a:xfrm>
+      </p:grpSpPr>
+      <p:sp>
+        <p:nvSpPr>
+          <p:cNvPr id="2" name="Title 1">
+            <a:extLst>
+              <a:ext uri="{FF2B5EF4-FFF2-40B4-BE49-F238E27FC236}">
+                <a16:creationId xmlns:a16="http://schemas.microsoft.com/office/drawing/2014/main" id="{EF84C814-87E4-B748-A17C-C4FD2F95F1ED}"/>
+              </a:ext>
+            </a:extLst>
+          </p:cNvPr>
+          <p:cNvSpPr>
+            <a:spLocks noGrp="1"/>
+          </p:cNvSpPr>
+          <p:nvPr>
+            <p:ph type="title"/>
+          </p:nvPr>
+        </p:nvSpPr>
+        <p:spPr/>
+        <p:txBody>
+          <a:bodyPr/>
+          <a:lstStyle/>
+          <a:p>
+            <a:r>
+              <a:rPr lang="en-US" dirty="0"/>
+              <a:t>Outro – 15 seconds</a:t>
+            </a:r>
+          </a:p>
+        </p:txBody>
+      </p:sp>
+      <p:sp>
+        <p:nvSpPr>
+          <p:cNvPr id="3" name="Content Placeholder 2">
+            <a:extLst>
+              <a:ext uri="{FF2B5EF4-FFF2-40B4-BE49-F238E27FC236}">
+                <a16:creationId xmlns:a16="http://schemas.microsoft.com/office/drawing/2014/main" id="{0C29E474-F4E4-DE4E-A187-2BC2D31563CE}"/>
+              </a:ext>
+            </a:extLst>
+          </p:cNvPr>
+          <p:cNvSpPr>
+            <a:spLocks noGrp="1"/>
+          </p:cNvSpPr>
+          <p:nvPr>
+            <p:ph idx="1"/>
+          </p:nvPr>
+        </p:nvSpPr>
+        <p:spPr>
+          <a:xfrm>
+            <a:off x="838199" y="1825625"/>
+            <a:ext cx="10275277" cy="4351338"/>
+          </a:xfrm>
+        </p:spPr>
+        <p:txBody>
+          <a:bodyPr/>
+          <a:lstStyle/>
+          <a:p>
+            <a:r>
+              <a:rPr lang="en-US" dirty="0"/>
+              <a:t>Thanks everyone</a:t>
+            </a:r>
+          </a:p>
+          <a:p>
+            <a:endParaRPr lang="en-US" dirty="0"/>
+          </a:p>
+          <a:p>
+            <a:r>
+              <a:rPr lang="en-US" dirty="0"/>
+              <a:t>Don’t forget you can find out more at </a:t>
+            </a:r>
+            <a:r>
+              <a:rPr lang="en-US" dirty="0" err="1"/>
+              <a:t>www.pro-sight.com.au</a:t>
+            </a:r>
+            <a:endParaRPr lang="en-US" dirty="0"/>
+          </a:p>
+        </p:txBody>
+      </p:sp>
+    </p:spTree>
+    <p:extLst>
+      <p:ext uri="{BB962C8B-B14F-4D97-AF65-F5344CB8AC3E}">
+        <p14:creationId xmlns:p14="http://schemas.microsoft.com/office/powerpoint/2010/main" val="4034525392"/>
+      </p:ext>
+    </p:extLst>
+  </p:cSld>
+  <p:clrMapOvr>
+    <a:masterClrMapping/>
+  </p:clrMapOvr>
+</p:sld>
+</file>
+
+<file path=ppt/slides/slide3.xml><?xml version="1.0" encoding="utf-8"?>
+<p:sld xmlns:a="http://schemas.openxmlformats.org/drawingml/2006/main" xmlns:r="http://schemas.openxmlformats.org/officeDocument/2006/relationships" xmlns:p="http://schemas.openxmlformats.org/presentationml/2006/main">
+  <p:cSld>
+    <p:spTree>
+      <p:nvGrpSpPr>
+        <p:cNvPr id="1" name=""/>
+        <p:cNvGrpSpPr/>
+        <p:nvPr/>
+      </p:nvGrpSpPr>
+      <p:grpSpPr>
+        <a:xfrm>
+          <a:off x="0" y="0"/>
+          <a:ext cx="0" cy="0"/>
+          <a:chOff x="0" y="0"/>
+          <a:chExt cx="0" cy="0"/>
+        </a:xfrm>
+      </p:grpSpPr>
+      <p:sp>
+        <p:nvSpPr>
+          <p:cNvPr id="45" name="Rectangle 44">
+            <a:extLst>
+              <a:ext uri="{FF2B5EF4-FFF2-40B4-BE49-F238E27FC236}">
+                <a16:creationId xmlns:a16="http://schemas.microsoft.com/office/drawing/2014/main" id="{7F8472C9-DDC2-4A45-BBEA-ECF64DBE9272}"/>
+              </a:ext>
+            </a:extLst>
+          </p:cNvPr>
+          <p:cNvSpPr/>
+          <p:nvPr/>
+        </p:nvSpPr>
+        <p:spPr>
+          <a:xfrm>
+            <a:off x="0" y="4897547"/>
+            <a:ext cx="12192000" cy="1960453"/>
+          </a:xfrm>
+          <a:prstGeom prst="rect">
+            <a:avLst/>
+          </a:prstGeom>
+        </p:spPr>
+        <p:style>
+          <a:lnRef idx="2">
+            <a:schemeClr val="dk1">
+              <a:shade val="50000"/>
+            </a:schemeClr>
+          </a:lnRef>
+          <a:fillRef idx="1">
+            <a:schemeClr val="dk1"/>
+          </a:fillRef>
+          <a:effectRef idx="0">
+            <a:schemeClr val="dk1"/>
+          </a:effectRef>
+          <a:fontRef idx="minor">
+            <a:schemeClr val="lt1"/>
+          </a:fontRef>
+        </p:style>
+        <p:txBody>
+          <a:bodyPr rtlCol="0" anchor="ctr"/>
+          <a:lstStyle/>
+          <a:p>
+            <a:pPr algn="ctr"/>
+            <a:endParaRPr lang="en-US"/>
+          </a:p>
+        </p:txBody>
+      </p:sp>
+      <p:sp>
+        <p:nvSpPr>
+          <p:cNvPr id="18" name="Rectangle 17">
+            <a:extLst>
+              <a:ext uri="{FF2B5EF4-FFF2-40B4-BE49-F238E27FC236}">
+                <a16:creationId xmlns:a16="http://schemas.microsoft.com/office/drawing/2014/main" id="{DA05B8B3-CAEE-0040-B3DC-6C2E641A606F}"/>
+              </a:ext>
+            </a:extLst>
+          </p:cNvPr>
+          <p:cNvSpPr/>
+          <p:nvPr/>
+        </p:nvSpPr>
+        <p:spPr>
+          <a:xfrm>
+            <a:off x="0" y="0"/>
+            <a:ext cx="12192000" cy="1711992"/>
+          </a:xfrm>
+          <a:prstGeom prst="rect">
+            <a:avLst/>
+          </a:prstGeom>
+        </p:spPr>
+        <p:style>
+          <a:lnRef idx="2">
+            <a:schemeClr val="dk1">
+              <a:shade val="50000"/>
+            </a:schemeClr>
+          </a:lnRef>
+          <a:fillRef idx="1">
+            <a:schemeClr val="dk1"/>
+          </a:fillRef>
+          <a:effectRef idx="0">
+            <a:schemeClr val="dk1"/>
+          </a:effectRef>
+          <a:fontRef idx="minor">
+            <a:schemeClr val="lt1"/>
+          </a:fontRef>
+        </p:style>
+        <p:txBody>
+          <a:bodyPr rtlCol="0" anchor="ctr"/>
+          <a:lstStyle/>
+          <a:p>
+            <a:pPr algn="ctr"/>
+            <a:endParaRPr lang="en-US"/>
+          </a:p>
+        </p:txBody>
+      </p:sp>
+      <p:pic>
+        <p:nvPicPr>
+          <p:cNvPr id="4" name="Picture 3" descr="A person standing on a beach posing for the camera&#10;&#10;Description automatically generated">
+            <a:extLst>
+              <a:ext uri="{FF2B5EF4-FFF2-40B4-BE49-F238E27FC236}">
+                <a16:creationId xmlns:a16="http://schemas.microsoft.com/office/drawing/2014/main" id="{4BA220C6-FEBE-B44D-B1CD-1B51D3F4E922}"/>
+              </a:ext>
+            </a:extLst>
+          </p:cNvPr>
+          <p:cNvPicPr>
+            <a:picLocks noChangeAspect="1"/>
+          </p:cNvPicPr>
+          <p:nvPr/>
+        </p:nvPicPr>
+        <p:blipFill>
+          <a:blip r:embed="rId3"/>
+          <a:stretch>
+            <a:fillRect/>
+          </a:stretch>
+        </p:blipFill>
+        <p:spPr>
+          <a:xfrm>
+            <a:off x="2631000" y="1725319"/>
+            <a:ext cx="1980000" cy="2934094"/>
+          </a:xfrm>
+          <a:prstGeom prst="rect">
+            <a:avLst/>
+          </a:prstGeom>
+        </p:spPr>
+      </p:pic>
+      <p:pic>
+        <p:nvPicPr>
+          <p:cNvPr id="6" name="Picture 5" descr="A person sitting on a table&#10;&#10;Description automatically generated">
+            <a:extLst>
+              <a:ext uri="{FF2B5EF4-FFF2-40B4-BE49-F238E27FC236}">
+                <a16:creationId xmlns:a16="http://schemas.microsoft.com/office/drawing/2014/main" id="{79029595-BE84-EC4C-9170-F73442DA59B0}"/>
+              </a:ext>
+            </a:extLst>
+          </p:cNvPr>
+          <p:cNvPicPr>
+            <a:picLocks noChangeAspect="1"/>
+          </p:cNvPicPr>
+          <p:nvPr/>
+        </p:nvPicPr>
+        <p:blipFill rotWithShape="1">
+          <a:blip r:embed="rId4"/>
+          <a:srcRect l="8417" b="-908"/>
+          <a:stretch/>
+        </p:blipFill>
+        <p:spPr>
+          <a:xfrm>
+            <a:off x="4972370" y="1776513"/>
+            <a:ext cx="1980000" cy="2960747"/>
+          </a:xfrm>
+          <a:prstGeom prst="rect">
+            <a:avLst/>
+          </a:prstGeom>
+        </p:spPr>
+      </p:pic>
+      <p:pic>
+        <p:nvPicPr>
+          <p:cNvPr id="9" name="Picture 8" descr="A person wearing glasses and looking at the camera&#10;&#10;Description automatically generated">
+            <a:extLst>
+              <a:ext uri="{FF2B5EF4-FFF2-40B4-BE49-F238E27FC236}">
+                <a16:creationId xmlns:a16="http://schemas.microsoft.com/office/drawing/2014/main" id="{2BBBF75C-8C1A-A24B-B64D-69C80FC80E98}"/>
+              </a:ext>
+            </a:extLst>
+          </p:cNvPr>
+          <p:cNvPicPr>
+            <a:picLocks noChangeAspect="1"/>
+          </p:cNvPicPr>
+          <p:nvPr/>
+        </p:nvPicPr>
+        <p:blipFill rotWithShape="1">
+          <a:blip r:embed="rId5"/>
+          <a:srcRect l="12600" t="-3006" r="14961" b="3006"/>
+          <a:stretch/>
+        </p:blipFill>
+        <p:spPr>
+          <a:xfrm>
+            <a:off x="289630" y="1725319"/>
+            <a:ext cx="1980000" cy="2934094"/>
+          </a:xfrm>
+          <a:prstGeom prst="rect">
+            <a:avLst/>
+          </a:prstGeom>
+        </p:spPr>
+      </p:pic>
+      <p:pic>
+        <p:nvPicPr>
+          <p:cNvPr id="12" name="Picture 11" descr="A person taking a selfie&#10;&#10;Description automatically generated">
+            <a:extLst>
+              <a:ext uri="{FF2B5EF4-FFF2-40B4-BE49-F238E27FC236}">
+                <a16:creationId xmlns:a16="http://schemas.microsoft.com/office/drawing/2014/main" id="{B26A4FDA-42D5-3240-96DB-7EFEC6C25B5E}"/>
+              </a:ext>
+            </a:extLst>
+          </p:cNvPr>
+          <p:cNvPicPr>
+            <a:picLocks noChangeAspect="1"/>
+          </p:cNvPicPr>
+          <p:nvPr/>
+        </p:nvPicPr>
+        <p:blipFill rotWithShape="1">
+          <a:blip r:embed="rId6"/>
+          <a:srcRect r="12500"/>
+          <a:stretch/>
+        </p:blipFill>
+        <p:spPr>
+          <a:xfrm>
+            <a:off x="7330069" y="1823293"/>
+            <a:ext cx="1980000" cy="3011941"/>
+          </a:xfrm>
+          <a:prstGeom prst="rect">
+            <a:avLst/>
+          </a:prstGeom>
+        </p:spPr>
+      </p:pic>
+      <p:pic>
+        <p:nvPicPr>
+          <p:cNvPr id="14" name="Picture 13" descr="A person wearing glasses&#10;&#10;Description automatically generated">
+            <a:extLst>
+              <a:ext uri="{FF2B5EF4-FFF2-40B4-BE49-F238E27FC236}">
+                <a16:creationId xmlns:a16="http://schemas.microsoft.com/office/drawing/2014/main" id="{BB70A25F-1EE9-1D4E-93E7-99DFA01BFD03}"/>
+              </a:ext>
+            </a:extLst>
+          </p:cNvPr>
+          <p:cNvPicPr>
+            <a:picLocks noChangeAspect="1"/>
+          </p:cNvPicPr>
+          <p:nvPr/>
+        </p:nvPicPr>
+        <p:blipFill>
+          <a:blip r:embed="rId7"/>
+          <a:stretch>
+            <a:fillRect/>
+          </a:stretch>
+        </p:blipFill>
+        <p:spPr>
+          <a:xfrm>
+            <a:off x="9655110" y="1711992"/>
+            <a:ext cx="1980000" cy="2960747"/>
+          </a:xfrm>
+          <a:prstGeom prst="rect">
+            <a:avLst/>
+          </a:prstGeom>
+        </p:spPr>
+      </p:pic>
+      <p:sp>
+        <p:nvSpPr>
+          <p:cNvPr id="15" name="TextBox 14">
+            <a:extLst>
+              <a:ext uri="{FF2B5EF4-FFF2-40B4-BE49-F238E27FC236}">
+                <a16:creationId xmlns:a16="http://schemas.microsoft.com/office/drawing/2014/main" id="{F3394174-74CF-3245-9FA6-BF7F005CFF4E}"/>
+              </a:ext>
+            </a:extLst>
+          </p:cNvPr>
+          <p:cNvSpPr txBox="1"/>
+          <p:nvPr/>
+        </p:nvSpPr>
+        <p:spPr>
+          <a:xfrm>
+            <a:off x="581362" y="5235728"/>
+            <a:ext cx="1396537" cy="1200329"/>
+          </a:xfrm>
+          <a:prstGeom prst="rect">
+            <a:avLst/>
+          </a:prstGeom>
+          <a:noFill/>
+        </p:spPr>
+        <p:txBody>
+          <a:bodyPr wrap="none" rtlCol="0">
+            <a:spAutoFit/>
+          </a:bodyPr>
+          <a:lstStyle/>
+          <a:p>
+            <a:pPr algn="ctr"/>
+            <a:r>
+              <a:rPr lang="en-US" sz="2400" b="1" dirty="0">
+                <a:solidFill>
+                  <a:schemeClr val="bg1"/>
+                </a:solidFill>
+              </a:rPr>
+              <a:t>Brandon</a:t>
+            </a:r>
+          </a:p>
+          <a:p>
+            <a:pPr algn="ctr"/>
+            <a:r>
+              <a:rPr lang="en-US" sz="2400" b="1" dirty="0">
+                <a:solidFill>
+                  <a:schemeClr val="bg1"/>
+                </a:solidFill>
+              </a:rPr>
+              <a:t>Moroney</a:t>
+            </a:r>
+          </a:p>
+          <a:p>
+            <a:pPr algn="ctr"/>
+            <a:r>
+              <a:rPr lang="en-US" sz="2400" b="1" dirty="0">
+                <a:solidFill>
+                  <a:schemeClr val="bg1"/>
+                </a:solidFill>
+              </a:rPr>
+              <a:t>s3832081</a:t>
+            </a:r>
+          </a:p>
+        </p:txBody>
+      </p:sp>
+      <p:sp>
+        <p:nvSpPr>
+          <p:cNvPr id="28" name="TextBox 27">
+            <a:extLst>
+              <a:ext uri="{FF2B5EF4-FFF2-40B4-BE49-F238E27FC236}">
+                <a16:creationId xmlns:a16="http://schemas.microsoft.com/office/drawing/2014/main" id="{FFA97202-B6F1-5146-8416-EEAC1CB8C299}"/>
+              </a:ext>
+            </a:extLst>
+          </p:cNvPr>
+          <p:cNvSpPr txBox="1"/>
+          <p:nvPr/>
+        </p:nvSpPr>
+        <p:spPr>
+          <a:xfrm>
+            <a:off x="2922735" y="5235727"/>
+            <a:ext cx="1396537" cy="1200329"/>
+          </a:xfrm>
+          <a:prstGeom prst="rect">
+            <a:avLst/>
+          </a:prstGeom>
+          <a:noFill/>
+        </p:spPr>
+        <p:txBody>
+          <a:bodyPr wrap="none" rtlCol="0">
+            <a:spAutoFit/>
+          </a:bodyPr>
+          <a:lstStyle/>
+          <a:p>
+            <a:pPr algn="ctr"/>
+            <a:r>
+              <a:rPr lang="en-US" sz="2400" b="1" dirty="0">
+                <a:solidFill>
+                  <a:schemeClr val="bg1"/>
+                </a:solidFill>
+              </a:rPr>
+              <a:t>Alex</a:t>
+            </a:r>
+          </a:p>
+          <a:p>
+            <a:pPr algn="ctr"/>
+            <a:r>
+              <a:rPr lang="en-US" sz="2400" b="1" dirty="0">
+                <a:solidFill>
+                  <a:schemeClr val="bg1"/>
+                </a:solidFill>
+              </a:rPr>
+              <a:t>Barron</a:t>
+            </a:r>
+          </a:p>
+          <a:p>
+            <a:pPr algn="ctr"/>
+            <a:r>
+              <a:rPr lang="en-US" sz="2400" b="1" dirty="0">
+                <a:solidFill>
+                  <a:schemeClr val="bg1"/>
+                </a:solidFill>
+              </a:rPr>
+              <a:t>s3831619</a:t>
+            </a:r>
+          </a:p>
+        </p:txBody>
+      </p:sp>
+      <p:sp>
+        <p:nvSpPr>
+          <p:cNvPr id="30" name="TextBox 29">
+            <a:extLst>
+              <a:ext uri="{FF2B5EF4-FFF2-40B4-BE49-F238E27FC236}">
+                <a16:creationId xmlns:a16="http://schemas.microsoft.com/office/drawing/2014/main" id="{4B72FA6B-D406-524E-ACC3-20F7FF93BE80}"/>
+              </a:ext>
+            </a:extLst>
+          </p:cNvPr>
+          <p:cNvSpPr txBox="1"/>
+          <p:nvPr/>
+        </p:nvSpPr>
+        <p:spPr>
+          <a:xfrm>
+            <a:off x="5264104" y="5235726"/>
+            <a:ext cx="1396537" cy="1200329"/>
+          </a:xfrm>
+          <a:prstGeom prst="rect">
+            <a:avLst/>
+          </a:prstGeom>
+          <a:noFill/>
+        </p:spPr>
+        <p:txBody>
+          <a:bodyPr wrap="none" rtlCol="0">
+            <a:spAutoFit/>
+          </a:bodyPr>
+          <a:lstStyle/>
+          <a:p>
+            <a:pPr algn="ctr"/>
+            <a:r>
+              <a:rPr lang="en-US" sz="2400" b="1" dirty="0">
+                <a:solidFill>
+                  <a:schemeClr val="bg1"/>
+                </a:solidFill>
+              </a:rPr>
+              <a:t>Natalie</a:t>
+            </a:r>
+          </a:p>
+          <a:p>
+            <a:pPr algn="ctr"/>
+            <a:r>
+              <a:rPr lang="en-US" sz="2400" b="1" dirty="0">
+                <a:solidFill>
+                  <a:schemeClr val="bg1"/>
+                </a:solidFill>
+              </a:rPr>
+              <a:t>Ogilvie</a:t>
+            </a:r>
+          </a:p>
+          <a:p>
+            <a:pPr algn="ctr"/>
+            <a:r>
+              <a:rPr lang="en-US" sz="2400" b="1" dirty="0">
+                <a:solidFill>
+                  <a:schemeClr val="bg1"/>
+                </a:solidFill>
+              </a:rPr>
+              <a:t>s3831618</a:t>
+            </a:r>
+          </a:p>
+        </p:txBody>
+      </p:sp>
+      <p:sp>
+        <p:nvSpPr>
+          <p:cNvPr id="32" name="TextBox 31">
+            <a:extLst>
+              <a:ext uri="{FF2B5EF4-FFF2-40B4-BE49-F238E27FC236}">
+                <a16:creationId xmlns:a16="http://schemas.microsoft.com/office/drawing/2014/main" id="{25ABD97A-6AAB-3140-BC31-AE7F6EE74B2C}"/>
+              </a:ext>
+            </a:extLst>
+          </p:cNvPr>
+          <p:cNvSpPr txBox="1"/>
+          <p:nvPr/>
+        </p:nvSpPr>
+        <p:spPr>
+          <a:xfrm>
+            <a:off x="7605473" y="5235725"/>
+            <a:ext cx="1396536" cy="1200329"/>
+          </a:xfrm>
+          <a:prstGeom prst="rect">
+            <a:avLst/>
+          </a:prstGeom>
+          <a:noFill/>
+        </p:spPr>
+        <p:txBody>
+          <a:bodyPr wrap="none" rtlCol="0">
+            <a:spAutoFit/>
+          </a:bodyPr>
+          <a:lstStyle/>
+          <a:p>
+            <a:pPr algn="ctr"/>
+            <a:r>
+              <a:rPr lang="en-US" sz="2400" b="1" dirty="0">
+                <a:solidFill>
+                  <a:schemeClr val="bg1"/>
+                </a:solidFill>
+              </a:rPr>
+              <a:t>Emily</a:t>
+            </a:r>
+          </a:p>
+          <a:p>
+            <a:pPr algn="ctr"/>
+            <a:r>
+              <a:rPr lang="en-US" sz="2400" b="1" dirty="0">
+                <a:solidFill>
+                  <a:schemeClr val="bg1"/>
+                </a:solidFill>
+              </a:rPr>
+              <a:t>Petrie</a:t>
+            </a:r>
+          </a:p>
+          <a:p>
+            <a:pPr algn="ctr"/>
+            <a:r>
+              <a:rPr lang="en-US" sz="2400" b="1" dirty="0">
+                <a:solidFill>
+                  <a:schemeClr val="bg1"/>
+                </a:solidFill>
+              </a:rPr>
+              <a:t>s3655611</a:t>
+            </a:r>
+          </a:p>
+        </p:txBody>
+      </p:sp>
+      <p:sp>
+        <p:nvSpPr>
+          <p:cNvPr id="38" name="TextBox 37">
+            <a:extLst>
+              <a:ext uri="{FF2B5EF4-FFF2-40B4-BE49-F238E27FC236}">
+                <a16:creationId xmlns:a16="http://schemas.microsoft.com/office/drawing/2014/main" id="{28C5014D-516B-0844-B695-9F7E48420CCB}"/>
+              </a:ext>
+            </a:extLst>
+          </p:cNvPr>
+          <p:cNvSpPr txBox="1"/>
+          <p:nvPr/>
+        </p:nvSpPr>
+        <p:spPr>
+          <a:xfrm>
+            <a:off x="9946843" y="5148359"/>
+            <a:ext cx="1396537" cy="1200329"/>
+          </a:xfrm>
+          <a:prstGeom prst="rect">
+            <a:avLst/>
+          </a:prstGeom>
+          <a:noFill/>
+        </p:spPr>
+        <p:txBody>
+          <a:bodyPr wrap="none" rtlCol="0">
+            <a:spAutoFit/>
+          </a:bodyPr>
+          <a:lstStyle/>
+          <a:p>
+            <a:pPr algn="ctr"/>
+            <a:r>
+              <a:rPr lang="en-US" sz="2400" b="1" dirty="0">
+                <a:solidFill>
+                  <a:schemeClr val="bg1"/>
+                </a:solidFill>
+              </a:rPr>
+              <a:t>Shane</a:t>
+            </a:r>
+          </a:p>
+          <a:p>
+            <a:pPr algn="ctr"/>
+            <a:r>
+              <a:rPr lang="en-US" sz="2400" b="1" dirty="0">
+                <a:solidFill>
+                  <a:schemeClr val="bg1"/>
+                </a:solidFill>
+              </a:rPr>
+              <a:t>Miller</a:t>
+            </a:r>
+          </a:p>
+          <a:p>
+            <a:pPr algn="ctr"/>
+            <a:r>
+              <a:rPr lang="en-US" sz="2400" b="1" dirty="0">
+                <a:solidFill>
+                  <a:schemeClr val="bg1"/>
+                </a:solidFill>
+              </a:rPr>
+              <a:t>s3427238</a:t>
+            </a:r>
+          </a:p>
+        </p:txBody>
+      </p:sp>
+      <p:sp>
+        <p:nvSpPr>
+          <p:cNvPr id="39" name="TextBox 38">
+            <a:extLst>
+              <a:ext uri="{FF2B5EF4-FFF2-40B4-BE49-F238E27FC236}">
+                <a16:creationId xmlns:a16="http://schemas.microsoft.com/office/drawing/2014/main" id="{8430EAAC-85C9-3B4A-8163-743AD4B18810}"/>
+              </a:ext>
+            </a:extLst>
+          </p:cNvPr>
+          <p:cNvSpPr txBox="1"/>
+          <p:nvPr/>
+        </p:nvSpPr>
+        <p:spPr>
+          <a:xfrm>
+            <a:off x="1649391" y="318007"/>
+            <a:ext cx="8625958" cy="707886"/>
+          </a:xfrm>
+          <a:prstGeom prst="rect">
+            <a:avLst/>
+          </a:prstGeom>
+          <a:noFill/>
+        </p:spPr>
+        <p:txBody>
+          <a:bodyPr wrap="square" rtlCol="0">
+            <a:spAutoFit/>
+          </a:bodyPr>
+          <a:lstStyle/>
+          <a:p>
+            <a:pPr algn="ctr"/>
+            <a:r>
+              <a:rPr lang="en-US" sz="4000" b="1" dirty="0">
+                <a:solidFill>
+                  <a:schemeClr val="bg1"/>
+                </a:solidFill>
+              </a:rPr>
+              <a:t>Group A12</a:t>
+            </a:r>
+          </a:p>
+        </p:txBody>
+      </p:sp>
+      <p:sp>
+        <p:nvSpPr>
+          <p:cNvPr id="17" name="Frame 16">
+            <a:extLst>
+              <a:ext uri="{FF2B5EF4-FFF2-40B4-BE49-F238E27FC236}">
+                <a16:creationId xmlns:a16="http://schemas.microsoft.com/office/drawing/2014/main" id="{47381E2D-7436-B04D-B314-46E3E7A4A2FA}"/>
+              </a:ext>
+            </a:extLst>
+          </p:cNvPr>
+          <p:cNvSpPr/>
+          <p:nvPr/>
+        </p:nvSpPr>
+        <p:spPr>
+          <a:xfrm>
+            <a:off x="0" y="1602208"/>
+            <a:ext cx="2481943" cy="3312692"/>
+          </a:xfrm>
+          <a:prstGeom prst="frame">
+            <a:avLst/>
+          </a:prstGeom>
+          <a:solidFill>
+            <a:schemeClr val="tx1"/>
+          </a:solidFill>
+          <a:ln>
+            <a:solidFill>
+              <a:schemeClr val="tx1"/>
+            </a:solidFill>
+          </a:ln>
+        </p:spPr>
+        <p:style>
+          <a:lnRef idx="2">
+            <a:schemeClr val="accent1">
+              <a:shade val="50000"/>
+            </a:schemeClr>
+          </a:lnRef>
+          <a:fillRef idx="1">
+            <a:schemeClr val="accent1"/>
+          </a:fillRef>
+          <a:effectRef idx="0">
+            <a:schemeClr val="accent1"/>
+          </a:effectRef>
+          <a:fontRef idx="minor">
+            <a:schemeClr val="lt1"/>
+          </a:fontRef>
+        </p:style>
+        <p:txBody>
+          <a:bodyPr rtlCol="0" anchor="ctr"/>
+          <a:lstStyle/>
+          <a:p>
+            <a:pPr algn="ctr"/>
+            <a:endParaRPr lang="en-US">
+              <a:solidFill>
+                <a:schemeClr val="tx1"/>
+              </a:solidFill>
+            </a:endParaRPr>
+          </a:p>
+        </p:txBody>
+      </p:sp>
+      <p:sp>
+        <p:nvSpPr>
+          <p:cNvPr id="41" name="Frame 40">
+            <a:extLst>
+              <a:ext uri="{FF2B5EF4-FFF2-40B4-BE49-F238E27FC236}">
+                <a16:creationId xmlns:a16="http://schemas.microsoft.com/office/drawing/2014/main" id="{EED01159-798C-AC4A-A177-0DD061E499A2}"/>
+              </a:ext>
+            </a:extLst>
+          </p:cNvPr>
+          <p:cNvSpPr/>
+          <p:nvPr/>
+        </p:nvSpPr>
+        <p:spPr>
+          <a:xfrm>
+            <a:off x="2380028" y="1602208"/>
+            <a:ext cx="2481943" cy="3312692"/>
+          </a:xfrm>
+          <a:prstGeom prst="frame">
+            <a:avLst/>
+          </a:prstGeom>
+          <a:solidFill>
+            <a:schemeClr val="tx1"/>
+          </a:solidFill>
+          <a:ln>
+            <a:solidFill>
+              <a:schemeClr val="tx1"/>
+            </a:solidFill>
+          </a:ln>
+        </p:spPr>
+        <p:style>
+          <a:lnRef idx="2">
+            <a:schemeClr val="accent1">
+              <a:shade val="50000"/>
+            </a:schemeClr>
+          </a:lnRef>
+          <a:fillRef idx="1">
+            <a:schemeClr val="accent1"/>
+          </a:fillRef>
+          <a:effectRef idx="0">
+            <a:schemeClr val="accent1"/>
+          </a:effectRef>
+          <a:fontRef idx="minor">
+            <a:schemeClr val="lt1"/>
+          </a:fontRef>
+        </p:style>
+        <p:txBody>
+          <a:bodyPr rtlCol="0" anchor="ctr"/>
+          <a:lstStyle/>
+          <a:p>
+            <a:pPr algn="ctr"/>
+            <a:endParaRPr lang="en-US">
+              <a:solidFill>
+                <a:schemeClr val="tx1"/>
+              </a:solidFill>
+            </a:endParaRPr>
+          </a:p>
+        </p:txBody>
+      </p:sp>
+      <p:sp>
+        <p:nvSpPr>
+          <p:cNvPr id="42" name="Frame 41">
+            <a:extLst>
+              <a:ext uri="{FF2B5EF4-FFF2-40B4-BE49-F238E27FC236}">
+                <a16:creationId xmlns:a16="http://schemas.microsoft.com/office/drawing/2014/main" id="{60758A44-6C90-BA49-BB26-F4F34BB4DE85}"/>
+              </a:ext>
+            </a:extLst>
+          </p:cNvPr>
+          <p:cNvSpPr/>
+          <p:nvPr/>
+        </p:nvSpPr>
+        <p:spPr>
+          <a:xfrm>
+            <a:off x="4760056" y="1600540"/>
+            <a:ext cx="2481943" cy="3312692"/>
+          </a:xfrm>
+          <a:prstGeom prst="frame">
+            <a:avLst/>
+          </a:prstGeom>
+          <a:solidFill>
+            <a:schemeClr val="tx1"/>
+          </a:solidFill>
+          <a:ln>
+            <a:solidFill>
+              <a:schemeClr val="tx1"/>
+            </a:solidFill>
+          </a:ln>
+        </p:spPr>
+        <p:style>
+          <a:lnRef idx="2">
+            <a:schemeClr val="accent1">
+              <a:shade val="50000"/>
+            </a:schemeClr>
+          </a:lnRef>
+          <a:fillRef idx="1">
+            <a:schemeClr val="accent1"/>
+          </a:fillRef>
+          <a:effectRef idx="0">
+            <a:schemeClr val="accent1"/>
+          </a:effectRef>
+          <a:fontRef idx="minor">
+            <a:schemeClr val="lt1"/>
+          </a:fontRef>
+        </p:style>
+        <p:txBody>
+          <a:bodyPr rtlCol="0" anchor="ctr"/>
+          <a:lstStyle/>
+          <a:p>
+            <a:pPr algn="ctr"/>
+            <a:endParaRPr lang="en-US">
+              <a:solidFill>
+                <a:schemeClr val="tx1"/>
+              </a:solidFill>
+            </a:endParaRPr>
+          </a:p>
+        </p:txBody>
+      </p:sp>
+      <p:sp>
+        <p:nvSpPr>
+          <p:cNvPr id="43" name="Frame 42">
+            <a:extLst>
+              <a:ext uri="{FF2B5EF4-FFF2-40B4-BE49-F238E27FC236}">
+                <a16:creationId xmlns:a16="http://schemas.microsoft.com/office/drawing/2014/main" id="{8B5AA2EF-2B9A-A045-8716-0C51B424CF0C}"/>
+              </a:ext>
+            </a:extLst>
+          </p:cNvPr>
+          <p:cNvSpPr/>
+          <p:nvPr/>
+        </p:nvSpPr>
+        <p:spPr>
+          <a:xfrm>
+            <a:off x="7140084" y="1600540"/>
+            <a:ext cx="2481943" cy="3312692"/>
+          </a:xfrm>
+          <a:prstGeom prst="frame">
+            <a:avLst/>
+          </a:prstGeom>
+          <a:solidFill>
+            <a:schemeClr val="tx1"/>
+          </a:solidFill>
+          <a:ln>
+            <a:solidFill>
+              <a:schemeClr val="tx1"/>
+            </a:solidFill>
+          </a:ln>
+        </p:spPr>
+        <p:style>
+          <a:lnRef idx="2">
+            <a:schemeClr val="accent1">
+              <a:shade val="50000"/>
+            </a:schemeClr>
+          </a:lnRef>
+          <a:fillRef idx="1">
+            <a:schemeClr val="accent1"/>
+          </a:fillRef>
+          <a:effectRef idx="0">
+            <a:schemeClr val="accent1"/>
+          </a:effectRef>
+          <a:fontRef idx="minor">
+            <a:schemeClr val="lt1"/>
+          </a:fontRef>
+        </p:style>
+        <p:txBody>
+          <a:bodyPr rtlCol="0" anchor="ctr"/>
+          <a:lstStyle/>
+          <a:p>
+            <a:pPr algn="ctr"/>
+            <a:endParaRPr lang="en-US">
+              <a:solidFill>
+                <a:schemeClr val="tx1"/>
+              </a:solidFill>
+            </a:endParaRPr>
+          </a:p>
+        </p:txBody>
+      </p:sp>
+      <p:sp>
+        <p:nvSpPr>
+          <p:cNvPr id="44" name="Frame 43">
+            <a:extLst>
+              <a:ext uri="{FF2B5EF4-FFF2-40B4-BE49-F238E27FC236}">
+                <a16:creationId xmlns:a16="http://schemas.microsoft.com/office/drawing/2014/main" id="{5C52CD96-A79E-AC43-AD8A-D4110DCAC49C}"/>
+              </a:ext>
+            </a:extLst>
+          </p:cNvPr>
+          <p:cNvSpPr/>
+          <p:nvPr/>
+        </p:nvSpPr>
+        <p:spPr>
+          <a:xfrm>
+            <a:off x="9404138" y="1600540"/>
+            <a:ext cx="2481943" cy="3312692"/>
+          </a:xfrm>
+          <a:prstGeom prst="frame">
+            <a:avLst/>
+          </a:prstGeom>
+          <a:solidFill>
+            <a:schemeClr val="tx1"/>
+          </a:solidFill>
+          <a:ln>
+            <a:solidFill>
+              <a:schemeClr val="tx1"/>
+            </a:solidFill>
+          </a:ln>
+        </p:spPr>
+        <p:style>
+          <a:lnRef idx="2">
+            <a:schemeClr val="accent1">
+              <a:shade val="50000"/>
+            </a:schemeClr>
+          </a:lnRef>
+          <a:fillRef idx="1">
+            <a:schemeClr val="accent1"/>
+          </a:fillRef>
+          <a:effectRef idx="0">
+            <a:schemeClr val="accent1"/>
+          </a:effectRef>
+          <a:fontRef idx="minor">
+            <a:schemeClr val="lt1"/>
+          </a:fontRef>
+        </p:style>
+        <p:txBody>
+          <a:bodyPr rtlCol="0" anchor="ctr"/>
+          <a:lstStyle/>
+          <a:p>
+            <a:pPr algn="ctr"/>
+            <a:endParaRPr lang="en-US">
+              <a:solidFill>
+                <a:schemeClr val="tx1"/>
+              </a:solidFill>
+            </a:endParaRPr>
+          </a:p>
+        </p:txBody>
+      </p:sp>
+      <p:sp>
+        <p:nvSpPr>
+          <p:cNvPr id="46" name="Rectangle 45">
+            <a:extLst>
+              <a:ext uri="{FF2B5EF4-FFF2-40B4-BE49-F238E27FC236}">
+                <a16:creationId xmlns:a16="http://schemas.microsoft.com/office/drawing/2014/main" id="{80035A79-BEE8-AD42-BB2A-645598DF8201}"/>
+              </a:ext>
+            </a:extLst>
+          </p:cNvPr>
+          <p:cNvSpPr/>
+          <p:nvPr/>
+        </p:nvSpPr>
+        <p:spPr>
+          <a:xfrm>
+            <a:off x="11767532" y="1450491"/>
+            <a:ext cx="425235" cy="3697868"/>
+          </a:xfrm>
+          <a:prstGeom prst="rect">
+            <a:avLst/>
+          </a:prstGeom>
+        </p:spPr>
+        <p:style>
+          <a:lnRef idx="2">
+            <a:schemeClr val="dk1">
+              <a:shade val="50000"/>
+            </a:schemeClr>
+          </a:lnRef>
+          <a:fillRef idx="1">
+            <a:schemeClr val="dk1"/>
+          </a:fillRef>
+          <a:effectRef idx="0">
+            <a:schemeClr val="dk1"/>
+          </a:effectRef>
+          <a:fontRef idx="minor">
+            <a:schemeClr val="lt1"/>
+          </a:fontRef>
+        </p:style>
+        <p:txBody>
+          <a:bodyPr rtlCol="0" anchor="ctr"/>
+          <a:lstStyle/>
+          <a:p>
+            <a:pPr algn="ctr"/>
+            <a:endParaRPr lang="en-US"/>
+          </a:p>
+        </p:txBody>
+      </p:sp>
+    </p:spTree>
+    <p:extLst>
+      <p:ext uri="{BB962C8B-B14F-4D97-AF65-F5344CB8AC3E}">
+        <p14:creationId xmlns:p14="http://schemas.microsoft.com/office/powerpoint/2010/main" val="2482607657"/>
+      </p:ext>
+    </p:extLst>
+  </p:cSld>
+  <p:clrMapOvr>
+    <a:masterClrMapping/>
+  </p:clrMapOvr>
+</p:sld>
+</file>
+
+<file path=ppt/slides/slide4.xml><?xml version="1.0" encoding="utf-8"?>
+<p:sld xmlns:a="http://schemas.openxmlformats.org/drawingml/2006/main" xmlns:r="http://schemas.openxmlformats.org/officeDocument/2006/relationships" xmlns:p="http://schemas.openxmlformats.org/presentationml/2006/main">
+  <p:cSld>
+    <p:spTree>
+      <p:nvGrpSpPr>
+        <p:cNvPr id="1" name=""/>
+        <p:cNvGrpSpPr/>
+        <p:nvPr/>
+      </p:nvGrpSpPr>
+      <p:grpSpPr>
+        <a:xfrm>
+          <a:off x="0" y="0"/>
+          <a:ext cx="0" cy="0"/>
+          <a:chOff x="0" y="0"/>
+          <a:chExt cx="0" cy="0"/>
+        </a:xfrm>
+      </p:grpSpPr>
+      <p:pic>
+        <p:nvPicPr>
+          <p:cNvPr id="6" name="Content Placeholder 5" descr="A close up of a logo&#10;&#10;Description automatically generated">
+            <a:extLst>
+              <a:ext uri="{FF2B5EF4-FFF2-40B4-BE49-F238E27FC236}">
+                <a16:creationId xmlns:a16="http://schemas.microsoft.com/office/drawing/2014/main" id="{0B06EC09-B636-E64E-A526-FF4C6FE347EB}"/>
+              </a:ext>
+            </a:extLst>
+          </p:cNvPr>
+          <p:cNvPicPr>
+            <a:picLocks noGrp="1" noChangeAspect="1"/>
+          </p:cNvPicPr>
+          <p:nvPr>
+            <p:ph idx="1"/>
+          </p:nvPr>
+        </p:nvPicPr>
+        <p:blipFill>
+          <a:blip r:embed="rId2"/>
+          <a:stretch>
+            <a:fillRect/>
+          </a:stretch>
+        </p:blipFill>
+        <p:spPr>
+          <a:xfrm>
+            <a:off x="1139870" y="717036"/>
+            <a:ext cx="9912259" cy="5423928"/>
+          </a:xfrm>
+        </p:spPr>
+      </p:pic>
+    </p:spTree>
+    <p:extLst>
+      <p:ext uri="{BB962C8B-B14F-4D97-AF65-F5344CB8AC3E}">
+        <p14:creationId xmlns:p14="http://schemas.microsoft.com/office/powerpoint/2010/main" val="1314838980"/>
+      </p:ext>
+    </p:extLst>
+  </p:cSld>
+  <p:clrMapOvr>
+    <a:masterClrMapping/>
+  </p:clrMapOvr>
+</p:sld>
+</file>
+
+<file path=ppt/slides/slide5.xml><?xml version="1.0" encoding="utf-8"?>
+<p:sld xmlns:a="http://schemas.openxmlformats.org/drawingml/2006/main" xmlns:r="http://schemas.openxmlformats.org/officeDocument/2006/relationships" xmlns:p="http://schemas.openxmlformats.org/presentationml/2006/main">
+  <p:cSld>
+    <p:spTree>
+      <p:nvGrpSpPr>
+        <p:cNvPr id="1" name=""/>
+        <p:cNvGrpSpPr/>
+        <p:nvPr/>
+      </p:nvGrpSpPr>
+      <p:grpSpPr>
+        <a:xfrm>
+          <a:off x="0" y="0"/>
+          <a:ext cx="0" cy="0"/>
+          <a:chOff x="0" y="0"/>
+          <a:chExt cx="0" cy="0"/>
+        </a:xfrm>
+      </p:grpSpPr>
+      <p:sp>
+        <p:nvSpPr>
+          <p:cNvPr id="4" name="Rounded Rectangle 3">
+            <a:extLst>
+              <a:ext uri="{FF2B5EF4-FFF2-40B4-BE49-F238E27FC236}">
+                <a16:creationId xmlns:a16="http://schemas.microsoft.com/office/drawing/2014/main" id="{F7035DF9-BE59-6345-B91C-B561D52AEE4E}"/>
+              </a:ext>
+            </a:extLst>
+          </p:cNvPr>
+          <p:cNvSpPr/>
+          <p:nvPr/>
+        </p:nvSpPr>
+        <p:spPr>
+          <a:xfrm>
+            <a:off x="478972" y="636814"/>
+            <a:ext cx="5617028" cy="522515"/>
+          </a:xfrm>
+          <a:prstGeom prst="roundRect">
+            <a:avLst/>
+          </a:prstGeom>
+        </p:spPr>
+        <p:style>
+          <a:lnRef idx="2">
+            <a:schemeClr val="dk1">
+              <a:shade val="50000"/>
+            </a:schemeClr>
+          </a:lnRef>
+          <a:fillRef idx="1">
+            <a:schemeClr val="dk1"/>
+          </a:fillRef>
+          <a:effectRef idx="0">
+            <a:schemeClr val="dk1"/>
+          </a:effectRef>
+          <a:fontRef idx="minor">
+            <a:schemeClr val="lt1"/>
+          </a:fontRef>
+        </p:style>
+        <p:txBody>
+          <a:bodyPr rtlCol="0" anchor="ctr"/>
+          <a:lstStyle/>
+          <a:p>
+            <a:pPr algn="ctr"/>
+            <a:endParaRPr lang="en-US" dirty="0"/>
+          </a:p>
+        </p:txBody>
+      </p:sp>
+      <p:sp>
+        <p:nvSpPr>
+          <p:cNvPr id="6" name="Rounded Rectangle 5">
+            <a:extLst>
+              <a:ext uri="{FF2B5EF4-FFF2-40B4-BE49-F238E27FC236}">
+                <a16:creationId xmlns:a16="http://schemas.microsoft.com/office/drawing/2014/main" id="{7220A73E-BCEE-9C47-9103-28781E7A9FDD}"/>
+              </a:ext>
+            </a:extLst>
+          </p:cNvPr>
+          <p:cNvSpPr/>
+          <p:nvPr/>
+        </p:nvSpPr>
+        <p:spPr>
+          <a:xfrm>
+            <a:off x="478972" y="1464126"/>
+            <a:ext cx="5617028" cy="522515"/>
+          </a:xfrm>
+          <a:prstGeom prst="roundRect">
+            <a:avLst/>
+          </a:prstGeom>
+        </p:spPr>
+        <p:style>
+          <a:lnRef idx="2">
+            <a:schemeClr val="dk1">
+              <a:shade val="50000"/>
+            </a:schemeClr>
+          </a:lnRef>
+          <a:fillRef idx="1">
+            <a:schemeClr val="dk1"/>
+          </a:fillRef>
+          <a:effectRef idx="0">
+            <a:schemeClr val="dk1"/>
+          </a:effectRef>
+          <a:fontRef idx="minor">
+            <a:schemeClr val="lt1"/>
+          </a:fontRef>
+        </p:style>
+        <p:txBody>
+          <a:bodyPr rtlCol="0" anchor="ctr"/>
+          <a:lstStyle/>
+          <a:p>
+            <a:pPr algn="ctr"/>
+            <a:endParaRPr lang="en-US" dirty="0"/>
+          </a:p>
+        </p:txBody>
+      </p:sp>
+      <p:sp>
+        <p:nvSpPr>
+          <p:cNvPr id="7" name="Rounded Rectangle 6">
+            <a:extLst>
+              <a:ext uri="{FF2B5EF4-FFF2-40B4-BE49-F238E27FC236}">
+                <a16:creationId xmlns:a16="http://schemas.microsoft.com/office/drawing/2014/main" id="{EC4564E0-B327-2B4E-9802-66009F423926}"/>
+              </a:ext>
+            </a:extLst>
+          </p:cNvPr>
+          <p:cNvSpPr/>
+          <p:nvPr/>
+        </p:nvSpPr>
+        <p:spPr>
+          <a:xfrm>
+            <a:off x="478972" y="2296883"/>
+            <a:ext cx="5617028" cy="522515"/>
+          </a:xfrm>
+          <a:prstGeom prst="roundRect">
+            <a:avLst/>
+          </a:prstGeom>
+        </p:spPr>
+        <p:style>
+          <a:lnRef idx="2">
+            <a:schemeClr val="dk1">
+              <a:shade val="50000"/>
+            </a:schemeClr>
+          </a:lnRef>
+          <a:fillRef idx="1">
+            <a:schemeClr val="dk1"/>
+          </a:fillRef>
+          <a:effectRef idx="0">
+            <a:schemeClr val="dk1"/>
+          </a:effectRef>
+          <a:fontRef idx="minor">
+            <a:schemeClr val="lt1"/>
+          </a:fontRef>
+        </p:style>
+        <p:txBody>
+          <a:bodyPr rtlCol="0" anchor="ctr"/>
+          <a:lstStyle/>
+          <a:p>
+            <a:pPr algn="ctr"/>
+            <a:endParaRPr lang="en-US" dirty="0"/>
+          </a:p>
+        </p:txBody>
+      </p:sp>
+      <p:sp>
+        <p:nvSpPr>
+          <p:cNvPr id="9" name="Rounded Rectangle 8">
+            <a:extLst>
+              <a:ext uri="{FF2B5EF4-FFF2-40B4-BE49-F238E27FC236}">
+                <a16:creationId xmlns:a16="http://schemas.microsoft.com/office/drawing/2014/main" id="{1A706023-13D3-FD47-BF30-F732702A2730}"/>
+              </a:ext>
+            </a:extLst>
+          </p:cNvPr>
+          <p:cNvSpPr/>
+          <p:nvPr/>
+        </p:nvSpPr>
+        <p:spPr>
+          <a:xfrm>
+            <a:off x="478972" y="3129640"/>
+            <a:ext cx="5617028" cy="522515"/>
+          </a:xfrm>
+          <a:prstGeom prst="roundRect">
+            <a:avLst/>
+          </a:prstGeom>
+        </p:spPr>
+        <p:style>
+          <a:lnRef idx="2">
+            <a:schemeClr val="dk1">
+              <a:shade val="50000"/>
+            </a:schemeClr>
+          </a:lnRef>
+          <a:fillRef idx="1">
+            <a:schemeClr val="dk1"/>
+          </a:fillRef>
+          <a:effectRef idx="0">
+            <a:schemeClr val="dk1"/>
+          </a:effectRef>
+          <a:fontRef idx="minor">
+            <a:schemeClr val="lt1"/>
+          </a:fontRef>
+        </p:style>
+        <p:txBody>
+          <a:bodyPr rtlCol="0" anchor="ctr"/>
+          <a:lstStyle/>
+          <a:p>
+            <a:pPr algn="ctr"/>
+            <a:endParaRPr lang="en-US" dirty="0"/>
+          </a:p>
+        </p:txBody>
+      </p:sp>
+      <p:sp>
+        <p:nvSpPr>
+          <p:cNvPr id="10" name="TextBox 9">
+            <a:extLst>
+              <a:ext uri="{FF2B5EF4-FFF2-40B4-BE49-F238E27FC236}">
+                <a16:creationId xmlns:a16="http://schemas.microsoft.com/office/drawing/2014/main" id="{F2EA30D6-23AE-B54D-AB93-F859541CB508}"/>
+              </a:ext>
+            </a:extLst>
+          </p:cNvPr>
+          <p:cNvSpPr txBox="1"/>
+          <p:nvPr/>
+        </p:nvSpPr>
+        <p:spPr>
+          <a:xfrm>
+            <a:off x="478973" y="706602"/>
+            <a:ext cx="5617028" cy="369332"/>
+          </a:xfrm>
+          <a:prstGeom prst="rect">
+            <a:avLst/>
+          </a:prstGeom>
+          <a:noFill/>
+        </p:spPr>
+        <p:txBody>
+          <a:bodyPr wrap="square" rtlCol="0">
+            <a:spAutoFit/>
+          </a:bodyPr>
+          <a:lstStyle/>
+          <a:p>
+            <a:pPr algn="ctr"/>
+            <a:r>
+              <a:rPr lang="en-US" dirty="0">
+                <a:solidFill>
+                  <a:schemeClr val="bg1"/>
+                </a:solidFill>
+              </a:rPr>
+              <a:t>Brandon Moroney – Lead Web Engineer – </a:t>
+            </a:r>
+            <a:r>
+              <a:rPr lang="en-US" dirty="0" err="1">
+                <a:solidFill>
+                  <a:schemeClr val="bg1"/>
+                </a:solidFill>
+              </a:rPr>
+              <a:t>Prosight</a:t>
+            </a:r>
+            <a:endParaRPr lang="en-US" dirty="0">
+              <a:solidFill>
+                <a:schemeClr val="bg1"/>
+              </a:solidFill>
+            </a:endParaRPr>
+          </a:p>
+        </p:txBody>
+      </p:sp>
+      <p:sp>
+        <p:nvSpPr>
+          <p:cNvPr id="11" name="TextBox 10">
+            <a:extLst>
+              <a:ext uri="{FF2B5EF4-FFF2-40B4-BE49-F238E27FC236}">
+                <a16:creationId xmlns:a16="http://schemas.microsoft.com/office/drawing/2014/main" id="{AE4D10CB-7E8F-8248-851B-8FDFE5329D26}"/>
+              </a:ext>
+            </a:extLst>
+          </p:cNvPr>
+          <p:cNvSpPr txBox="1"/>
+          <p:nvPr/>
+        </p:nvSpPr>
+        <p:spPr>
+          <a:xfrm>
+            <a:off x="478973" y="1527501"/>
+            <a:ext cx="5617028" cy="369332"/>
+          </a:xfrm>
+          <a:prstGeom prst="rect">
+            <a:avLst/>
+          </a:prstGeom>
+          <a:noFill/>
+        </p:spPr>
+        <p:txBody>
+          <a:bodyPr wrap="square" rtlCol="0">
+            <a:spAutoFit/>
+          </a:bodyPr>
+          <a:lstStyle/>
+          <a:p>
+            <a:pPr algn="ctr"/>
+            <a:r>
+              <a:rPr lang="en-US" dirty="0">
+                <a:solidFill>
+                  <a:schemeClr val="bg1"/>
+                </a:solidFill>
+              </a:rPr>
+              <a:t>Natalie Ogilvie – Lead Designer – </a:t>
+            </a:r>
+            <a:r>
+              <a:rPr lang="en-US" dirty="0" err="1">
+                <a:solidFill>
+                  <a:schemeClr val="bg1"/>
+                </a:solidFill>
+              </a:rPr>
+              <a:t>Prosight</a:t>
+            </a:r>
+            <a:endParaRPr lang="en-US" dirty="0">
+              <a:solidFill>
+                <a:schemeClr val="bg1"/>
+              </a:solidFill>
+            </a:endParaRPr>
+          </a:p>
+        </p:txBody>
+      </p:sp>
+      <p:sp>
+        <p:nvSpPr>
+          <p:cNvPr id="12" name="TextBox 11">
+            <a:extLst>
+              <a:ext uri="{FF2B5EF4-FFF2-40B4-BE49-F238E27FC236}">
+                <a16:creationId xmlns:a16="http://schemas.microsoft.com/office/drawing/2014/main" id="{F0D70B21-C90C-284E-AA7A-62313E7F18BD}"/>
+              </a:ext>
+            </a:extLst>
+          </p:cNvPr>
+          <p:cNvSpPr txBox="1"/>
+          <p:nvPr/>
+        </p:nvSpPr>
+        <p:spPr>
+          <a:xfrm>
+            <a:off x="478972" y="2373474"/>
+            <a:ext cx="5617027" cy="369332"/>
+          </a:xfrm>
+          <a:prstGeom prst="rect">
+            <a:avLst/>
+          </a:prstGeom>
+          <a:noFill/>
+        </p:spPr>
+        <p:txBody>
+          <a:bodyPr wrap="square" rtlCol="0">
+            <a:spAutoFit/>
+          </a:bodyPr>
+          <a:lstStyle/>
+          <a:p>
+            <a:pPr algn="ctr"/>
+            <a:r>
+              <a:rPr lang="en-US" dirty="0">
+                <a:solidFill>
+                  <a:schemeClr val="bg1"/>
+                </a:solidFill>
+              </a:rPr>
+              <a:t>Emily Petrie – Lead Test Engineer – </a:t>
+            </a:r>
+            <a:r>
+              <a:rPr lang="en-US" dirty="0" err="1">
+                <a:solidFill>
+                  <a:schemeClr val="bg1"/>
+                </a:solidFill>
+              </a:rPr>
+              <a:t>Prosight</a:t>
+            </a:r>
+            <a:endParaRPr lang="en-US" dirty="0">
+              <a:solidFill>
+                <a:schemeClr val="bg1"/>
+              </a:solidFill>
+            </a:endParaRPr>
+          </a:p>
+        </p:txBody>
+      </p:sp>
+      <p:sp>
+        <p:nvSpPr>
+          <p:cNvPr id="13" name="TextBox 12">
+            <a:extLst>
+              <a:ext uri="{FF2B5EF4-FFF2-40B4-BE49-F238E27FC236}">
+                <a16:creationId xmlns:a16="http://schemas.microsoft.com/office/drawing/2014/main" id="{2BCB86F5-5AB1-7C4D-AFFF-57C66F750655}"/>
+              </a:ext>
+            </a:extLst>
+          </p:cNvPr>
+          <p:cNvSpPr txBox="1"/>
+          <p:nvPr/>
+        </p:nvSpPr>
+        <p:spPr>
+          <a:xfrm>
+            <a:off x="478972" y="3208955"/>
+            <a:ext cx="5617027" cy="369332"/>
+          </a:xfrm>
+          <a:prstGeom prst="rect">
+            <a:avLst/>
+          </a:prstGeom>
+          <a:noFill/>
+        </p:spPr>
+        <p:txBody>
+          <a:bodyPr wrap="square" rtlCol="0">
+            <a:spAutoFit/>
+          </a:bodyPr>
+          <a:lstStyle/>
+          <a:p>
+            <a:pPr algn="ctr"/>
+            <a:r>
+              <a:rPr lang="en-US" dirty="0">
+                <a:solidFill>
+                  <a:schemeClr val="bg1"/>
+                </a:solidFill>
+              </a:rPr>
+              <a:t>Shane Miller – Lead Data Engineer – </a:t>
+            </a:r>
+            <a:r>
+              <a:rPr lang="en-US" dirty="0" err="1">
+                <a:solidFill>
+                  <a:schemeClr val="bg1"/>
+                </a:solidFill>
+              </a:rPr>
+              <a:t>Prosight</a:t>
+            </a:r>
+            <a:endParaRPr lang="en-US" dirty="0">
+              <a:solidFill>
+                <a:schemeClr val="bg1"/>
+              </a:solidFill>
+            </a:endParaRPr>
+          </a:p>
+        </p:txBody>
+      </p:sp>
+    </p:spTree>
+    <p:extLst>
+      <p:ext uri="{BB962C8B-B14F-4D97-AF65-F5344CB8AC3E}">
+        <p14:creationId xmlns:p14="http://schemas.microsoft.com/office/powerpoint/2010/main" val="4274355703"/>
       </p:ext>
     </p:extLst>
   </p:cSld>
@@ -5907,7 +7930,7 @@
           <p:cNvPr id="2" name="Title 1">
             <a:extLst>
               <a:ext uri="{FF2B5EF4-FFF2-40B4-BE49-F238E27FC236}">
-                <a16:creationId xmlns:a16="http://schemas.microsoft.com/office/drawing/2014/main" id="{B9395550-3173-2F44-A17F-ECB8F46226BF}"/>
+                <a16:creationId xmlns:a16="http://schemas.microsoft.com/office/drawing/2014/main" id="{AF6B02FC-3501-2E4D-ACF5-E7CC637787FF}"/>
               </a:ext>
             </a:extLst>
           </p:cNvPr>
@@ -5925,7 +7948,7 @@
           <a:p>
             <a:r>
               <a:rPr lang="en-US" dirty="0"/>
-              <a:t>What is the problem – Script - Brandon</a:t>
+              <a:t>Key points</a:t>
             </a:r>
           </a:p>
         </p:txBody>
@@ -5935,7 +7958,7 @@
           <p:cNvPr id="3" name="Content Placeholder 2">
             <a:extLst>
               <a:ext uri="{FF2B5EF4-FFF2-40B4-BE49-F238E27FC236}">
-                <a16:creationId xmlns:a16="http://schemas.microsoft.com/office/drawing/2014/main" id="{3EBFF5F1-1C5E-504D-BF65-3ECE78597D6D}"/>
+                <a16:creationId xmlns:a16="http://schemas.microsoft.com/office/drawing/2014/main" id="{84048969-D2EF-9841-8E0B-112A49E0E98F}"/>
               </a:ext>
             </a:extLst>
           </p:cNvPr>
@@ -5948,35 +7971,50 @@
         </p:nvSpPr>
         <p:spPr/>
         <p:txBody>
-          <a:bodyPr>
-            <a:normAutofit/>
-          </a:bodyPr>
+          <a:bodyPr/>
           <a:lstStyle/>
           <a:p>
             <a:r>
               <a:rPr lang="en-US" dirty="0"/>
-              <a:t>Talk about the problems being faced today, </a:t>
+              <a:t>Include </a:t>
             </a:r>
             <a:r>
               <a:rPr lang="en-US" dirty="0" err="1"/>
-              <a:t>eg</a:t>
+              <a:t>colour</a:t>
             </a:r>
             <a:r>
               <a:rPr lang="en-US" dirty="0"/>
-              <a:t> </a:t>
-            </a:r>
-            <a:r>
-              <a:rPr lang="en-AU" dirty="0"/>
-              <a:t>A 2018 report titled Programme for International Student Assessment (PISA) details the long-term decline in Australian students in Science, Reading and Mathematics subjects in comparison to Chinese students. Specifically, the report details that Australian students are on average 3.5 years behind Chinese students in mathematics.</a:t>
-            </a:r>
-          </a:p>
-          <a:p>
-            <a:endParaRPr lang="en-AU" dirty="0"/>
-          </a:p>
-          <a:p>
-            <a:r>
-              <a:rPr lang="en-AU" dirty="0"/>
-              <a:t>Online learning is harder, people don’t know how to learn best etc.  With classrooms, students learn in different ways etc. </a:t>
+              <a:t> and graphics</a:t>
+            </a:r>
+          </a:p>
+          <a:p>
+            <a:endParaRPr lang="en-US" dirty="0"/>
+          </a:p>
+          <a:p>
+            <a:r>
+              <a:rPr lang="en-US" dirty="0"/>
+              <a:t>Intro</a:t>
+            </a:r>
+          </a:p>
+          <a:p>
+            <a:r>
+              <a:rPr lang="en-US" dirty="0"/>
+              <a:t>Structure, logical progression</a:t>
+            </a:r>
+          </a:p>
+          <a:p>
+            <a:r>
+              <a:rPr lang="en-US" dirty="0"/>
+              <a:t>Be engaging</a:t>
+            </a:r>
+          </a:p>
+          <a:p>
+            <a:endParaRPr lang="en-US" dirty="0"/>
+          </a:p>
+          <a:p>
+            <a:r>
+              <a:rPr lang="en-US" dirty="0"/>
+              <a:t>Style – as per info</a:t>
             </a:r>
           </a:p>
           <a:p>
@@ -5987,7 +8025,7 @@
     </p:spTree>
     <p:extLst>
       <p:ext uri="{BB962C8B-B14F-4D97-AF65-F5344CB8AC3E}">
-        <p14:creationId xmlns:p14="http://schemas.microsoft.com/office/powerpoint/2010/main" val="1825538211"/>
+        <p14:creationId xmlns:p14="http://schemas.microsoft.com/office/powerpoint/2010/main" val="2113874010"/>
       </p:ext>
     </p:extLst>
   </p:cSld>
@@ -6019,7 +8057,7 @@
           <p:cNvPr id="2" name="Title 1">
             <a:extLst>
               <a:ext uri="{FF2B5EF4-FFF2-40B4-BE49-F238E27FC236}">
-                <a16:creationId xmlns:a16="http://schemas.microsoft.com/office/drawing/2014/main" id="{B9395550-3173-2F44-A17F-ECB8F46226BF}"/>
+                <a16:creationId xmlns:a16="http://schemas.microsoft.com/office/drawing/2014/main" id="{EF84C814-87E4-B748-A17C-C4FD2F95F1ED}"/>
               </a:ext>
             </a:extLst>
           </p:cNvPr>
@@ -6037,7 +8075,7 @@
           <a:p>
             <a:r>
               <a:rPr lang="en-US" dirty="0"/>
-              <a:t>What is the problem – Script - Alex</a:t>
+              <a:t>Introduction – 15 seconds</a:t>
             </a:r>
           </a:p>
         </p:txBody>
@@ -6047,7 +8085,7 @@
           <p:cNvPr id="3" name="Content Placeholder 2">
             <a:extLst>
               <a:ext uri="{FF2B5EF4-FFF2-40B4-BE49-F238E27FC236}">
-                <a16:creationId xmlns:a16="http://schemas.microsoft.com/office/drawing/2014/main" id="{3EBFF5F1-1C5E-504D-BF65-3ECE78597D6D}"/>
+                <a16:creationId xmlns:a16="http://schemas.microsoft.com/office/drawing/2014/main" id="{0C29E474-F4E4-DE4E-A187-2BC2D31563CE}"/>
               </a:ext>
             </a:extLst>
           </p:cNvPr>
@@ -6058,53 +8096,55 @@
             <p:ph idx="1"/>
           </p:nvPr>
         </p:nvSpPr>
-        <p:spPr/>
+        <p:spPr>
+          <a:xfrm>
+            <a:off x="838200" y="1825625"/>
+            <a:ext cx="10515600" cy="4351338"/>
+          </a:xfrm>
+        </p:spPr>
         <p:txBody>
           <a:bodyPr>
-            <a:normAutofit/>
+            <a:normAutofit lnSpcReduction="10000"/>
           </a:bodyPr>
           <a:lstStyle/>
           <a:p>
             <a:r>
+              <a:rPr lang="en-US" dirty="0"/>
+              <a:t>Intro and what we are going to talk about</a:t>
+            </a:r>
+          </a:p>
+          <a:p>
+            <a:endParaRPr lang="en-US" dirty="0"/>
+          </a:p>
+          <a:p>
+            <a:r>
               <a:rPr lang="en-AU" dirty="0"/>
-              <a:t>Thanks Brandon, that’s a really good overview of some of the issues that students are seeing.  I can see that there is a real gap that we’re missing here in Australia.</a:t>
-            </a:r>
-          </a:p>
-          <a:p>
-            <a:endParaRPr lang="en-AU" dirty="0"/>
-          </a:p>
-          <a:p>
-            <a:r>
-              <a:rPr lang="en-AU" dirty="0"/>
-              <a:t>This can’t be a new problem though, online learning has been around for a number of years now.  What have people been doing up to now?</a:t>
-            </a:r>
-          </a:p>
-          <a:p>
-            <a:endParaRPr lang="en-AU" dirty="0"/>
-          </a:p>
-          <a:p>
-            <a:r>
-              <a:rPr lang="en-AU" dirty="0"/>
-              <a:t>We have one of the lead researchers XXXX from </a:t>
-            </a:r>
-            <a:r>
-              <a:rPr lang="en-AU" dirty="0" err="1"/>
+              <a:t>A 2018 report titled Programme for International Student Assessment (PISA) details the long-term decline in Australian students in Science, Reading and Mathematics subjects in comparison to Chinese students. Specifically, the report details that Australian students are on average 3.5 years behind Chinese students in mathematics. </a:t>
+            </a:r>
+          </a:p>
+          <a:p>
+            <a:endParaRPr lang="en-US" dirty="0"/>
+          </a:p>
+          <a:p>
+            <a:r>
+              <a:rPr lang="en-US" dirty="0"/>
+              <a:t>we’re joined by X from </a:t>
+            </a:r>
+            <a:r>
+              <a:rPr lang="en-US" dirty="0" err="1"/>
               <a:t>Prosight</a:t>
             </a:r>
             <a:r>
-              <a:rPr lang="en-AU" dirty="0"/>
-              <a:t> here with us today.  XXXX, what are we doing right now to address these issues?</a:t>
-            </a:r>
-          </a:p>
-          <a:p>
-            <a:endParaRPr lang="en-US" dirty="0"/>
+              <a:rPr lang="en-US" dirty="0"/>
+              <a:t> to talk to us about some of the challenges facing students today</a:t>
+            </a:r>
           </a:p>
         </p:txBody>
       </p:sp>
     </p:spTree>
     <p:extLst>
       <p:ext uri="{BB962C8B-B14F-4D97-AF65-F5344CB8AC3E}">
-        <p14:creationId xmlns:p14="http://schemas.microsoft.com/office/powerpoint/2010/main" val="1595671160"/>
+        <p14:creationId xmlns:p14="http://schemas.microsoft.com/office/powerpoint/2010/main" val="704425647"/>
       </p:ext>
     </p:extLst>
   </p:cSld>
@@ -6136,6 +8176,128 @@
           <p:cNvPr id="2" name="Title 1">
             <a:extLst>
               <a:ext uri="{FF2B5EF4-FFF2-40B4-BE49-F238E27FC236}">
+                <a16:creationId xmlns:a16="http://schemas.microsoft.com/office/drawing/2014/main" id="{B9395550-3173-2F44-A17F-ECB8F46226BF}"/>
+              </a:ext>
+            </a:extLst>
+          </p:cNvPr>
+          <p:cNvSpPr>
+            <a:spLocks noGrp="1"/>
+          </p:cNvSpPr>
+          <p:nvPr>
+            <p:ph type="title"/>
+          </p:nvPr>
+        </p:nvSpPr>
+        <p:spPr/>
+        <p:txBody>
+          <a:bodyPr/>
+          <a:lstStyle/>
+          <a:p>
+            <a:r>
+              <a:rPr lang="en-US" dirty="0"/>
+              <a:t>Introduction – Script - Alex</a:t>
+            </a:r>
+          </a:p>
+        </p:txBody>
+      </p:sp>
+      <p:sp>
+        <p:nvSpPr>
+          <p:cNvPr id="3" name="Content Placeholder 2">
+            <a:extLst>
+              <a:ext uri="{FF2B5EF4-FFF2-40B4-BE49-F238E27FC236}">
+                <a16:creationId xmlns:a16="http://schemas.microsoft.com/office/drawing/2014/main" id="{3EBFF5F1-1C5E-504D-BF65-3ECE78597D6D}"/>
+              </a:ext>
+            </a:extLst>
+          </p:cNvPr>
+          <p:cNvSpPr>
+            <a:spLocks noGrp="1"/>
+          </p:cNvSpPr>
+          <p:nvPr>
+            <p:ph idx="1"/>
+          </p:nvPr>
+        </p:nvSpPr>
+        <p:spPr/>
+        <p:txBody>
+          <a:bodyPr>
+            <a:normAutofit fontScale="92500" lnSpcReduction="10000"/>
+          </a:bodyPr>
+          <a:lstStyle/>
+          <a:p>
+            <a:r>
+              <a:rPr lang="en-US" dirty="0"/>
+              <a:t>Hi, I’m Alex Barron and thanks for joining us for our education segment today.  Recently, we’ve been looking at the standards of education in Australia and I’m pleased to be joined by the team from </a:t>
+            </a:r>
+            <a:r>
+              <a:rPr lang="en-US" dirty="0" err="1"/>
+              <a:t>Prosight</a:t>
+            </a:r>
+            <a:r>
+              <a:rPr lang="en-US" dirty="0"/>
+              <a:t> today.</a:t>
+            </a:r>
+          </a:p>
+          <a:p>
+            <a:endParaRPr lang="en-US" dirty="0"/>
+          </a:p>
+          <a:p>
+            <a:r>
+              <a:rPr lang="en-US" dirty="0"/>
+              <a:t> </a:t>
+            </a:r>
+            <a:r>
+              <a:rPr lang="en-US" dirty="0" err="1"/>
+              <a:t>Prosight</a:t>
+            </a:r>
+            <a:r>
+              <a:rPr lang="en-US" dirty="0"/>
+              <a:t> is a new company that’s working with learners to change the way they learn.  We’re joined today by Brandon, Emily, Shane and Natalie to talk through some of the challenges that we’re seeing with Australian education.</a:t>
+            </a:r>
+          </a:p>
+          <a:p>
+            <a:endParaRPr lang="en-US" dirty="0"/>
+          </a:p>
+          <a:p>
+            <a:r>
+              <a:rPr lang="en-US" dirty="0"/>
+              <a:t>Brandon, thanks for joining us, can you tell us a bit about the problems that you’re seeing today with online learners?</a:t>
+            </a:r>
+          </a:p>
+        </p:txBody>
+      </p:sp>
+    </p:spTree>
+    <p:extLst>
+      <p:ext uri="{BB962C8B-B14F-4D97-AF65-F5344CB8AC3E}">
+        <p14:creationId xmlns:p14="http://schemas.microsoft.com/office/powerpoint/2010/main" val="3117266682"/>
+      </p:ext>
+    </p:extLst>
+  </p:cSld>
+  <p:clrMapOvr>
+    <a:masterClrMapping/>
+  </p:clrMapOvr>
+</p:sld>
+</file>
+
+<file path=ppt/slides/slide9.xml><?xml version="1.0" encoding="utf-8"?>
+<p:sld xmlns:a="http://schemas.openxmlformats.org/drawingml/2006/main" xmlns:r="http://schemas.openxmlformats.org/officeDocument/2006/relationships" xmlns:p="http://schemas.openxmlformats.org/presentationml/2006/main">
+  <p:cSld>
+    <p:spTree>
+      <p:nvGrpSpPr>
+        <p:cNvPr id="1" name=""/>
+        <p:cNvGrpSpPr/>
+        <p:nvPr/>
+      </p:nvGrpSpPr>
+      <p:grpSpPr>
+        <a:xfrm>
+          <a:off x="0" y="0"/>
+          <a:ext cx="0" cy="0"/>
+          <a:chOff x="0" y="0"/>
+          <a:chExt cx="0" cy="0"/>
+        </a:xfrm>
+      </p:grpSpPr>
+      <p:sp>
+        <p:nvSpPr>
+          <p:cNvPr id="2" name="Title 1">
+            <a:extLst>
+              <a:ext uri="{FF2B5EF4-FFF2-40B4-BE49-F238E27FC236}">
                 <a16:creationId xmlns:a16="http://schemas.microsoft.com/office/drawing/2014/main" id="{0AFF2694-842C-7D49-8743-E67E62B7CE29}"/>
               </a:ext>
             </a:extLst>
@@ -6154,7 +8316,7 @@
           <a:p>
             <a:r>
               <a:rPr lang="en-US" dirty="0"/>
-              <a:t>What steps are we taking as Australians? – 60 seconds</a:t>
+              <a:t>What is the problem – 60 seconds</a:t>
             </a:r>
           </a:p>
         </p:txBody>
@@ -6391,7 +8553,28 @@
           <a:p>
             <a:r>
               <a:rPr lang="en-US" dirty="0"/>
-              <a:t>Illustrate the points that there are solutions out there, however none of them are really understanding the needs of the student and are bespoke</a:t>
+              <a:t>Script along the lines of “What is the problem being faced by online learners, here is X member from </a:t>
+            </a:r>
+            <a:r>
+              <a:rPr lang="en-US" dirty="0" err="1"/>
+              <a:t>prosight</a:t>
+            </a:r>
+            <a:r>
+              <a:rPr lang="en-US" dirty="0"/>
+              <a:t>”</a:t>
+            </a:r>
+          </a:p>
+          <a:p>
+            <a:endParaRPr lang="en-US" dirty="0"/>
+          </a:p>
+          <a:p>
+            <a:r>
+              <a:rPr lang="en-US" dirty="0" err="1"/>
+              <a:t>Prosight</a:t>
+            </a:r>
+            <a:r>
+              <a:rPr lang="en-US" dirty="0"/>
+              <a:t> member X to illustrate the challenges of online learning</a:t>
             </a:r>
           </a:p>
         </p:txBody>
@@ -6399,98 +8582,7 @@
     </p:spTree>
     <p:extLst>
       <p:ext uri="{BB962C8B-B14F-4D97-AF65-F5344CB8AC3E}">
-        <p14:creationId xmlns:p14="http://schemas.microsoft.com/office/powerpoint/2010/main" val="2168259597"/>
-      </p:ext>
-    </p:extLst>
-  </p:cSld>
-  <p:clrMapOvr>
-    <a:masterClrMapping/>
-  </p:clrMapOvr>
-</p:sld>
-</file>
-
-<file path=ppt/slides/slide9.xml><?xml version="1.0" encoding="utf-8"?>
-<p:sld xmlns:a="http://schemas.openxmlformats.org/drawingml/2006/main" xmlns:r="http://schemas.openxmlformats.org/officeDocument/2006/relationships" xmlns:p="http://schemas.openxmlformats.org/presentationml/2006/main">
-  <p:cSld>
-    <p:spTree>
-      <p:nvGrpSpPr>
-        <p:cNvPr id="1" name=""/>
-        <p:cNvGrpSpPr/>
-        <p:nvPr/>
-      </p:nvGrpSpPr>
-      <p:grpSpPr>
-        <a:xfrm>
-          <a:off x="0" y="0"/>
-          <a:ext cx="0" cy="0"/>
-          <a:chOff x="0" y="0"/>
-          <a:chExt cx="0" cy="0"/>
-        </a:xfrm>
-      </p:grpSpPr>
-      <p:sp>
-        <p:nvSpPr>
-          <p:cNvPr id="2" name="Title 1">
-            <a:extLst>
-              <a:ext uri="{FF2B5EF4-FFF2-40B4-BE49-F238E27FC236}">
-                <a16:creationId xmlns:a16="http://schemas.microsoft.com/office/drawing/2014/main" id="{B9395550-3173-2F44-A17F-ECB8F46226BF}"/>
-              </a:ext>
-            </a:extLst>
-          </p:cNvPr>
-          <p:cNvSpPr>
-            <a:spLocks noGrp="1"/>
-          </p:cNvSpPr>
-          <p:nvPr>
-            <p:ph type="title"/>
-          </p:nvPr>
-        </p:nvSpPr>
-        <p:spPr/>
-        <p:txBody>
-          <a:bodyPr/>
-          <a:lstStyle/>
-          <a:p>
-            <a:r>
-              <a:rPr lang="en-US" dirty="0"/>
-              <a:t>What steps are we taking as Australians? – Script - Natalie</a:t>
-            </a:r>
-          </a:p>
-        </p:txBody>
-      </p:sp>
-      <p:sp>
-        <p:nvSpPr>
-          <p:cNvPr id="3" name="Content Placeholder 2">
-            <a:extLst>
-              <a:ext uri="{FF2B5EF4-FFF2-40B4-BE49-F238E27FC236}">
-                <a16:creationId xmlns:a16="http://schemas.microsoft.com/office/drawing/2014/main" id="{3EBFF5F1-1C5E-504D-BF65-3ECE78597D6D}"/>
-              </a:ext>
-            </a:extLst>
-          </p:cNvPr>
-          <p:cNvSpPr>
-            <a:spLocks noGrp="1"/>
-          </p:cNvSpPr>
-          <p:nvPr>
-            <p:ph idx="1"/>
-          </p:nvPr>
-        </p:nvSpPr>
-        <p:spPr/>
-        <p:txBody>
-          <a:bodyPr>
-            <a:normAutofit/>
-          </a:bodyPr>
-          <a:lstStyle/>
-          <a:p>
-            <a:r>
-              <a:rPr lang="en-AU" dirty="0"/>
-              <a:t>Talk about existing platforms, learning quizzes, all classroom education is the same, not really helping people.   Plenty of things out there, but you have to go and look for it.</a:t>
-            </a:r>
-          </a:p>
-          <a:p>
-            <a:endParaRPr lang="en-US" dirty="0"/>
-          </a:p>
-        </p:txBody>
-      </p:sp>
-    </p:spTree>
-    <p:extLst>
-      <p:ext uri="{BB962C8B-B14F-4D97-AF65-F5344CB8AC3E}">
-        <p14:creationId xmlns:p14="http://schemas.microsoft.com/office/powerpoint/2010/main" val="3546889449"/>
+        <p14:creationId xmlns:p14="http://schemas.microsoft.com/office/powerpoint/2010/main" val="2716251402"/>
       </p:ext>
     </p:extLst>
   </p:cSld>
@@ -6793,4 +8885,299 @@
     </a:ext>
   </a:extLst>
 </a:theme>
+</file>
+
+<file path=ppt/theme/theme2.xml><?xml version="1.0" encoding="utf-8"?>
+<a:theme xmlns:a="http://schemas.openxmlformats.org/drawingml/2006/main" name="Office Theme">
+  <a:themeElements>
+    <a:clrScheme name="Office">
+      <a:dk1>
+        <a:sysClr val="windowText" lastClr="000000"/>
+      </a:dk1>
+      <a:lt1>
+        <a:sysClr val="window" lastClr="FFFFFF"/>
+      </a:lt1>
+      <a:dk2>
+        <a:srgbClr val="44546A"/>
+      </a:dk2>
+      <a:lt2>
+        <a:srgbClr val="E7E6E6"/>
+      </a:lt2>
+      <a:accent1>
+        <a:srgbClr val="4472C4"/>
+      </a:accent1>
+      <a:accent2>
+        <a:srgbClr val="ED7D31"/>
+      </a:accent2>
+      <a:accent3>
+        <a:srgbClr val="A5A5A5"/>
+      </a:accent3>
+      <a:accent4>
+        <a:srgbClr val="FFC000"/>
+      </a:accent4>
+      <a:accent5>
+        <a:srgbClr val="5B9BD5"/>
+      </a:accent5>
+      <a:accent6>
+        <a:srgbClr val="70AD47"/>
+      </a:accent6>
+      <a:hlink>
+        <a:srgbClr val="0563C1"/>
+      </a:hlink>
+      <a:folHlink>
+        <a:srgbClr val="954F72"/>
+      </a:folHlink>
+    </a:clrScheme>
+    <a:fontScheme name="Office">
+      <a:majorFont>
+        <a:latin typeface="Calibri Light" panose="020F0302020204030204"/>
+        <a:ea typeface=""/>
+        <a:cs typeface=""/>
+        <a:font script="Jpan" typeface="游ゴシック Light"/>
+        <a:font script="Hang" typeface="맑은 고딕"/>
+        <a:font script="Hans" typeface="等线 Light"/>
+        <a:font script="Hant" typeface="新細明體"/>
+        <a:font script="Arab" typeface="Times New Roman"/>
+        <a:font script="Hebr" typeface="Times New Roman"/>
+        <a:font script="Thai" typeface="Angsana New"/>
+        <a:font script="Ethi" typeface="Nyala"/>
+        <a:font script="Beng" typeface="Vrinda"/>
+        <a:font script="Gujr" typeface="Shruti"/>
+        <a:font script="Khmr" typeface="MoolBoran"/>
+        <a:font script="Knda" typeface="Tunga"/>
+        <a:font script="Guru" typeface="Raavi"/>
+        <a:font script="Cans" typeface="Euphemia"/>
+        <a:font script="Cher" typeface="Plantagenet Cherokee"/>
+        <a:font script="Yiii" typeface="Microsoft Yi Baiti"/>
+        <a:font script="Tibt" typeface="Microsoft Himalaya"/>
+        <a:font script="Thaa" typeface="MV Boli"/>
+        <a:font script="Deva" typeface="Mangal"/>
+        <a:font script="Telu" typeface="Gautami"/>
+        <a:font script="Taml" typeface="Latha"/>
+        <a:font script="Syrc" typeface="Estrangelo Edessa"/>
+        <a:font script="Orya" typeface="Kalinga"/>
+        <a:font script="Mlym" typeface="Kartika"/>
+        <a:font script="Laoo" typeface="DokChampa"/>
+        <a:font script="Sinh" typeface="Iskoola Pota"/>
+        <a:font script="Mong" typeface="Mongolian Baiti"/>
+        <a:font script="Viet" typeface="Times New Roman"/>
+        <a:font script="Uigh" typeface="Microsoft Uighur"/>
+        <a:font script="Geor" typeface="Sylfaen"/>
+        <a:font script="Armn" typeface="Arial"/>
+        <a:font script="Bugi" typeface="Leelawadee UI"/>
+        <a:font script="Bopo" typeface="Microsoft JhengHei"/>
+        <a:font script="Java" typeface="Javanese Text"/>
+        <a:font script="Lisu" typeface="Segoe UI"/>
+        <a:font script="Mymr" typeface="Myanmar Text"/>
+        <a:font script="Nkoo" typeface="Ebrima"/>
+        <a:font script="Olck" typeface="Nirmala UI"/>
+        <a:font script="Osma" typeface="Ebrima"/>
+        <a:font script="Phag" typeface="Phagspa"/>
+        <a:font script="Syrn" typeface="Estrangelo Edessa"/>
+        <a:font script="Syrj" typeface="Estrangelo Edessa"/>
+        <a:font script="Syre" typeface="Estrangelo Edessa"/>
+        <a:font script="Sora" typeface="Nirmala UI"/>
+        <a:font script="Tale" typeface="Microsoft Tai Le"/>
+        <a:font script="Talu" typeface="Microsoft New Tai Lue"/>
+        <a:font script="Tfng" typeface="Ebrima"/>
+      </a:majorFont>
+      <a:minorFont>
+        <a:latin typeface="Calibri" panose="020F0502020204030204"/>
+        <a:ea typeface=""/>
+        <a:cs typeface=""/>
+        <a:font script="Jpan" typeface="游ゴシック"/>
+        <a:font script="Hang" typeface="맑은 고딕"/>
+        <a:font script="Hans" typeface="等线"/>
+        <a:font script="Hant" typeface="新細明體"/>
+        <a:font script="Arab" typeface="Arial"/>
+        <a:font script="Hebr" typeface="Arial"/>
+        <a:font script="Thai" typeface="Cordia New"/>
+        <a:font script="Ethi" typeface="Nyala"/>
+        <a:font script="Beng" typeface="Vrinda"/>
+        <a:font script="Gujr" typeface="Shruti"/>
+        <a:font script="Khmr" typeface="DaunPenh"/>
+        <a:font script="Knda" typeface="Tunga"/>
+        <a:font script="Guru" typeface="Raavi"/>
+        <a:font script="Cans" typeface="Euphemia"/>
+        <a:font script="Cher" typeface="Plantagenet Cherokee"/>
+        <a:font script="Yiii" typeface="Microsoft Yi Baiti"/>
+        <a:font script="Tibt" typeface="Microsoft Himalaya"/>
+        <a:font script="Thaa" typeface="MV Boli"/>
+        <a:font script="Deva" typeface="Mangal"/>
+        <a:font script="Telu" typeface="Gautami"/>
+        <a:font script="Taml" typeface="Latha"/>
+        <a:font script="Syrc" typeface="Estrangelo Edessa"/>
+        <a:font script="Orya" typeface="Kalinga"/>
+        <a:font script="Mlym" typeface="Kartika"/>
+        <a:font script="Laoo" typeface="DokChampa"/>
+        <a:font script="Sinh" typeface="Iskoola Pota"/>
+        <a:font script="Mong" typeface="Mongolian Baiti"/>
+        <a:font script="Viet" typeface="Arial"/>
+        <a:font script="Uigh" typeface="Microsoft Uighur"/>
+        <a:font script="Geor" typeface="Sylfaen"/>
+        <a:font script="Armn" typeface="Arial"/>
+        <a:font script="Bugi" typeface="Leelawadee UI"/>
+        <a:font script="Bopo" typeface="Microsoft JhengHei"/>
+        <a:font script="Java" typeface="Javanese Text"/>
+        <a:font script="Lisu" typeface="Segoe UI"/>
+        <a:font script="Mymr" typeface="Myanmar Text"/>
+        <a:font script="Nkoo" typeface="Ebrima"/>
+        <a:font script="Olck" typeface="Nirmala UI"/>
+        <a:font script="Osma" typeface="Ebrima"/>
+        <a:font script="Phag" typeface="Phagspa"/>
+        <a:font script="Syrn" typeface="Estrangelo Edessa"/>
+        <a:font script="Syrj" typeface="Estrangelo Edessa"/>
+        <a:font script="Syre" typeface="Estrangelo Edessa"/>
+        <a:font script="Sora" typeface="Nirmala UI"/>
+        <a:font script="Tale" typeface="Microsoft Tai Le"/>
+        <a:font script="Talu" typeface="Microsoft New Tai Lue"/>
+        <a:font script="Tfng" typeface="Ebrima"/>
+      </a:minorFont>
+    </a:fontScheme>
+    <a:fmtScheme name="Office">
+      <a:fillStyleLst>
+        <a:solidFill>
+          <a:schemeClr val="phClr"/>
+        </a:solidFill>
+        <a:gradFill rotWithShape="1">
+          <a:gsLst>
+            <a:gs pos="0">
+              <a:schemeClr val="phClr">
+                <a:lumMod val="110000"/>
+                <a:satMod val="105000"/>
+                <a:tint val="67000"/>
+              </a:schemeClr>
+            </a:gs>
+            <a:gs pos="50000">
+              <a:schemeClr val="phClr">
+                <a:lumMod val="105000"/>
+                <a:satMod val="103000"/>
+                <a:tint val="73000"/>
+              </a:schemeClr>
+            </a:gs>
+            <a:gs pos="100000">
+              <a:schemeClr val="phClr">
+                <a:lumMod val="105000"/>
+                <a:satMod val="109000"/>
+                <a:tint val="81000"/>
+              </a:schemeClr>
+            </a:gs>
+          </a:gsLst>
+          <a:lin ang="5400000" scaled="0"/>
+        </a:gradFill>
+        <a:gradFill rotWithShape="1">
+          <a:gsLst>
+            <a:gs pos="0">
+              <a:schemeClr val="phClr">
+                <a:satMod val="103000"/>
+                <a:lumMod val="102000"/>
+                <a:tint val="94000"/>
+              </a:schemeClr>
+            </a:gs>
+            <a:gs pos="50000">
+              <a:schemeClr val="phClr">
+                <a:satMod val="110000"/>
+                <a:lumMod val="100000"/>
+                <a:shade val="100000"/>
+              </a:schemeClr>
+            </a:gs>
+            <a:gs pos="100000">
+              <a:schemeClr val="phClr">
+                <a:lumMod val="99000"/>
+                <a:satMod val="120000"/>
+                <a:shade val="78000"/>
+              </a:schemeClr>
+            </a:gs>
+          </a:gsLst>
+          <a:lin ang="5400000" scaled="0"/>
+        </a:gradFill>
+      </a:fillStyleLst>
+      <a:lnStyleLst>
+        <a:ln w="6350" cap="flat" cmpd="sng" algn="ctr">
+          <a:solidFill>
+            <a:schemeClr val="phClr"/>
+          </a:solidFill>
+          <a:prstDash val="solid"/>
+          <a:miter lim="800000"/>
+        </a:ln>
+        <a:ln w="12700" cap="flat" cmpd="sng" algn="ctr">
+          <a:solidFill>
+            <a:schemeClr val="phClr"/>
+          </a:solidFill>
+          <a:prstDash val="solid"/>
+          <a:miter lim="800000"/>
+        </a:ln>
+        <a:ln w="19050" cap="flat" cmpd="sng" algn="ctr">
+          <a:solidFill>
+            <a:schemeClr val="phClr"/>
+          </a:solidFill>
+          <a:prstDash val="solid"/>
+          <a:miter lim="800000"/>
+        </a:ln>
+      </a:lnStyleLst>
+      <a:effectStyleLst>
+        <a:effectStyle>
+          <a:effectLst/>
+        </a:effectStyle>
+        <a:effectStyle>
+          <a:effectLst/>
+        </a:effectStyle>
+        <a:effectStyle>
+          <a:effectLst>
+            <a:outerShdw blurRad="57150" dist="19050" dir="5400000" algn="ctr" rotWithShape="0">
+              <a:srgbClr val="000000">
+                <a:alpha val="63000"/>
+              </a:srgbClr>
+            </a:outerShdw>
+          </a:effectLst>
+        </a:effectStyle>
+      </a:effectStyleLst>
+      <a:bgFillStyleLst>
+        <a:solidFill>
+          <a:schemeClr val="phClr"/>
+        </a:solidFill>
+        <a:solidFill>
+          <a:schemeClr val="phClr">
+            <a:tint val="95000"/>
+            <a:satMod val="170000"/>
+          </a:schemeClr>
+        </a:solidFill>
+        <a:gradFill rotWithShape="1">
+          <a:gsLst>
+            <a:gs pos="0">
+              <a:schemeClr val="phClr">
+                <a:tint val="93000"/>
+                <a:satMod val="150000"/>
+                <a:shade val="98000"/>
+                <a:lumMod val="102000"/>
+              </a:schemeClr>
+            </a:gs>
+            <a:gs pos="50000">
+              <a:schemeClr val="phClr">
+                <a:tint val="98000"/>
+                <a:satMod val="130000"/>
+                <a:shade val="90000"/>
+                <a:lumMod val="103000"/>
+              </a:schemeClr>
+            </a:gs>
+            <a:gs pos="100000">
+              <a:schemeClr val="phClr">
+                <a:shade val="63000"/>
+                <a:satMod val="120000"/>
+              </a:schemeClr>
+            </a:gs>
+          </a:gsLst>
+          <a:lin ang="5400000" scaled="0"/>
+        </a:gradFill>
+      </a:bgFillStyleLst>
+    </a:fmtScheme>
+  </a:themeElements>
+  <a:objectDefaults/>
+  <a:extraClrSchemeLst/>
+  <a:extLst>
+    <a:ext uri="{05A4C25C-085E-4340-85A3-A5531E510DB2}">
+      <thm15:themeFamily xmlns:thm15="http://schemas.microsoft.com/office/thememl/2012/main" name="Office Theme" id="{62F939B6-93AF-4DB8-9C6B-D6C7DFDC589F}" vid="{4A3C46E8-61CC-4603-A589-7422A47A8E4A}"/>
+    </a:ext>
+  </a:extLst>
+</a:theme>
 </file>